--- a/Unix_primer.pptx
+++ b/Unix_primer.pptx
@@ -5,10 +5,10 @@
     <p:sldMasterId id="2147483694" r:id="rId1"/>
   </p:sldMasterIdLst>
   <p:notesMasterIdLst>
-    <p:notesMasterId r:id="rId27"/>
+    <p:notesMasterId r:id="rId28"/>
   </p:notesMasterIdLst>
   <p:handoutMasterIdLst>
-    <p:handoutMasterId r:id="rId28"/>
+    <p:handoutMasterId r:id="rId29"/>
   </p:handoutMasterIdLst>
   <p:sldIdLst>
     <p:sldId id="265" r:id="rId2"/>
@@ -18,46 +18,47 @@
     <p:sldId id="268" r:id="rId6"/>
     <p:sldId id="269" r:id="rId7"/>
     <p:sldId id="270" r:id="rId8"/>
-    <p:sldId id="271" r:id="rId9"/>
-    <p:sldId id="272" r:id="rId10"/>
-    <p:sldId id="273" r:id="rId11"/>
-    <p:sldId id="274" r:id="rId12"/>
-    <p:sldId id="276" r:id="rId13"/>
-    <p:sldId id="275" r:id="rId14"/>
-    <p:sldId id="288" r:id="rId15"/>
-    <p:sldId id="277" r:id="rId16"/>
-    <p:sldId id="278" r:id="rId17"/>
-    <p:sldId id="279" r:id="rId18"/>
-    <p:sldId id="280" r:id="rId19"/>
-    <p:sldId id="281" r:id="rId20"/>
-    <p:sldId id="282" r:id="rId21"/>
-    <p:sldId id="283" r:id="rId22"/>
-    <p:sldId id="284" r:id="rId23"/>
-    <p:sldId id="285" r:id="rId24"/>
-    <p:sldId id="286" r:id="rId25"/>
-    <p:sldId id="287" r:id="rId26"/>
+    <p:sldId id="284" r:id="rId9"/>
+    <p:sldId id="285" r:id="rId10"/>
+    <p:sldId id="271" r:id="rId11"/>
+    <p:sldId id="272" r:id="rId12"/>
+    <p:sldId id="273" r:id="rId13"/>
+    <p:sldId id="274" r:id="rId14"/>
+    <p:sldId id="276" r:id="rId15"/>
+    <p:sldId id="275" r:id="rId16"/>
+    <p:sldId id="289" r:id="rId17"/>
+    <p:sldId id="288" r:id="rId18"/>
+    <p:sldId id="277" r:id="rId19"/>
+    <p:sldId id="278" r:id="rId20"/>
+    <p:sldId id="279" r:id="rId21"/>
+    <p:sldId id="280" r:id="rId22"/>
+    <p:sldId id="281" r:id="rId23"/>
+    <p:sldId id="282" r:id="rId24"/>
+    <p:sldId id="283" r:id="rId25"/>
+    <p:sldId id="286" r:id="rId26"/>
+    <p:sldId id="287" r:id="rId27"/>
   </p:sldIdLst>
   <p:sldSz cx="9144000" cy="6858000" type="screen4x3"/>
   <p:notesSz cx="6718300" cy="9867900"/>
   <p:embeddedFontLst>
     <p:embeddedFont>
-      <p:font typeface="Andale Mono" panose="020B0509000000000004" pitchFamily="49" charset="0"/>
-      <p:regular r:id="rId29"/>
-    </p:embeddedFont>
-    <p:embeddedFont>
-      <p:font typeface="Arial Black" panose="020B0604020202020204" pitchFamily="34" charset="0"/>
-      <p:bold r:id="rId30"/>
+      <p:font typeface="Effra" panose="020B0604020202020204" charset="0"/>
+      <p:regular r:id="rId30"/>
+      <p:bold r:id="rId31"/>
+      <p:italic r:id="rId32"/>
+      <p:boldItalic r:id="rId33"/>
     </p:embeddedFont>
     <p:embeddedFont>
       <p:font typeface="Arial Bold" panose="020B0704020202020204" pitchFamily="34" charset="0"/>
-      <p:bold r:id="rId31"/>
+      <p:bold r:id="rId34"/>
     </p:embeddedFont>
     <p:embeddedFont>
-      <p:font typeface="Effra" panose="020B0603020203020204" pitchFamily="34" charset="77"/>
-      <p:regular r:id="rId32"/>
-      <p:bold r:id="rId33"/>
-      <p:italic r:id="rId34"/>
-      <p:boldItalic r:id="rId35"/>
+      <p:font typeface="Andale Mono" panose="020B0604020202020204" charset="0"/>
+      <p:regular r:id="rId35"/>
+    </p:embeddedFont>
+    <p:embeddedFont>
+      <p:font typeface="Arial Black" panose="020B0A04020102020204" pitchFamily="34" charset="0"/>
+      <p:bold r:id="rId36"/>
     </p:embeddedFont>
   </p:embeddedFontLst>
   <p:defaultTextStyle>
@@ -8908,7 +8909,7 @@
           <p:cNvPr id="10" name="Picture Placeholder 9">
             <a:extLst>
               <a:ext uri="{FF2B5EF4-FFF2-40B4-BE49-F238E27FC236}">
-                <a16:creationId xmlns:a16="http://schemas.microsoft.com/office/drawing/2014/main" id="{FAEE14F6-6040-6849-8060-445569ABA6D0}"/>
+                <a16:creationId xmlns:a16="http://schemas.microsoft.com/office/drawing/2014/main" xmlns="" id="{FAEE14F6-6040-6849-8060-445569ABA6D0}"/>
               </a:ext>
             </a:extLst>
           </p:cNvPr>
@@ -8952,6 +8953,13 @@
   <p:transition spd="med">
     <p:fade/>
   </p:transition>
+  <p:timing>
+    <p:tnLst>
+      <p:par>
+        <p:cTn id="1" dur="indefinite" restart="never" nodeType="tmRoot"/>
+      </p:par>
+    </p:tnLst>
+  </p:timing>
 </p:sld>
 </file>
 
@@ -8989,8 +8997,13 @@
           <a:p>
             <a:r>
               <a:rPr lang="en-GB" dirty="0"/>
-              <a:t>The echo command</a:t>
-            </a:r>
+              <a:t>Creating a directory - </a:t>
+            </a:r>
+            <a:r>
+              <a:rPr lang="en-GB" dirty="0" err="1"/>
+              <a:t>mkdir</a:t>
+            </a:r>
+            <a:endParaRPr lang="en-GB" dirty="0"/>
           </a:p>
         </p:txBody>
       </p:sp>
@@ -9016,7 +9029,15 @@
           <a:p>
             <a:r>
               <a:rPr lang="en-GB" dirty="0"/>
-              <a:t>The ‘</a:t>
+              <a:t>To create a directory in the current folder simply type                       ‘</a:t>
+            </a:r>
+            <a:r>
+              <a:rPr lang="en-GB" dirty="0" err="1">
+                <a:solidFill>
+                  <a:srgbClr val="FF0000"/>
+                </a:solidFill>
+              </a:rPr>
+              <a:t>mkdir</a:t>
             </a:r>
             <a:r>
               <a:rPr lang="en-GB" dirty="0">
@@ -9024,28 +9045,20 @@
                   <a:srgbClr val="FF0000"/>
                 </a:solidFill>
               </a:rPr>
-              <a:t>echo</a:t>
-            </a:r>
-            <a:r>
-              <a:rPr lang="en-GB" dirty="0"/>
-              <a:t>’ command is a very simple but useful tool: all it does is output its argument to the screen.</a:t>
-            </a:r>
-          </a:p>
-          <a:p>
-            <a:r>
-              <a:rPr lang="en-GB" dirty="0"/>
-              <a:t>For the following sets of exercises, make sure you’re in your home directory.</a:t>
-            </a:r>
-          </a:p>
-          <a:p>
-            <a:endParaRPr lang="en-GB" sz="1800" dirty="0">
-              <a:latin typeface="Andale Mono" panose="020B0509000000000004" pitchFamily="49" charset="0"/>
-            </a:endParaRPr>
-          </a:p>
-          <a:p>
-            <a:r>
-              <a:rPr lang="en-GB" sz="1800" dirty="0"/>
-              <a:t>Example</a:t>
+              <a:t> directory-name</a:t>
+            </a:r>
+            <a:r>
+              <a:rPr lang="en-GB" dirty="0"/>
+              <a:t>’</a:t>
+            </a:r>
+          </a:p>
+          <a:p>
+            <a:endParaRPr lang="en-GB" dirty="0"/>
+          </a:p>
+          <a:p>
+            <a:r>
+              <a:rPr lang="en-GB" dirty="0"/>
+              <a:t>Example:</a:t>
             </a:r>
           </a:p>
           <a:p>
@@ -9053,17 +9066,32 @@
               <a:buNone/>
             </a:pPr>
             <a:r>
-              <a:rPr lang="en-GB" sz="1600" dirty="0">
+              <a:rPr lang="en-GB" dirty="0">
+                <a:latin typeface="Andale Mono" panose="020B0509000000000004" pitchFamily="49" charset="0"/>
+              </a:rPr>
+              <a:t>   [sxs98pmh@racc-login-0-1 ~]$ </a:t>
+            </a:r>
+            <a:r>
+              <a:rPr lang="en-GB" dirty="0" err="1">
+                <a:latin typeface="Andale Mono" panose="020B0509000000000004" pitchFamily="49" charset="0"/>
+              </a:rPr>
+              <a:t>mkdir</a:t>
+            </a:r>
+            <a:r>
+              <a:rPr lang="en-GB" dirty="0">
                 <a:latin typeface="Andale Mono" panose="020B0509000000000004" pitchFamily="49" charset="0"/>
               </a:rPr>
               <a:t> </a:t>
             </a:r>
             <a:r>
-              <a:rPr lang="en-GB" dirty="0">
-                <a:latin typeface="Andale Mono" panose="020B0509000000000004" pitchFamily="49" charset="0"/>
-              </a:rPr>
-              <a:t>$ echo “Mary had a little lamb”</a:t>
-            </a:r>
+              <a:rPr lang="en-GB" dirty="0" err="1">
+                <a:latin typeface="Andale Mono" panose="020B0509000000000004" pitchFamily="49" charset="0"/>
+              </a:rPr>
+              <a:t>my_poems</a:t>
+            </a:r>
+            <a:endParaRPr lang="en-GB" dirty="0">
+              <a:latin typeface="Andale Mono" panose="020B0509000000000004" pitchFamily="49" charset="0"/>
+            </a:endParaRPr>
           </a:p>
           <a:p>
             <a:pPr marL="0" indent="0">
@@ -9071,10 +9099,82 @@
             </a:pPr>
             <a:r>
               <a:rPr lang="en-GB" dirty="0">
-                <a:latin typeface="Andale Mono" panose="020B0509000000000004" pitchFamily="49" charset="0"/>
-              </a:rPr>
-              <a:t> Mary had a little lamb</a:t>
-            </a:r>
+                <a:solidFill>
+                  <a:srgbClr val="0070C0"/>
+                </a:solidFill>
+              </a:rPr>
+              <a:t>       </a:t>
+            </a:r>
+            <a:r>
+              <a:rPr lang="en-GB" dirty="0">
+                <a:latin typeface="Andale Mono" panose="020B0509000000000004" pitchFamily="49" charset="0"/>
+              </a:rPr>
+              <a:t>[sxs98pmh@racc-login-0-1 ~]$ ls</a:t>
+            </a:r>
+          </a:p>
+          <a:p>
+            <a:pPr marL="0" indent="0">
+              <a:buNone/>
+            </a:pPr>
+            <a:r>
+              <a:rPr lang="en-GB" dirty="0">
+                <a:solidFill>
+                  <a:srgbClr val="0070C0"/>
+                </a:solidFill>
+              </a:rPr>
+              <a:t>       </a:t>
+            </a:r>
+            <a:r>
+              <a:rPr lang="en-US" dirty="0">
+                <a:latin typeface="Andale Mono" panose="020B0509000000000004" pitchFamily="49" charset="0"/>
+              </a:rPr>
+              <a:t>Desktop       Music      Videos</a:t>
+            </a:r>
+          </a:p>
+          <a:p>
+            <a:pPr marL="0" indent="0">
+              <a:buNone/>
+            </a:pPr>
+            <a:r>
+              <a:rPr lang="en-US" dirty="0">
+                <a:latin typeface="Andale Mono" panose="020B0509000000000004" pitchFamily="49" charset="0"/>
+              </a:rPr>
+              <a:t>   Documents     </a:t>
+            </a:r>
+            <a:r>
+              <a:rPr lang="en-US" dirty="0" err="1">
+                <a:latin typeface="Andale Mono" panose="020B0509000000000004" pitchFamily="49" charset="0"/>
+              </a:rPr>
+              <a:t>my_poems</a:t>
+            </a:r>
+            <a:r>
+              <a:rPr lang="en-US" dirty="0">
+                <a:latin typeface="Andale Mono" panose="020B0509000000000004" pitchFamily="49" charset="0"/>
+              </a:rPr>
+              <a:t>   Public</a:t>
+            </a:r>
+          </a:p>
+          <a:p>
+            <a:pPr marL="0" indent="0">
+              <a:buNone/>
+            </a:pPr>
+            <a:r>
+              <a:rPr lang="en-US" dirty="0">
+                <a:latin typeface="Andale Mono" panose="020B0509000000000004" pitchFamily="49" charset="0"/>
+              </a:rPr>
+              <a:t>   Downloads     Pictures   </a:t>
+            </a:r>
+            <a:r>
+              <a:rPr lang="en-US" dirty="0" err="1">
+                <a:latin typeface="Andale Mono" panose="020B0509000000000004" pitchFamily="49" charset="0"/>
+              </a:rPr>
+              <a:t>test.txt</a:t>
+            </a:r>
+            <a:endParaRPr lang="en-US" dirty="0">
+              <a:latin typeface="Andale Mono" panose="020B0509000000000004" pitchFamily="49" charset="0"/>
+            </a:endParaRPr>
+          </a:p>
+          <a:p>
             <a:endParaRPr lang="en-GB" dirty="0"/>
           </a:p>
         </p:txBody>
@@ -9106,7 +9206,7 @@
     </p:spTree>
     <p:extLst>
       <p:ext uri="{BB962C8B-B14F-4D97-AF65-F5344CB8AC3E}">
-        <p14:creationId xmlns:p14="http://schemas.microsoft.com/office/powerpoint/2010/main" val="3607450395"/>
+        <p14:creationId xmlns:p14="http://schemas.microsoft.com/office/powerpoint/2010/main" val="1224337523"/>
       </p:ext>
     </p:extLst>
   </p:cSld>
@@ -9116,6 +9216,13 @@
   <p:transition>
     <p:fade/>
   </p:transition>
+  <p:timing>
+    <p:tnLst>
+      <p:par>
+        <p:cTn id="1" dur="indefinite" restart="never" nodeType="tmRoot"/>
+      </p:par>
+    </p:tnLst>
+  </p:timing>
 </p:sld>
 </file>
 
@@ -9153,7 +9260,7 @@
           <a:p>
             <a:r>
               <a:rPr lang="en-GB" dirty="0"/>
-              <a:t>Creating files with ‘&gt;’</a:t>
+              <a:t>Navigating directories - cd</a:t>
             </a:r>
           </a:p>
         </p:txBody>
@@ -9180,19 +9287,7 @@
           <a:p>
             <a:r>
               <a:rPr lang="en-GB" dirty="0"/>
-              <a:t>The &gt; and &gt;&gt; operators are a shorthand way of creating and appending files respectively.</a:t>
-            </a:r>
-          </a:p>
-          <a:p>
-            <a:r>
-              <a:rPr lang="en-GB" dirty="0"/>
-              <a:t>To use them simply add them to the end of a command with a filename.</a:t>
-            </a:r>
-          </a:p>
-          <a:p>
-            <a:r>
-              <a:rPr lang="en-GB" dirty="0"/>
-              <a:t>We previously used the ‘</a:t>
+              <a:t>‘</a:t>
             </a:r>
             <a:r>
               <a:rPr lang="en-GB" dirty="0">
@@ -9200,28 +9295,65 @@
                   <a:srgbClr val="FF0000"/>
                 </a:solidFill>
               </a:rPr>
-              <a:t>echo</a:t>
-            </a:r>
-            <a:r>
-              <a:rPr lang="en-GB" dirty="0"/>
-              <a:t>’ command which outputs its arguments to the screen. We can </a:t>
-            </a:r>
-            <a:r>
-              <a:rPr lang="en-GB" i="1" dirty="0"/>
-              <a:t>redirect</a:t>
-            </a:r>
-            <a:r>
-              <a:rPr lang="en-GB" dirty="0"/>
-              <a:t> the output of echo into a file using ‘&gt;’.</a:t>
-            </a:r>
-          </a:p>
-          <a:p>
-            <a:endParaRPr lang="en-GB" dirty="0"/>
-          </a:p>
-          <a:p>
-            <a:r>
-              <a:rPr lang="en-GB" dirty="0"/>
-              <a:t>Example:</a:t>
+              <a:t>cd</a:t>
+            </a:r>
+            <a:r>
+              <a:rPr lang="en-GB" dirty="0"/>
+              <a:t>’ is short for ‘change directory’ </a:t>
+            </a:r>
+          </a:p>
+          <a:p>
+            <a:r>
+              <a:rPr lang="en-GB" dirty="0"/>
+              <a:t>To navigate into the ‘</a:t>
+            </a:r>
+            <a:r>
+              <a:rPr lang="en-GB" dirty="0" err="1"/>
+              <a:t>my_poems</a:t>
+            </a:r>
+            <a:r>
+              <a:rPr lang="en-GB" dirty="0"/>
+              <a:t>’ directory type ‘</a:t>
+            </a:r>
+            <a:r>
+              <a:rPr lang="en-GB" dirty="0">
+                <a:solidFill>
+                  <a:srgbClr val="FF0000"/>
+                </a:solidFill>
+              </a:rPr>
+              <a:t>cd </a:t>
+            </a:r>
+            <a:r>
+              <a:rPr lang="en-GB" dirty="0" err="1">
+                <a:solidFill>
+                  <a:srgbClr val="FF0000"/>
+                </a:solidFill>
+              </a:rPr>
+              <a:t>my_poems</a:t>
+            </a:r>
+            <a:r>
+              <a:rPr lang="en-GB" dirty="0"/>
+              <a:t>’</a:t>
+            </a:r>
+          </a:p>
+          <a:p>
+            <a:r>
+              <a:rPr lang="en-GB" dirty="0"/>
+              <a:t>Remember Unix is case sensitive!</a:t>
+            </a:r>
+          </a:p>
+          <a:p>
+            <a:r>
+              <a:rPr lang="en-GB" dirty="0"/>
+              <a:t>The prompt shows you that you are in the ‘</a:t>
+            </a:r>
+            <a:r>
+              <a:rPr lang="en-GB" dirty="0" err="1"/>
+              <a:t>my_poems</a:t>
+            </a:r>
+            <a:r>
+              <a:rPr lang="en-GB" dirty="0"/>
+              <a:t>’ folder:</a:t>
             </a:r>
           </a:p>
           <a:p>
@@ -9229,16 +9361,10 @@
               <a:buNone/>
             </a:pPr>
             <a:r>
-              <a:rPr lang="en-GB" sz="1600" dirty="0">
-                <a:latin typeface="Andale Mono" panose="020B0509000000000004" pitchFamily="49" charset="0"/>
-              </a:rPr>
-              <a:t> </a:t>
-            </a:r>
-            <a:r>
               <a:rPr lang="en-GB" dirty="0">
                 <a:latin typeface="Andale Mono" panose="020B0509000000000004" pitchFamily="49" charset="0"/>
               </a:rPr>
-              <a:t>$ echo “Mary had a little lamb” &gt; </a:t>
+              <a:t>   [sxs98pmh@racc-login-0-1 </a:t>
             </a:r>
             <a:r>
               <a:rPr lang="en-GB" dirty="0" err="1">
@@ -9250,57 +9376,60 @@
               <a:rPr lang="en-GB" dirty="0">
                 <a:latin typeface="Andale Mono" panose="020B0509000000000004" pitchFamily="49" charset="0"/>
               </a:rPr>
-              <a:t>/</a:t>
-            </a:r>
-            <a:r>
-              <a:rPr lang="en-GB" dirty="0" err="1">
-                <a:latin typeface="Andale Mono" panose="020B0509000000000004" pitchFamily="49" charset="0"/>
-              </a:rPr>
-              <a:t>mary.txt</a:t>
-            </a:r>
-            <a:endParaRPr lang="en-GB" dirty="0">
-              <a:latin typeface="Andale Mono" panose="020B0509000000000004" pitchFamily="49" charset="0"/>
-            </a:endParaRPr>
-          </a:p>
-          <a:p>
-            <a:pPr marL="0" indent="0">
-              <a:buNone/>
-            </a:pPr>
+              <a:t>]$</a:t>
+            </a:r>
+            <a:endParaRPr lang="en-GB" dirty="0"/>
+          </a:p>
+          <a:p>
+            <a:r>
+              <a:rPr lang="en-GB" dirty="0"/>
+              <a:t>Of course there are no files in this folder yet!</a:t>
+            </a:r>
+          </a:p>
+          <a:p>
+            <a:r>
+              <a:rPr lang="en-GB" dirty="0"/>
+              <a:t>To return to your home directory type ‘</a:t>
+            </a:r>
             <a:r>
               <a:rPr lang="en-GB" dirty="0">
-                <a:latin typeface="Andale Mono" panose="020B0509000000000004" pitchFamily="49" charset="0"/>
-              </a:rPr>
-              <a:t> $ ls </a:t>
-            </a:r>
-            <a:r>
-              <a:rPr lang="en-GB" dirty="0" err="1">
-                <a:latin typeface="Andale Mono" panose="020B0509000000000004" pitchFamily="49" charset="0"/>
-              </a:rPr>
-              <a:t>my_poems</a:t>
-            </a:r>
-            <a:endParaRPr lang="en-GB" dirty="0">
-              <a:latin typeface="Andale Mono" panose="020B0509000000000004" pitchFamily="49" charset="0"/>
-            </a:endParaRPr>
-          </a:p>
-          <a:p>
-            <a:pPr marL="0" indent="0">
-              <a:buNone/>
-            </a:pPr>
+                <a:solidFill>
+                  <a:srgbClr val="FF0000"/>
+                </a:solidFill>
+              </a:rPr>
+              <a:t>cd ~</a:t>
+            </a:r>
+            <a:r>
+              <a:rPr lang="en-GB" dirty="0"/>
+              <a:t>’. This returns you to your home directory from any location on the system.</a:t>
+            </a:r>
+          </a:p>
+          <a:p>
+            <a:r>
+              <a:rPr lang="en-GB" dirty="0"/>
+              <a:t>To go up one directory  type ‘</a:t>
+            </a:r>
             <a:r>
               <a:rPr lang="en-GB" dirty="0">
-                <a:latin typeface="Andale Mono" panose="020B0509000000000004" pitchFamily="49" charset="0"/>
-              </a:rPr>
-              <a:t> </a:t>
-            </a:r>
-            <a:r>
-              <a:rPr lang="en-GB" dirty="0" err="1">
-                <a:latin typeface="Andale Mono" panose="020B0509000000000004" pitchFamily="49" charset="0"/>
-              </a:rPr>
-              <a:t>mary.txt</a:t>
-            </a:r>
-            <a:endParaRPr lang="en-GB" dirty="0">
-              <a:latin typeface="Andale Mono" panose="020B0509000000000004" pitchFamily="49" charset="0"/>
-            </a:endParaRPr>
+                <a:solidFill>
+                  <a:srgbClr val="FF0000"/>
+                </a:solidFill>
+              </a:rPr>
+              <a:t>cd ..</a:t>
+            </a:r>
+            <a:r>
+              <a:rPr lang="en-GB" dirty="0"/>
+              <a:t>’</a:t>
+            </a:r>
+          </a:p>
+          <a:p>
+            <a:r>
+              <a:rPr lang="en-GB" dirty="0"/>
+              <a:t>Return to your home directory again.</a:t>
+            </a:r>
+          </a:p>
+          <a:p>
+            <a:endParaRPr lang="en-GB" dirty="0"/>
           </a:p>
         </p:txBody>
       </p:sp>
@@ -9331,7 +9460,7 @@
     </p:spTree>
     <p:extLst>
       <p:ext uri="{BB962C8B-B14F-4D97-AF65-F5344CB8AC3E}">
-        <p14:creationId xmlns:p14="http://schemas.microsoft.com/office/powerpoint/2010/main" val="2849489227"/>
+        <p14:creationId xmlns:p14="http://schemas.microsoft.com/office/powerpoint/2010/main" val="1494344402"/>
       </p:ext>
     </p:extLst>
   </p:cSld>
@@ -9341,6 +9470,13 @@
   <p:transition>
     <p:fade/>
   </p:transition>
+  <p:timing>
+    <p:tnLst>
+      <p:par>
+        <p:cTn id="1" dur="indefinite" restart="never" nodeType="tmRoot"/>
+      </p:par>
+    </p:tnLst>
+  </p:timing>
 </p:sld>
 </file>
 
@@ -9378,7 +9514,7 @@
           <a:p>
             <a:r>
               <a:rPr lang="en-GB" dirty="0"/>
-              <a:t>Reading files – more and cat</a:t>
+              <a:t>The echo command</a:t>
             </a:r>
           </a:p>
         </p:txBody>
@@ -9405,7 +9541,7 @@
           <a:p>
             <a:r>
               <a:rPr lang="en-GB" dirty="0"/>
-              <a:t>The commands ‘</a:t>
+              <a:t>The ‘</a:t>
             </a:r>
             <a:r>
               <a:rPr lang="en-GB" dirty="0">
@@ -9413,84 +9549,29 @@
                   <a:srgbClr val="FF0000"/>
                 </a:solidFill>
               </a:rPr>
-              <a:t>more</a:t>
-            </a:r>
-            <a:r>
-              <a:rPr lang="en-GB" dirty="0"/>
-              <a:t>’ and ‘</a:t>
-            </a:r>
-            <a:r>
-              <a:rPr lang="en-GB" dirty="0">
-                <a:solidFill>
-                  <a:srgbClr val="FF0000"/>
-                </a:solidFill>
-              </a:rPr>
-              <a:t>cat</a:t>
-            </a:r>
-            <a:r>
-              <a:rPr lang="en-GB" dirty="0"/>
-              <a:t>’ read a file and display it to the screen.</a:t>
-            </a:r>
-          </a:p>
-          <a:p>
-            <a:r>
-              <a:rPr lang="en-GB" dirty="0"/>
-              <a:t>‘</a:t>
-            </a:r>
-            <a:r>
-              <a:rPr lang="en-GB" dirty="0">
-                <a:solidFill>
-                  <a:srgbClr val="FF0000"/>
-                </a:solidFill>
-              </a:rPr>
-              <a:t>cat</a:t>
-            </a:r>
-            <a:r>
-              <a:rPr lang="en-GB" dirty="0"/>
-              <a:t>’ is short for ‘</a:t>
-            </a:r>
-            <a:r>
-              <a:rPr lang="en-GB" dirty="0" err="1"/>
-              <a:t>catalog</a:t>
-            </a:r>
-            <a:r>
-              <a:rPr lang="en-GB" dirty="0"/>
-              <a:t>’ and displays the entire file</a:t>
-            </a:r>
-            <a:r>
-              <a:rPr lang="en-GB" dirty="0">
-                <a:latin typeface="Andale Mono" panose="020B0509000000000004" pitchFamily="49" charset="0"/>
-              </a:rPr>
-              <a:t> </a:t>
-            </a:r>
-          </a:p>
-          <a:p>
-            <a:r>
-              <a:rPr lang="en-US" dirty="0"/>
-              <a:t>‘</a:t>
-            </a:r>
-            <a:r>
-              <a:rPr lang="en-US" dirty="0">
-                <a:solidFill>
-                  <a:srgbClr val="FF0000"/>
-                </a:solidFill>
-              </a:rPr>
-              <a:t>more</a:t>
-            </a:r>
-            <a:r>
-              <a:rPr lang="en-US" dirty="0"/>
-              <a:t>’ displays the file one page at a time</a:t>
-            </a:r>
-          </a:p>
-          <a:p>
-            <a:endParaRPr lang="en-US" sz="1000" dirty="0"/>
-          </a:p>
-          <a:p>
-            <a:r>
-              <a:rPr lang="en-US" dirty="0"/>
-              <a:t>Example:</a:t>
-            </a:r>
-            <a:endParaRPr lang="en-GB" dirty="0"/>
+              <a:t>echo</a:t>
+            </a:r>
+            <a:r>
+              <a:rPr lang="en-GB" dirty="0"/>
+              <a:t>’ command is a very simple but useful tool: all it does is output its argument to the screen.</a:t>
+            </a:r>
+          </a:p>
+          <a:p>
+            <a:r>
+              <a:rPr lang="en-GB" dirty="0"/>
+              <a:t>For the following sets of exercises, make sure you’re in your home directory.</a:t>
+            </a:r>
+          </a:p>
+          <a:p>
+            <a:endParaRPr lang="en-GB" sz="1800" dirty="0">
+              <a:latin typeface="Andale Mono" panose="020B0509000000000004" pitchFamily="49" charset="0"/>
+            </a:endParaRPr>
+          </a:p>
+          <a:p>
+            <a:r>
+              <a:rPr lang="en-GB" sz="1800" dirty="0"/>
+              <a:t>Example</a:t>
+            </a:r>
           </a:p>
           <a:p>
             <a:pPr marL="0" indent="0">
@@ -9506,29 +9587,8 @@
               <a:rPr lang="en-GB" dirty="0">
                 <a:latin typeface="Andale Mono" panose="020B0509000000000004" pitchFamily="49" charset="0"/>
               </a:rPr>
-              <a:t>[sxs98pmh@racc-login-0-1 ~]$ more </a:t>
-            </a:r>
-            <a:r>
-              <a:rPr lang="en-GB" dirty="0" err="1">
-                <a:latin typeface="Andale Mono" panose="020B0509000000000004" pitchFamily="49" charset="0"/>
-              </a:rPr>
-              <a:t>my_poems</a:t>
-            </a:r>
-            <a:r>
-              <a:rPr lang="en-GB" dirty="0">
-                <a:latin typeface="Andale Mono" panose="020B0509000000000004" pitchFamily="49" charset="0"/>
-              </a:rPr>
-              <a:t>/</a:t>
-            </a:r>
-            <a:r>
-              <a:rPr lang="en-GB" dirty="0" err="1">
-                <a:latin typeface="Andale Mono" panose="020B0509000000000004" pitchFamily="49" charset="0"/>
-              </a:rPr>
-              <a:t>mary.txt</a:t>
-            </a:r>
-            <a:endParaRPr lang="en-GB" dirty="0">
-              <a:latin typeface="Andale Mono" panose="020B0509000000000004" pitchFamily="49" charset="0"/>
-            </a:endParaRPr>
+              <a:t>$ echo “Mary had a little lamb”</a:t>
+            </a:r>
           </a:p>
           <a:p>
             <a:pPr marL="0" indent="0">
@@ -9540,92 +9600,6 @@
               </a:rPr>
               <a:t> Mary had a little lamb</a:t>
             </a:r>
-          </a:p>
-          <a:p>
-            <a:pPr marL="0" indent="0">
-              <a:buNone/>
-            </a:pPr>
-            <a:r>
-              <a:rPr lang="en-GB" dirty="0">
-                <a:latin typeface="Andale Mono" panose="020B0509000000000004" pitchFamily="49" charset="0"/>
-              </a:rPr>
-              <a:t> [sxs98pmh@racc-login-0-1 ~]$ cat </a:t>
-            </a:r>
-            <a:r>
-              <a:rPr lang="en-GB" dirty="0" err="1">
-                <a:latin typeface="Andale Mono" panose="020B0509000000000004" pitchFamily="49" charset="0"/>
-              </a:rPr>
-              <a:t>my_poems</a:t>
-            </a:r>
-            <a:r>
-              <a:rPr lang="en-GB" dirty="0">
-                <a:latin typeface="Andale Mono" panose="020B0509000000000004" pitchFamily="49" charset="0"/>
-              </a:rPr>
-              <a:t>/</a:t>
-            </a:r>
-            <a:r>
-              <a:rPr lang="en-GB" dirty="0" err="1">
-                <a:latin typeface="Andale Mono" panose="020B0509000000000004" pitchFamily="49" charset="0"/>
-              </a:rPr>
-              <a:t>mary.txt</a:t>
-            </a:r>
-            <a:endParaRPr lang="en-GB" dirty="0">
-              <a:latin typeface="Andale Mono" panose="020B0509000000000004" pitchFamily="49" charset="0"/>
-            </a:endParaRPr>
-          </a:p>
-          <a:p>
-            <a:pPr marL="0" indent="0">
-              <a:buNone/>
-            </a:pPr>
-            <a:r>
-              <a:rPr lang="en-GB" dirty="0">
-                <a:latin typeface="Andale Mono" panose="020B0509000000000004" pitchFamily="49" charset="0"/>
-              </a:rPr>
-              <a:t> Mary had a little lamb</a:t>
-            </a:r>
-          </a:p>
-          <a:p>
-            <a:pPr marL="0" indent="0">
-              <a:buNone/>
-            </a:pPr>
-            <a:endParaRPr lang="en-GB" sz="1000" dirty="0">
-              <a:latin typeface="Andale Mono" panose="020B0509000000000004" pitchFamily="49" charset="0"/>
-            </a:endParaRPr>
-          </a:p>
-          <a:p>
-            <a:r>
-              <a:rPr lang="en-GB" dirty="0"/>
-              <a:t>The difference here is that for large files ‘</a:t>
-            </a:r>
-            <a:r>
-              <a:rPr lang="en-GB" dirty="0">
-                <a:solidFill>
-                  <a:srgbClr val="FF0000"/>
-                </a:solidFill>
-              </a:rPr>
-              <a:t>more</a:t>
-            </a:r>
-            <a:r>
-              <a:rPr lang="en-GB" dirty="0"/>
-              <a:t>’ will prompt you to show another page, whereas ‘</a:t>
-            </a:r>
-            <a:r>
-              <a:rPr lang="en-GB" dirty="0">
-                <a:solidFill>
-                  <a:srgbClr val="FF0000"/>
-                </a:solidFill>
-              </a:rPr>
-              <a:t>cat</a:t>
-            </a:r>
-            <a:r>
-              <a:rPr lang="en-GB" dirty="0"/>
-              <a:t>’ will read the entire file to the screen. </a:t>
-            </a:r>
-          </a:p>
-          <a:p>
-            <a:pPr marL="0" indent="0">
-              <a:buNone/>
-            </a:pPr>
             <a:endParaRPr lang="en-GB" dirty="0"/>
           </a:p>
         </p:txBody>
@@ -9657,7 +9631,7 @@
     </p:spTree>
     <p:extLst>
       <p:ext uri="{BB962C8B-B14F-4D97-AF65-F5344CB8AC3E}">
-        <p14:creationId xmlns:p14="http://schemas.microsoft.com/office/powerpoint/2010/main" val="662323720"/>
+        <p14:creationId xmlns:p14="http://schemas.microsoft.com/office/powerpoint/2010/main" val="3607450395"/>
       </p:ext>
     </p:extLst>
   </p:cSld>
@@ -9667,6 +9641,13 @@
   <p:transition>
     <p:fade/>
   </p:transition>
+  <p:timing>
+    <p:tnLst>
+      <p:par>
+        <p:cTn id="1" dur="indefinite" restart="never" nodeType="tmRoot"/>
+      </p:par>
+    </p:tnLst>
+  </p:timing>
 </p:sld>
 </file>
 
@@ -9704,7 +9685,7 @@
           <a:p>
             <a:r>
               <a:rPr lang="en-GB" dirty="0"/>
-              <a:t>Appending files with ‘&gt;&gt;’</a:t>
+              <a:t>Creating files with ‘&gt;’</a:t>
             </a:r>
           </a:p>
         </p:txBody>
@@ -9731,7 +9712,39 @@
           <a:p>
             <a:r>
               <a:rPr lang="en-GB" dirty="0"/>
-              <a:t>The append file operator ‘&gt;&gt;’ is used in a similar way to the ‘&gt;’ operator.</a:t>
+              <a:t>The &gt; and &gt;&gt; operators are a shorthand way of creating and appending files respectively.</a:t>
+            </a:r>
+          </a:p>
+          <a:p>
+            <a:r>
+              <a:rPr lang="en-GB" dirty="0"/>
+              <a:t>To use them simply add them to the end of a command with a filename.</a:t>
+            </a:r>
+          </a:p>
+          <a:p>
+            <a:r>
+              <a:rPr lang="en-GB" dirty="0"/>
+              <a:t>We previously used the ‘</a:t>
+            </a:r>
+            <a:r>
+              <a:rPr lang="en-GB" dirty="0">
+                <a:solidFill>
+                  <a:srgbClr val="FF0000"/>
+                </a:solidFill>
+              </a:rPr>
+              <a:t>echo</a:t>
+            </a:r>
+            <a:r>
+              <a:rPr lang="en-GB" dirty="0"/>
+              <a:t>’ command which outputs its arguments to the screen. We can </a:t>
+            </a:r>
+            <a:r>
+              <a:rPr lang="en-GB" i="1" dirty="0"/>
+              <a:t>redirect</a:t>
+            </a:r>
+            <a:r>
+              <a:rPr lang="en-GB" dirty="0"/>
+              <a:t> the output of echo into a file using ‘&gt;’.</a:t>
             </a:r>
           </a:p>
           <a:p>
@@ -9748,30 +9761,36 @@
               <a:buNone/>
             </a:pPr>
             <a:r>
-              <a:rPr lang="en-GB" sz="1800" dirty="0">
-                <a:latin typeface="Andale Mono" panose="020B0509000000000004" pitchFamily="49" charset="0"/>
-              </a:rPr>
-              <a:t> $ echo “Its fleece was white as snow” &gt;&gt; </a:t>
-            </a:r>
-            <a:r>
-              <a:rPr lang="en-GB" sz="1800" dirty="0" err="1">
+              <a:rPr lang="en-GB" sz="1600" dirty="0">
+                <a:latin typeface="Andale Mono" panose="020B0509000000000004" pitchFamily="49" charset="0"/>
+              </a:rPr>
+              <a:t> </a:t>
+            </a:r>
+            <a:r>
+              <a:rPr lang="en-GB" dirty="0">
+                <a:latin typeface="Andale Mono" panose="020B0509000000000004" pitchFamily="49" charset="0"/>
+              </a:rPr>
+              <a:t>$ echo “Mary had a little lamb” &gt; </a:t>
+            </a:r>
+            <a:r>
+              <a:rPr lang="en-GB" dirty="0" err="1">
                 <a:latin typeface="Andale Mono" panose="020B0509000000000004" pitchFamily="49" charset="0"/>
               </a:rPr>
               <a:t>my_poems</a:t>
             </a:r>
             <a:r>
-              <a:rPr lang="en-GB" sz="1800" dirty="0">
+              <a:rPr lang="en-GB" dirty="0">
                 <a:latin typeface="Andale Mono" panose="020B0509000000000004" pitchFamily="49" charset="0"/>
               </a:rPr>
               <a:t>/</a:t>
             </a:r>
             <a:r>
-              <a:rPr lang="en-GB" sz="1800" dirty="0" err="1">
+              <a:rPr lang="en-GB" dirty="0" err="1">
                 <a:latin typeface="Andale Mono" panose="020B0509000000000004" pitchFamily="49" charset="0"/>
               </a:rPr>
               <a:t>mary.txt</a:t>
             </a:r>
-            <a:endParaRPr lang="en-GB" sz="1800" dirty="0">
+            <a:endParaRPr lang="en-GB" dirty="0">
               <a:latin typeface="Andale Mono" panose="020B0509000000000004" pitchFamily="49" charset="0"/>
             </a:endParaRPr>
           </a:p>
@@ -9783,21 +9802,15 @@
               <a:rPr lang="en-GB" dirty="0">
                 <a:latin typeface="Andale Mono" panose="020B0509000000000004" pitchFamily="49" charset="0"/>
               </a:rPr>
-              <a:t> </a:t>
-            </a:r>
-            <a:r>
-              <a:rPr lang="en-GB" sz="1800" dirty="0">
-                <a:latin typeface="Andale Mono" panose="020B0509000000000004" pitchFamily="49" charset="0"/>
-              </a:rPr>
-              <a:t>$ ls </a:t>
-            </a:r>
-            <a:r>
-              <a:rPr lang="en-GB" sz="1800" dirty="0" err="1">
+              <a:t> $ ls </a:t>
+            </a:r>
+            <a:r>
+              <a:rPr lang="en-GB" dirty="0" err="1">
                 <a:latin typeface="Andale Mono" panose="020B0509000000000004" pitchFamily="49" charset="0"/>
               </a:rPr>
               <a:t>my_poems</a:t>
             </a:r>
-            <a:endParaRPr lang="en-GB" sz="1800" dirty="0">
+            <a:endParaRPr lang="en-GB" dirty="0">
               <a:latin typeface="Andale Mono" panose="020B0509000000000004" pitchFamily="49" charset="0"/>
             </a:endParaRPr>
           </a:p>
@@ -9806,79 +9819,17 @@
               <a:buNone/>
             </a:pPr>
             <a:r>
-              <a:rPr lang="en-GB" sz="1800" dirty="0">
+              <a:rPr lang="en-GB" dirty="0">
                 <a:latin typeface="Andale Mono" panose="020B0509000000000004" pitchFamily="49" charset="0"/>
               </a:rPr>
               <a:t> </a:t>
             </a:r>
             <a:r>
-              <a:rPr lang="en-GB" sz="1800" dirty="0" err="1">
+              <a:rPr lang="en-GB" dirty="0" err="1">
                 <a:latin typeface="Andale Mono" panose="020B0509000000000004" pitchFamily="49" charset="0"/>
               </a:rPr>
               <a:t>mary.txt</a:t>
             </a:r>
-            <a:endParaRPr lang="en-GB" sz="1800" dirty="0">
-              <a:latin typeface="Andale Mono" panose="020B0509000000000004" pitchFamily="49" charset="0"/>
-            </a:endParaRPr>
-          </a:p>
-          <a:p>
-            <a:pPr marL="0" indent="0">
-              <a:buNone/>
-            </a:pPr>
-            <a:r>
-              <a:rPr lang="en-GB" sz="1800" dirty="0">
-                <a:latin typeface="Andale Mono" panose="020B0509000000000004" pitchFamily="49" charset="0"/>
-              </a:rPr>
-              <a:t> $ more </a:t>
-            </a:r>
-            <a:r>
-              <a:rPr lang="en-GB" sz="1800" dirty="0" err="1">
-                <a:latin typeface="Andale Mono" panose="020B0509000000000004" pitchFamily="49" charset="0"/>
-              </a:rPr>
-              <a:t>my_poems</a:t>
-            </a:r>
-            <a:r>
-              <a:rPr lang="en-GB" sz="1800" dirty="0">
-                <a:latin typeface="Andale Mono" panose="020B0509000000000004" pitchFamily="49" charset="0"/>
-              </a:rPr>
-              <a:t>/</a:t>
-            </a:r>
-            <a:r>
-              <a:rPr lang="en-GB" sz="1800" dirty="0" err="1">
-                <a:latin typeface="Andale Mono" panose="020B0509000000000004" pitchFamily="49" charset="0"/>
-              </a:rPr>
-              <a:t>mary.txt</a:t>
-            </a:r>
-            <a:endParaRPr lang="en-GB" sz="1800" dirty="0">
-              <a:latin typeface="Andale Mono" panose="020B0509000000000004" pitchFamily="49" charset="0"/>
-            </a:endParaRPr>
-          </a:p>
-          <a:p>
-            <a:pPr marL="0" indent="0">
-              <a:buNone/>
-            </a:pPr>
-            <a:r>
-              <a:rPr lang="en-GB" sz="1800" dirty="0">
-                <a:latin typeface="Andale Mono" panose="020B0509000000000004" pitchFamily="49" charset="0"/>
-              </a:rPr>
-              <a:t> Mary had a little lamb</a:t>
-            </a:r>
-          </a:p>
-          <a:p>
-            <a:pPr marL="0" indent="0">
-              <a:buNone/>
-            </a:pPr>
-            <a:r>
-              <a:rPr lang="en-GB" sz="1800" dirty="0">
-                <a:latin typeface="Andale Mono" panose="020B0509000000000004" pitchFamily="49" charset="0"/>
-              </a:rPr>
-              <a:t> Its fleece was white as snow</a:t>
-            </a:r>
-          </a:p>
-          <a:p>
-            <a:pPr marL="0" indent="0">
-              <a:buNone/>
-            </a:pPr>
             <a:endParaRPr lang="en-GB" dirty="0">
               <a:latin typeface="Andale Mono" panose="020B0509000000000004" pitchFamily="49" charset="0"/>
             </a:endParaRPr>
@@ -9912,7 +9863,7 @@
     </p:spTree>
     <p:extLst>
       <p:ext uri="{BB962C8B-B14F-4D97-AF65-F5344CB8AC3E}">
-        <p14:creationId xmlns:p14="http://schemas.microsoft.com/office/powerpoint/2010/main" val="1066115962"/>
+        <p14:creationId xmlns:p14="http://schemas.microsoft.com/office/powerpoint/2010/main" val="2849489227"/>
       </p:ext>
     </p:extLst>
   </p:cSld>
@@ -9922,6 +9873,13 @@
   <p:transition>
     <p:fade/>
   </p:transition>
+  <p:timing>
+    <p:tnLst>
+      <p:par>
+        <p:cTn id="1" dur="indefinite" restart="never" nodeType="tmRoot"/>
+      </p:par>
+    </p:tnLst>
+  </p:timing>
 </p:sld>
 </file>
 
@@ -9944,13 +9902,7 @@
       </p:grpSpPr>
       <p:sp>
         <p:nvSpPr>
-          <p:cNvPr id="2" name="Title 1">
-            <a:extLst>
-              <a:ext uri="{FF2B5EF4-FFF2-40B4-BE49-F238E27FC236}">
-                <a16:creationId xmlns:a16="http://schemas.microsoft.com/office/drawing/2014/main" id="{4956F151-F590-4CC1-82DE-DAC37A0DF0C4}"/>
-              </a:ext>
-            </a:extLst>
-          </p:cNvPr>
+          <p:cNvPr id="2" name="Title 1"/>
           <p:cNvSpPr>
             <a:spLocks noGrp="1"/>
           </p:cNvSpPr>
@@ -9965,25 +9917,14 @@
           <a:p>
             <a:r>
               <a:rPr lang="en-GB" dirty="0"/>
-              <a:t>Removing Files - </a:t>
-            </a:r>
-            <a:r>
-              <a:rPr lang="en-GB" dirty="0" err="1"/>
-              <a:t>rm</a:t>
-            </a:r>
-            <a:endParaRPr lang="en-GB" dirty="0"/>
-          </a:p>
-        </p:txBody>
-      </p:sp>
-      <p:sp>
-        <p:nvSpPr>
-          <p:cNvPr id="3" name="Content Placeholder 2">
-            <a:extLst>
-              <a:ext uri="{FF2B5EF4-FFF2-40B4-BE49-F238E27FC236}">
-                <a16:creationId xmlns:a16="http://schemas.microsoft.com/office/drawing/2014/main" id="{C7F4AF65-280D-4C1F-A130-B02EA6FEC75D}"/>
-              </a:ext>
-            </a:extLst>
-          </p:cNvPr>
+              <a:t>Reading files – more and cat</a:t>
+            </a:r>
+          </a:p>
+        </p:txBody>
+      </p:sp>
+      <p:sp>
+        <p:nvSpPr>
+          <p:cNvPr id="3" name="Content Placeholder 2"/>
           <p:cNvSpPr>
             <a:spLocks noGrp="1"/>
           </p:cNvSpPr>
@@ -9991,28 +9932,31 @@
             <p:ph idx="1"/>
           </p:nvPr>
         </p:nvSpPr>
-        <p:spPr/>
+        <p:spPr>
+          <a:xfrm>
+            <a:off x="424800" y="2214000"/>
+            <a:ext cx="8280000" cy="3960000"/>
+          </a:xfrm>
+        </p:spPr>
         <p:txBody>
           <a:bodyPr/>
           <a:lstStyle/>
           <a:p>
             <a:r>
               <a:rPr lang="en-GB" dirty="0"/>
-              <a:t>It goes without saying that this is one of the more dangerous commands, but you may need to use it. </a:t>
-            </a:r>
-          </a:p>
-          <a:p>
-            <a:r>
-              <a:rPr lang="en-GB" dirty="0"/>
-              <a:t>The basic form is: ‘</a:t>
-            </a:r>
-            <a:r>
-              <a:rPr lang="en-GB" dirty="0" err="1">
+              <a:t>The commands ‘</a:t>
+            </a:r>
+            <a:r>
+              <a:rPr lang="en-GB" dirty="0">
                 <a:solidFill>
                   <a:srgbClr val="FF0000"/>
                 </a:solidFill>
               </a:rPr>
-              <a:t>rm</a:t>
+              <a:t>more</a:t>
+            </a:r>
+            <a:r>
+              <a:rPr lang="en-GB" dirty="0"/>
+              <a:t>’ and ‘</a:t>
             </a:r>
             <a:r>
               <a:rPr lang="en-GB" dirty="0">
@@ -10020,15 +9964,65 @@
                   <a:srgbClr val="FF0000"/>
                 </a:solidFill>
               </a:rPr>
-              <a:t> –[switch] [filename]</a:t>
-            </a:r>
-            <a:r>
-              <a:rPr lang="en-GB" dirty="0"/>
-              <a:t>’</a:t>
-            </a:r>
-          </a:p>
-          <a:p>
-            <a:endParaRPr lang="en-GB" dirty="0"/>
+              <a:t>cat</a:t>
+            </a:r>
+            <a:r>
+              <a:rPr lang="en-GB" dirty="0"/>
+              <a:t>’ read a file and display it to the screen.</a:t>
+            </a:r>
+          </a:p>
+          <a:p>
+            <a:r>
+              <a:rPr lang="en-GB" dirty="0"/>
+              <a:t>‘</a:t>
+            </a:r>
+            <a:r>
+              <a:rPr lang="en-GB" dirty="0">
+                <a:solidFill>
+                  <a:srgbClr val="FF0000"/>
+                </a:solidFill>
+              </a:rPr>
+              <a:t>cat</a:t>
+            </a:r>
+            <a:r>
+              <a:rPr lang="en-GB" dirty="0"/>
+              <a:t>’ is short for ‘</a:t>
+            </a:r>
+            <a:r>
+              <a:rPr lang="en-GB" dirty="0" err="1"/>
+              <a:t>catalog</a:t>
+            </a:r>
+            <a:r>
+              <a:rPr lang="en-GB" dirty="0"/>
+              <a:t>’ and displays the entire file</a:t>
+            </a:r>
+            <a:r>
+              <a:rPr lang="en-GB" dirty="0">
+                <a:latin typeface="Andale Mono" panose="020B0509000000000004" pitchFamily="49" charset="0"/>
+              </a:rPr>
+              <a:t> </a:t>
+            </a:r>
+          </a:p>
+          <a:p>
+            <a:r>
+              <a:rPr lang="en-US" dirty="0"/>
+              <a:t>‘</a:t>
+            </a:r>
+            <a:r>
+              <a:rPr lang="en-US" dirty="0">
+                <a:solidFill>
+                  <a:srgbClr val="FF0000"/>
+                </a:solidFill>
+              </a:rPr>
+              <a:t>more</a:t>
+            </a:r>
+            <a:r>
+              <a:rPr lang="en-US" dirty="0"/>
+              <a:t>’ displays the file one page at a time</a:t>
+            </a:r>
+          </a:p>
+          <a:p>
+            <a:endParaRPr lang="en-US" sz="1000" dirty="0"/>
           </a:p>
           <a:p>
             <a:r>
@@ -10051,37 +10045,25 @@
               <a:rPr lang="en-GB" dirty="0">
                 <a:latin typeface="Andale Mono" panose="020B0509000000000004" pitchFamily="49" charset="0"/>
               </a:rPr>
-              <a:t>[sxs98pmh@racc-login-0-1 ~]$ </a:t>
+              <a:t>[sxs98pmh@racc-login-0-1 ~]$ more </a:t>
             </a:r>
             <a:r>
               <a:rPr lang="en-GB" dirty="0" err="1">
                 <a:latin typeface="Andale Mono" panose="020B0509000000000004" pitchFamily="49" charset="0"/>
               </a:rPr>
-              <a:t>rm</a:t>
+              <a:t>my_poems</a:t>
             </a:r>
             <a:r>
               <a:rPr lang="en-GB" dirty="0">
                 <a:latin typeface="Andale Mono" panose="020B0509000000000004" pitchFamily="49" charset="0"/>
               </a:rPr>
-              <a:t> </a:t>
+              <a:t>/</a:t>
             </a:r>
             <a:r>
               <a:rPr lang="en-GB" dirty="0" err="1">
                 <a:latin typeface="Andale Mono" panose="020B0509000000000004" pitchFamily="49" charset="0"/>
               </a:rPr>
-              <a:t>my_poems</a:t>
-            </a:r>
-            <a:r>
-              <a:rPr lang="en-GB" dirty="0">
-                <a:latin typeface="Andale Mono" panose="020B0509000000000004" pitchFamily="49" charset="0"/>
-              </a:rPr>
-              <a:t>/</a:t>
-            </a:r>
-            <a:r>
-              <a:rPr lang="en-GB" dirty="0" err="1">
-                <a:latin typeface="Andale Mono" panose="020B0509000000000004" pitchFamily="49" charset="0"/>
-              </a:rPr>
-              <a:t>mary.dcsv</a:t>
+              <a:t>mary.txt</a:t>
             </a:r>
             <a:endParaRPr lang="en-GB" dirty="0">
               <a:latin typeface="Andale Mono" panose="020B0509000000000004" pitchFamily="49" charset="0"/>
@@ -10091,30 +10073,80 @@
             <a:pPr marL="0" indent="0">
               <a:buNone/>
             </a:pPr>
+            <a:r>
+              <a:rPr lang="en-GB" dirty="0">
+                <a:latin typeface="Andale Mono" panose="020B0509000000000004" pitchFamily="49" charset="0"/>
+              </a:rPr>
+              <a:t> Mary had a little lamb</a:t>
+            </a:r>
+          </a:p>
+          <a:p>
+            <a:pPr marL="0" indent="0">
+              <a:buNone/>
+            </a:pPr>
+            <a:r>
+              <a:rPr lang="en-GB" dirty="0">
+                <a:latin typeface="Andale Mono" panose="020B0509000000000004" pitchFamily="49" charset="0"/>
+              </a:rPr>
+              <a:t> [sxs98pmh@racc-login-0-1 ~]$ cat </a:t>
+            </a:r>
+            <a:r>
+              <a:rPr lang="en-GB" dirty="0" err="1">
+                <a:latin typeface="Andale Mono" panose="020B0509000000000004" pitchFamily="49" charset="0"/>
+              </a:rPr>
+              <a:t>my_poems</a:t>
+            </a:r>
+            <a:r>
+              <a:rPr lang="en-GB" dirty="0">
+                <a:latin typeface="Andale Mono" panose="020B0509000000000004" pitchFamily="49" charset="0"/>
+              </a:rPr>
+              <a:t>/</a:t>
+            </a:r>
+            <a:r>
+              <a:rPr lang="en-GB" dirty="0" err="1">
+                <a:latin typeface="Andale Mono" panose="020B0509000000000004" pitchFamily="49" charset="0"/>
+              </a:rPr>
+              <a:t>mary.txt</a:t>
+            </a:r>
             <a:endParaRPr lang="en-GB" dirty="0">
               <a:latin typeface="Andale Mono" panose="020B0509000000000004" pitchFamily="49" charset="0"/>
             </a:endParaRPr>
           </a:p>
           <a:p>
-            <a:r>
-              <a:rPr lang="en-GB" dirty="0"/>
-              <a:t>You can of course use wildcards like ? and * , </a:t>
-            </a:r>
-            <a:r>
-              <a:rPr lang="en-GB" b="1" dirty="0"/>
-              <a:t>but this is where it gets dangerous</a:t>
-            </a:r>
-            <a:r>
-              <a:rPr lang="en-GB" dirty="0"/>
-              <a:t>: for example ‘</a:t>
-            </a:r>
-            <a:r>
-              <a:rPr lang="en-GB" dirty="0" err="1">
+            <a:pPr marL="0" indent="0">
+              <a:buNone/>
+            </a:pPr>
+            <a:r>
+              <a:rPr lang="en-GB" dirty="0">
+                <a:latin typeface="Andale Mono" panose="020B0509000000000004" pitchFamily="49" charset="0"/>
+              </a:rPr>
+              <a:t> Mary had a little lamb</a:t>
+            </a:r>
+          </a:p>
+          <a:p>
+            <a:pPr marL="0" indent="0">
+              <a:buNone/>
+            </a:pPr>
+            <a:endParaRPr lang="en-GB" sz="1000" dirty="0">
+              <a:latin typeface="Andale Mono" panose="020B0509000000000004" pitchFamily="49" charset="0"/>
+            </a:endParaRPr>
+          </a:p>
+          <a:p>
+            <a:r>
+              <a:rPr lang="en-GB" dirty="0"/>
+              <a:t>The difference here is that for large files ‘</a:t>
+            </a:r>
+            <a:r>
+              <a:rPr lang="en-GB" dirty="0">
                 <a:solidFill>
                   <a:srgbClr val="FF0000"/>
                 </a:solidFill>
               </a:rPr>
-              <a:t>rm</a:t>
+              <a:t>more</a:t>
+            </a:r>
+            <a:r>
+              <a:rPr lang="en-GB" dirty="0"/>
+              <a:t>’ will prompt you to show another page, whereas ‘</a:t>
             </a:r>
             <a:r>
               <a:rPr lang="en-GB" dirty="0">
@@ -10122,36 +10154,24 @@
                   <a:srgbClr val="FF0000"/>
                 </a:solidFill>
               </a:rPr>
-              <a:t> –R *.*</a:t>
-            </a:r>
-            <a:r>
-              <a:rPr lang="en-GB" dirty="0"/>
-              <a:t>’</a:t>
-            </a:r>
-            <a:r>
-              <a:rPr lang="en-GB" dirty="0">
-                <a:solidFill>
-                  <a:srgbClr val="FF0000"/>
-                </a:solidFill>
-              </a:rPr>
-              <a:t> </a:t>
-            </a:r>
-            <a:r>
-              <a:rPr lang="en-GB" dirty="0"/>
-              <a:t>will remove everything from the current directory and below it!!! (and there is no recovery/undo)</a:t>
-            </a:r>
-          </a:p>
-        </p:txBody>
-      </p:sp>
-      <p:sp>
-        <p:nvSpPr>
-          <p:cNvPr id="4" name="Slide Number Placeholder 3">
-            <a:extLst>
-              <a:ext uri="{FF2B5EF4-FFF2-40B4-BE49-F238E27FC236}">
-                <a16:creationId xmlns:a16="http://schemas.microsoft.com/office/drawing/2014/main" id="{7707F1E0-5B92-45D9-B997-BFE6E8EA1633}"/>
-              </a:ext>
-            </a:extLst>
-          </p:cNvPr>
+              <a:t>cat</a:t>
+            </a:r>
+            <a:r>
+              <a:rPr lang="en-GB" dirty="0"/>
+              <a:t>’ will read the entire file to the screen. </a:t>
+            </a:r>
+          </a:p>
+          <a:p>
+            <a:pPr marL="0" indent="0">
+              <a:buNone/>
+            </a:pPr>
+            <a:endParaRPr lang="en-GB" dirty="0"/>
+          </a:p>
+        </p:txBody>
+      </p:sp>
+      <p:sp>
+        <p:nvSpPr>
+          <p:cNvPr id="4" name="Slide Number Placeholder 3"/>
           <p:cNvSpPr>
             <a:spLocks noGrp="1"/>
           </p:cNvSpPr>
@@ -10176,7 +10196,7 @@
     </p:spTree>
     <p:extLst>
       <p:ext uri="{BB962C8B-B14F-4D97-AF65-F5344CB8AC3E}">
-        <p14:creationId xmlns:p14="http://schemas.microsoft.com/office/powerpoint/2010/main" val="1048588719"/>
+        <p14:creationId xmlns:p14="http://schemas.microsoft.com/office/powerpoint/2010/main" val="662323720"/>
       </p:ext>
     </p:extLst>
   </p:cSld>
@@ -10186,6 +10206,13 @@
   <p:transition>
     <p:fade/>
   </p:transition>
+  <p:timing>
+    <p:tnLst>
+      <p:par>
+        <p:cTn id="1" dur="indefinite" restart="never" nodeType="tmRoot"/>
+      </p:par>
+    </p:tnLst>
+  </p:timing>
 </p:sld>
 </file>
 
@@ -10223,7 +10250,7 @@
           <a:p>
             <a:r>
               <a:rPr lang="en-GB" dirty="0"/>
-              <a:t>Filtering</a:t>
+              <a:t>Appending files with ‘&gt;&gt;’</a:t>
             </a:r>
           </a:p>
         </p:txBody>
@@ -10250,8 +10277,11 @@
           <a:p>
             <a:r>
               <a:rPr lang="en-GB" dirty="0"/>
-              <a:t>To see filtering in action let’s create some dummy files!</a:t>
-            </a:r>
+              <a:t>The append file operator ‘&gt;&gt;’ is used in a similar way to the ‘&gt;’ operator.</a:t>
+            </a:r>
+          </a:p>
+          <a:p>
+            <a:endParaRPr lang="en-GB" dirty="0"/>
           </a:p>
           <a:p>
             <a:r>
@@ -10264,18 +10294,30 @@
               <a:buNone/>
             </a:pPr>
             <a:r>
-              <a:rPr lang="en-GB" dirty="0">
-                <a:latin typeface="Andale Mono" panose="020B0509000000000004" pitchFamily="49" charset="0"/>
-              </a:rPr>
-              <a:t> $ </a:t>
-            </a:r>
-            <a:r>
-              <a:rPr lang="pl" dirty="0">
-                <a:latin typeface="Andale Mono" panose="020B0509000000000004" pitchFamily="49" charset="0"/>
-              </a:rPr>
-              <a:t>echo "poem1" &gt; my_poems/poem1.txt</a:t>
-            </a:r>
-            <a:endParaRPr lang="en-GB" dirty="0">
+              <a:rPr lang="en-GB" sz="1800" dirty="0">
+                <a:latin typeface="Andale Mono" panose="020B0509000000000004" pitchFamily="49" charset="0"/>
+              </a:rPr>
+              <a:t> $ echo “Its fleece was white as snow” &gt;&gt; </a:t>
+            </a:r>
+            <a:r>
+              <a:rPr lang="en-GB" sz="1800" dirty="0" err="1">
+                <a:latin typeface="Andale Mono" panose="020B0509000000000004" pitchFamily="49" charset="0"/>
+              </a:rPr>
+              <a:t>my_poems</a:t>
+            </a:r>
+            <a:r>
+              <a:rPr lang="en-GB" sz="1800" dirty="0">
+                <a:latin typeface="Andale Mono" panose="020B0509000000000004" pitchFamily="49" charset="0"/>
+              </a:rPr>
+              <a:t>/</a:t>
+            </a:r>
+            <a:r>
+              <a:rPr lang="en-GB" sz="1800" dirty="0" err="1">
+                <a:latin typeface="Andale Mono" panose="020B0509000000000004" pitchFamily="49" charset="0"/>
+              </a:rPr>
+              <a:t>mary.txt</a:t>
+            </a:r>
+            <a:endParaRPr lang="en-GB" sz="1800" dirty="0">
               <a:latin typeface="Andale Mono" panose="020B0509000000000004" pitchFamily="49" charset="0"/>
             </a:endParaRPr>
           </a:p>
@@ -10287,15 +10329,21 @@
               <a:rPr lang="en-GB" dirty="0">
                 <a:latin typeface="Andale Mono" panose="020B0509000000000004" pitchFamily="49" charset="0"/>
               </a:rPr>
-              <a:t> $ </a:t>
-            </a:r>
-            <a:r>
-              <a:rPr lang="pl" dirty="0">
-                <a:latin typeface="Andale Mono" panose="020B0509000000000004" pitchFamily="49" charset="0"/>
-              </a:rPr>
-              <a:t>echo "poem2" &gt; my_poems/poem2.txt</a:t>
-            </a:r>
-            <a:endParaRPr lang="en-GB" dirty="0">
+              <a:t> </a:t>
+            </a:r>
+            <a:r>
+              <a:rPr lang="en-GB" sz="1800" dirty="0">
+                <a:latin typeface="Andale Mono" panose="020B0509000000000004" pitchFamily="49" charset="0"/>
+              </a:rPr>
+              <a:t>$ ls </a:t>
+            </a:r>
+            <a:r>
+              <a:rPr lang="en-GB" sz="1800" dirty="0" err="1">
+                <a:latin typeface="Andale Mono" panose="020B0509000000000004" pitchFamily="49" charset="0"/>
+              </a:rPr>
+              <a:t>my_poems</a:t>
+            </a:r>
+            <a:endParaRPr lang="en-GB" sz="1800" dirty="0">
               <a:latin typeface="Andale Mono" panose="020B0509000000000004" pitchFamily="49" charset="0"/>
             </a:endParaRPr>
           </a:p>
@@ -10304,18 +10352,18 @@
               <a:buNone/>
             </a:pPr>
             <a:r>
-              <a:rPr lang="en-GB" dirty="0">
-                <a:latin typeface="Andale Mono" panose="020B0509000000000004" pitchFamily="49" charset="0"/>
-              </a:rPr>
-              <a:t> $ </a:t>
-            </a:r>
-            <a:r>
-              <a:rPr lang="pl" dirty="0">
-                <a:latin typeface="Andale Mono" panose="020B0509000000000004" pitchFamily="49" charset="0"/>
-              </a:rPr>
-              <a:t>echo "poem3" &gt; my_poems/poem3.txt</a:t>
-            </a:r>
-            <a:endParaRPr lang="en-GB" dirty="0">
+              <a:rPr lang="en-GB" sz="1800" dirty="0">
+                <a:latin typeface="Andale Mono" panose="020B0509000000000004" pitchFamily="49" charset="0"/>
+              </a:rPr>
+              <a:t> </a:t>
+            </a:r>
+            <a:r>
+              <a:rPr lang="en-GB" sz="1800" dirty="0" err="1">
+                <a:latin typeface="Andale Mono" panose="020B0509000000000004" pitchFamily="49" charset="0"/>
+              </a:rPr>
+              <a:t>mary.txt</a:t>
+            </a:r>
+            <a:endParaRPr lang="en-GB" sz="1800" dirty="0">
               <a:latin typeface="Andale Mono" panose="020B0509000000000004" pitchFamily="49" charset="0"/>
             </a:endParaRPr>
           </a:p>
@@ -10324,33 +10372,42 @@
               <a:buNone/>
             </a:pPr>
             <a:r>
-              <a:rPr lang="en-GB" dirty="0">
-                <a:latin typeface="Andale Mono" panose="020B0509000000000004" pitchFamily="49" charset="0"/>
-              </a:rPr>
-              <a:t> $ </a:t>
-            </a:r>
-            <a:r>
-              <a:rPr lang="pl" dirty="0">
-                <a:latin typeface="Andale Mono" panose="020B0509000000000004" pitchFamily="49" charset="0"/>
-              </a:rPr>
-              <a:t>echo "poem1" &gt; my_poems/poem1.doc</a:t>
-            </a:r>
+              <a:rPr lang="en-GB" sz="1800" dirty="0">
+                <a:latin typeface="Andale Mono" panose="020B0509000000000004" pitchFamily="49" charset="0"/>
+              </a:rPr>
+              <a:t> $ more </a:t>
+            </a:r>
+            <a:r>
+              <a:rPr lang="en-GB" sz="1800" dirty="0" err="1">
+                <a:latin typeface="Andale Mono" panose="020B0509000000000004" pitchFamily="49" charset="0"/>
+              </a:rPr>
+              <a:t>my_poems</a:t>
+            </a:r>
+            <a:r>
+              <a:rPr lang="en-GB" sz="1800" dirty="0">
+                <a:latin typeface="Andale Mono" panose="020B0509000000000004" pitchFamily="49" charset="0"/>
+              </a:rPr>
+              <a:t>/</a:t>
+            </a:r>
+            <a:r>
+              <a:rPr lang="en-GB" sz="1800" dirty="0" err="1">
+                <a:latin typeface="Andale Mono" panose="020B0509000000000004" pitchFamily="49" charset="0"/>
+              </a:rPr>
+              <a:t>mary.txt</a:t>
+            </a:r>
+            <a:endParaRPr lang="en-GB" sz="1800" dirty="0">
+              <a:latin typeface="Andale Mono" panose="020B0509000000000004" pitchFamily="49" charset="0"/>
+            </a:endParaRPr>
           </a:p>
           <a:p>
             <a:pPr marL="0" indent="0">
               <a:buNone/>
             </a:pPr>
             <a:r>
-              <a:rPr lang="en-GB" dirty="0">
-                <a:latin typeface="Andale Mono" panose="020B0509000000000004" pitchFamily="49" charset="0"/>
-              </a:rPr>
-              <a:t> $ </a:t>
-            </a:r>
-            <a:r>
-              <a:rPr lang="pl" dirty="0">
-                <a:latin typeface="Andale Mono" panose="020B0509000000000004" pitchFamily="49" charset="0"/>
-              </a:rPr>
-              <a:t>echo "poem1" &gt; my_poems/poem1.dcsv</a:t>
+              <a:rPr lang="en-GB" sz="1800" dirty="0">
+                <a:latin typeface="Andale Mono" panose="020B0509000000000004" pitchFamily="49" charset="0"/>
+              </a:rPr>
+              <a:t> Mary had a little lamb</a:t>
             </a:r>
           </a:p>
           <a:p>
@@ -10358,69 +10415,11 @@
               <a:buNone/>
             </a:pPr>
             <a:r>
-              <a:rPr lang="en-GB" dirty="0">
-                <a:latin typeface="Andale Mono" panose="020B0509000000000004" pitchFamily="49" charset="0"/>
-              </a:rPr>
-              <a:t> $ </a:t>
-            </a:r>
-            <a:r>
-              <a:rPr lang="pl" dirty="0">
-                <a:latin typeface="Andale Mono" panose="020B0509000000000004" pitchFamily="49" charset="0"/>
-              </a:rPr>
-              <a:t>echo "poem1" &gt; my_poems/poem1.</a:t>
-            </a:r>
-            <a:r>
-              <a:rPr lang="en-US" dirty="0">
-                <a:latin typeface="Andale Mono" panose="020B0509000000000004" pitchFamily="49" charset="0"/>
-              </a:rPr>
-              <a:t>pdf</a:t>
-            </a:r>
-            <a:endParaRPr lang="en-GB" dirty="0">
-              <a:latin typeface="Andale Mono" panose="020B0509000000000004" pitchFamily="49" charset="0"/>
-            </a:endParaRPr>
-          </a:p>
-          <a:p>
-            <a:pPr marL="0" indent="0">
-              <a:buNone/>
-            </a:pPr>
-            <a:endParaRPr lang="en-GB" dirty="0">
-              <a:latin typeface="Andale Mono" panose="020B0509000000000004" pitchFamily="49" charset="0"/>
-            </a:endParaRPr>
-          </a:p>
-          <a:p>
-            <a:r>
-              <a:rPr lang="en-GB" dirty="0"/>
-              <a:t>Check if files are there with ‘</a:t>
-            </a:r>
-            <a:r>
-              <a:rPr lang="en-GB" dirty="0">
-                <a:solidFill>
-                  <a:srgbClr val="FF0000"/>
-                </a:solidFill>
-              </a:rPr>
-              <a:t>ls </a:t>
-            </a:r>
-            <a:r>
-              <a:rPr lang="en-GB" dirty="0" err="1">
-                <a:solidFill>
-                  <a:srgbClr val="FF0000"/>
-                </a:solidFill>
-                <a:latin typeface="Andale Mono" panose="020B0509000000000004" pitchFamily="49" charset="0"/>
-              </a:rPr>
-              <a:t>my_poems</a:t>
-            </a:r>
-            <a:r>
-              <a:rPr lang="en-GB" dirty="0"/>
-              <a:t>’</a:t>
-            </a:r>
-          </a:p>
-          <a:p>
-            <a:pPr marL="0" indent="0">
-              <a:buNone/>
-            </a:pPr>
-            <a:endParaRPr lang="en-GB" dirty="0">
-              <a:latin typeface="Andale Mono" panose="020B0509000000000004" pitchFamily="49" charset="0"/>
-            </a:endParaRPr>
+              <a:rPr lang="en-GB" sz="1800" dirty="0">
+                <a:latin typeface="Andale Mono" panose="020B0509000000000004" pitchFamily="49" charset="0"/>
+              </a:rPr>
+              <a:t> Its fleece was white as snow</a:t>
+            </a:r>
           </a:p>
           <a:p>
             <a:pPr marL="0" indent="0">
@@ -10459,7 +10458,7 @@
     </p:spTree>
     <p:extLst>
       <p:ext uri="{BB962C8B-B14F-4D97-AF65-F5344CB8AC3E}">
-        <p14:creationId xmlns:p14="http://schemas.microsoft.com/office/powerpoint/2010/main" val="4065587401"/>
+        <p14:creationId xmlns:p14="http://schemas.microsoft.com/office/powerpoint/2010/main" val="1066115962"/>
       </p:ext>
     </p:extLst>
   </p:cSld>
@@ -10469,6 +10468,13 @@
   <p:transition>
     <p:fade/>
   </p:transition>
+  <p:timing>
+    <p:tnLst>
+      <p:par>
+        <p:cTn id="1" dur="indefinite" restart="never" nodeType="tmRoot"/>
+      </p:par>
+    </p:tnLst>
+  </p:timing>
 </p:sld>
 </file>
 
@@ -10505,9 +10511,10 @@
           <a:lstStyle/>
           <a:p>
             <a:r>
-              <a:rPr lang="en-GB" dirty="0"/>
-              <a:t>Filtering</a:t>
-            </a:r>
+              <a:rPr lang="en-GB" dirty="0" smtClean="0"/>
+              <a:t>Copying files</a:t>
+            </a:r>
+            <a:endParaRPr lang="en-GB" dirty="0"/>
           </a:p>
         </p:txBody>
       </p:sp>
@@ -10521,37 +10528,34 @@
             <p:ph idx="1"/>
           </p:nvPr>
         </p:nvSpPr>
-        <p:spPr>
-          <a:xfrm>
-            <a:off x="424800" y="2214000"/>
-            <a:ext cx="8280000" cy="3960000"/>
-          </a:xfrm>
-        </p:spPr>
+        <p:spPr/>
         <p:txBody>
           <a:bodyPr/>
           <a:lstStyle/>
           <a:p>
             <a:r>
               <a:rPr lang="en-GB" dirty="0"/>
-              <a:t>If you have many files and subdirectories you’ll probably want to filter the results to only show the files/folders you are interested in.</a:t>
-            </a:r>
-          </a:p>
-          <a:p>
-            <a:r>
-              <a:rPr lang="en-GB" dirty="0"/>
-              <a:t>In Unix there are two ‘wildcard’ operators: ‘*’ and ‘?’</a:t>
-            </a:r>
-          </a:p>
-          <a:p>
-            <a:r>
-              <a:rPr lang="en-GB" dirty="0"/>
-              <a:t>The asterisk ‘*’ represents any set of characters, and the placeholder ‘?’ is any character in a certain position.</a:t>
-            </a:r>
-          </a:p>
-          <a:p>
-            <a:r>
-              <a:rPr lang="en-GB" dirty="0"/>
-              <a:t>For example, to show only text files one could type: ‘</a:t>
+              <a:t>The basic form is: </a:t>
+            </a:r>
+            <a:r>
+              <a:rPr lang="en-GB" dirty="0" smtClean="0"/>
+              <a:t>‘</a:t>
+            </a:r>
+            <a:r>
+              <a:rPr lang="en-GB" dirty="0" err="1" smtClean="0">
+                <a:solidFill>
+                  <a:srgbClr val="FF0000"/>
+                </a:solidFill>
+              </a:rPr>
+              <a:t>cp</a:t>
+            </a:r>
+            <a:r>
+              <a:rPr lang="en-GB" dirty="0" smtClean="0">
+                <a:solidFill>
+                  <a:srgbClr val="FF0000"/>
+                </a:solidFill>
+              </a:rPr>
+              <a:t> </a:t>
             </a:r>
             <a:r>
               <a:rPr lang="en-GB" dirty="0">
@@ -10559,110 +10563,107 @@
                   <a:srgbClr val="FF0000"/>
                 </a:solidFill>
               </a:rPr>
-              <a:t>ls </a:t>
-            </a:r>
-            <a:r>
-              <a:rPr lang="en-GB" dirty="0" err="1">
+              <a:t>–[switch] </a:t>
+            </a:r>
+            <a:r>
+              <a:rPr lang="en-GB" dirty="0" smtClean="0">
                 <a:solidFill>
                   <a:srgbClr val="FF0000"/>
                 </a:solidFill>
               </a:rPr>
+              <a:t>filename </a:t>
+            </a:r>
+            <a:r>
+              <a:rPr lang="en-GB" dirty="0" err="1" smtClean="0">
+                <a:solidFill>
+                  <a:srgbClr val="FF0000"/>
+                </a:solidFill>
+              </a:rPr>
+              <a:t>newfilename</a:t>
+            </a:r>
+            <a:r>
+              <a:rPr lang="en-GB" dirty="0" smtClean="0"/>
+              <a:t>’</a:t>
+            </a:r>
+            <a:endParaRPr lang="en-GB" dirty="0"/>
+          </a:p>
+          <a:p>
+            <a:endParaRPr lang="en-GB" dirty="0"/>
+          </a:p>
+          <a:p>
+            <a:r>
+              <a:rPr lang="en-US" dirty="0"/>
+              <a:t>Example:</a:t>
+            </a:r>
+            <a:endParaRPr lang="en-GB" dirty="0"/>
+          </a:p>
+          <a:p>
+            <a:pPr marL="0" indent="0">
+              <a:buNone/>
+            </a:pPr>
+            <a:r>
+              <a:rPr lang="en-GB" sz="1600" dirty="0">
+                <a:latin typeface="Andale Mono" panose="020B0509000000000004" pitchFamily="49" charset="0"/>
+              </a:rPr>
+              <a:t> </a:t>
+            </a:r>
+            <a:r>
+              <a:rPr lang="en-GB" dirty="0">
+                <a:latin typeface="Andale Mono" panose="020B0509000000000004" pitchFamily="49" charset="0"/>
+              </a:rPr>
+              <a:t>[sxs98pmh@racc-login-0-1 ~]$ </a:t>
+            </a:r>
+            <a:r>
+              <a:rPr lang="en-GB" dirty="0" err="1" smtClean="0">
+                <a:latin typeface="Andale Mono" panose="020B0509000000000004" pitchFamily="49" charset="0"/>
+              </a:rPr>
+              <a:t>cp</a:t>
+            </a:r>
+            <a:r>
+              <a:rPr lang="en-GB" dirty="0" smtClean="0">
+                <a:latin typeface="Andale Mono" panose="020B0509000000000004" pitchFamily="49" charset="0"/>
+              </a:rPr>
+              <a:t> </a:t>
+            </a:r>
+            <a:r>
+              <a:rPr lang="en-GB" dirty="0" err="1" smtClean="0">
+                <a:latin typeface="Andale Mono" panose="020B0509000000000004" pitchFamily="49" charset="0"/>
+              </a:rPr>
               <a:t>my_poems</a:t>
             </a:r>
             <a:r>
-              <a:rPr lang="en-GB" dirty="0">
-                <a:solidFill>
-                  <a:srgbClr val="FF0000"/>
-                </a:solidFill>
-              </a:rPr>
-              <a:t>/*.txt</a:t>
-            </a:r>
-            <a:r>
-              <a:rPr lang="en-GB" dirty="0"/>
-              <a:t>’</a:t>
-            </a:r>
-          </a:p>
-          <a:p>
-            <a:r>
-              <a:rPr lang="en-GB" dirty="0"/>
-              <a:t>To show only files called ‘poem’, try: ‘</a:t>
-            </a:r>
-            <a:r>
-              <a:rPr lang="en-GB" dirty="0">
-                <a:solidFill>
-                  <a:srgbClr val="FF0000"/>
-                </a:solidFill>
-              </a:rPr>
-              <a:t>ls </a:t>
-            </a:r>
-            <a:r>
-              <a:rPr lang="en-GB" dirty="0" err="1">
-                <a:solidFill>
-                  <a:srgbClr val="FF0000"/>
-                </a:solidFill>
+              <a:rPr lang="en-GB" dirty="0" smtClean="0">
+                <a:latin typeface="Andale Mono" panose="020B0509000000000004" pitchFamily="49" charset="0"/>
+              </a:rPr>
+              <a:t>/</a:t>
+            </a:r>
+            <a:r>
+              <a:rPr lang="en-GB" dirty="0" err="1" smtClean="0">
+                <a:latin typeface="Andale Mono" panose="020B0509000000000004" pitchFamily="49" charset="0"/>
+              </a:rPr>
+              <a:t>mary.dcsv</a:t>
+            </a:r>
+            <a:r>
+              <a:rPr lang="en-GB" dirty="0" smtClean="0">
+                <a:latin typeface="Andale Mono" panose="020B0509000000000004" pitchFamily="49" charset="0"/>
+              </a:rPr>
+              <a:t> </a:t>
+            </a:r>
+            <a:r>
+              <a:rPr lang="en-GB" dirty="0" err="1" smtClean="0">
+                <a:latin typeface="Andale Mono" panose="020B0509000000000004" pitchFamily="49" charset="0"/>
               </a:rPr>
               <a:t>my_poems</a:t>
             </a:r>
             <a:r>
-              <a:rPr lang="en-GB" dirty="0">
-                <a:solidFill>
-                  <a:srgbClr val="FF0000"/>
-                </a:solidFill>
-              </a:rPr>
-              <a:t>/poem.*</a:t>
-            </a:r>
-            <a:r>
-              <a:rPr lang="en-GB" dirty="0"/>
-              <a:t>’</a:t>
-            </a:r>
-          </a:p>
-          <a:p>
-            <a:r>
-              <a:rPr lang="en-GB" dirty="0"/>
-              <a:t>For several files called poem1.txt, poem2.txt, poem3.txt etc one could use ‘?’ to filter for these: ‘</a:t>
-            </a:r>
-            <a:r>
-              <a:rPr lang="en-GB" dirty="0">
-                <a:solidFill>
-                  <a:srgbClr val="FF0000"/>
-                </a:solidFill>
-              </a:rPr>
-              <a:t>ls </a:t>
-            </a:r>
-            <a:r>
-              <a:rPr lang="en-GB" dirty="0" err="1">
-                <a:solidFill>
-                  <a:srgbClr val="FF0000"/>
-                </a:solidFill>
-              </a:rPr>
-              <a:t>my_poems</a:t>
-            </a:r>
-            <a:r>
-              <a:rPr lang="en-GB" dirty="0">
-                <a:solidFill>
-                  <a:srgbClr val="FF0000"/>
-                </a:solidFill>
-              </a:rPr>
-              <a:t>/</a:t>
-            </a:r>
-            <a:r>
-              <a:rPr lang="en-GB" dirty="0" err="1">
-                <a:solidFill>
-                  <a:srgbClr val="FF0000"/>
-                </a:solidFill>
-              </a:rPr>
-              <a:t>poem?.txt</a:t>
-            </a:r>
-            <a:r>
-              <a:rPr lang="en-GB" dirty="0"/>
-              <a:t>’</a:t>
-            </a:r>
-          </a:p>
-          <a:p>
-            <a:r>
-              <a:rPr lang="en-GB" dirty="0"/>
-              <a:t>Try all 3 of the above commands out for yourselves.</a:t>
-            </a:r>
+              <a:rPr lang="en-GB" dirty="0" smtClean="0">
+                <a:latin typeface="Andale Mono" panose="020B0509000000000004" pitchFamily="49" charset="0"/>
+              </a:rPr>
+              <a:t>/mary2.dcsv</a:t>
+            </a:r>
+            <a:endParaRPr lang="en-GB" dirty="0">
+              <a:latin typeface="Andale Mono" panose="020B0509000000000004" pitchFamily="49" charset="0"/>
+            </a:endParaRPr>
           </a:p>
           <a:p>
             <a:pPr marL="0" indent="0">
@@ -10671,6 +10672,64 @@
             <a:endParaRPr lang="en-GB" dirty="0">
               <a:latin typeface="Andale Mono" panose="020B0509000000000004" pitchFamily="49" charset="0"/>
             </a:endParaRPr>
+          </a:p>
+          <a:p>
+            <a:pPr marL="0" indent="0">
+              <a:buNone/>
+            </a:pPr>
+            <a:endParaRPr lang="en-GB" dirty="0">
+              <a:latin typeface="Andale Mono" panose="020B0509000000000004" pitchFamily="49" charset="0"/>
+            </a:endParaRPr>
+          </a:p>
+          <a:p>
+            <a:r>
+              <a:rPr lang="en-GB" dirty="0" smtClean="0"/>
+              <a:t>The command can also copy directories and files. For this use the –r switch which will recursively copy the directories and files within it.</a:t>
+            </a:r>
+          </a:p>
+          <a:p>
+            <a:endParaRPr lang="en-GB" dirty="0"/>
+          </a:p>
+          <a:p>
+            <a:r>
+              <a:rPr lang="en-GB" dirty="0" err="1">
+                <a:latin typeface="Andale Mono" panose="020B0509000000000004" pitchFamily="49" charset="0"/>
+              </a:rPr>
+              <a:t>cp</a:t>
+            </a:r>
+            <a:r>
+              <a:rPr lang="en-GB" dirty="0">
+                <a:latin typeface="Andale Mono" panose="020B0509000000000004" pitchFamily="49" charset="0"/>
+              </a:rPr>
+              <a:t> </a:t>
+            </a:r>
+            <a:r>
+              <a:rPr lang="en-GB" dirty="0" smtClean="0">
+                <a:latin typeface="Andale Mono" panose="020B0509000000000004" pitchFamily="49" charset="0"/>
+              </a:rPr>
+              <a:t>–r </a:t>
+            </a:r>
+            <a:r>
+              <a:rPr lang="en-GB" dirty="0" err="1" smtClean="0">
+                <a:latin typeface="Andale Mono" panose="020B0509000000000004" pitchFamily="49" charset="0"/>
+              </a:rPr>
+              <a:t>my_poems</a:t>
+            </a:r>
+            <a:r>
+              <a:rPr lang="en-GB" dirty="0" smtClean="0">
+                <a:latin typeface="Andale Mono" panose="020B0509000000000004" pitchFamily="49" charset="0"/>
+              </a:rPr>
+              <a:t> my_poems</a:t>
+            </a:r>
+            <a:r>
+              <a:rPr lang="en-GB" dirty="0">
+                <a:latin typeface="Andale Mono" panose="020B0509000000000004" pitchFamily="49" charset="0"/>
+              </a:rPr>
+              <a:t>2</a:t>
+            </a:r>
+          </a:p>
+          <a:p>
+            <a:endParaRPr lang="en-GB" dirty="0"/>
           </a:p>
         </p:txBody>
       </p:sp>
@@ -10701,7 +10760,7 @@
     </p:spTree>
     <p:extLst>
       <p:ext uri="{BB962C8B-B14F-4D97-AF65-F5344CB8AC3E}">
-        <p14:creationId xmlns:p14="http://schemas.microsoft.com/office/powerpoint/2010/main" val="1173167127"/>
+        <p14:creationId xmlns:p14="http://schemas.microsoft.com/office/powerpoint/2010/main" val="2918038713"/>
       </p:ext>
     </p:extLst>
   </p:cSld>
@@ -10711,6 +10770,13 @@
   <p:transition>
     <p:fade/>
   </p:transition>
+  <p:timing>
+    <p:tnLst>
+      <p:par>
+        <p:cTn id="1" dur="indefinite" restart="never" nodeType="tmRoot"/>
+      </p:par>
+    </p:tnLst>
+  </p:timing>
 </p:sld>
 </file>
 
@@ -10733,7 +10799,13 @@
       </p:grpSpPr>
       <p:sp>
         <p:nvSpPr>
-          <p:cNvPr id="2" name="Title 1"/>
+          <p:cNvPr id="2" name="Title 1">
+            <a:extLst>
+              <a:ext uri="{FF2B5EF4-FFF2-40B4-BE49-F238E27FC236}">
+                <a16:creationId xmlns:a16="http://schemas.microsoft.com/office/drawing/2014/main" xmlns="" id="{4956F151-F590-4CC1-82DE-DAC37A0DF0C4}"/>
+              </a:ext>
+            </a:extLst>
+          </p:cNvPr>
           <p:cNvSpPr>
             <a:spLocks noGrp="1"/>
           </p:cNvSpPr>
@@ -10748,14 +10820,25 @@
           <a:p>
             <a:r>
               <a:rPr lang="en-GB" dirty="0"/>
-              <a:t>Mission Abort – CTRL-C</a:t>
-            </a:r>
-          </a:p>
-        </p:txBody>
-      </p:sp>
-      <p:sp>
-        <p:nvSpPr>
-          <p:cNvPr id="3" name="Content Placeholder 2"/>
+              <a:t>Removing Files - </a:t>
+            </a:r>
+            <a:r>
+              <a:rPr lang="en-GB" dirty="0" err="1"/>
+              <a:t>rm</a:t>
+            </a:r>
+            <a:endParaRPr lang="en-GB" dirty="0"/>
+          </a:p>
+        </p:txBody>
+      </p:sp>
+      <p:sp>
+        <p:nvSpPr>
+          <p:cNvPr id="3" name="Content Placeholder 2">
+            <a:extLst>
+              <a:ext uri="{FF2B5EF4-FFF2-40B4-BE49-F238E27FC236}">
+                <a16:creationId xmlns:a16="http://schemas.microsoft.com/office/drawing/2014/main" xmlns="" id="{C7F4AF65-280D-4C1F-A130-B02EA6FEC75D}"/>
+              </a:ext>
+            </a:extLst>
+          </p:cNvPr>
           <p:cNvSpPr>
             <a:spLocks noGrp="1"/>
           </p:cNvSpPr>
@@ -10763,32 +10846,101 @@
             <p:ph idx="1"/>
           </p:nvPr>
         </p:nvSpPr>
-        <p:spPr>
-          <a:xfrm>
-            <a:off x="424800" y="2214000"/>
-            <a:ext cx="8280000" cy="3960000"/>
-          </a:xfrm>
-        </p:spPr>
+        <p:spPr/>
         <p:txBody>
           <a:bodyPr/>
           <a:lstStyle/>
           <a:p>
             <a:r>
               <a:rPr lang="en-GB" dirty="0"/>
-              <a:t>Sometimes you mistype a command or issue a command which takes a very long time or appears to hang.</a:t>
-            </a:r>
-          </a:p>
-          <a:p>
-            <a:r>
-              <a:rPr lang="en-GB" dirty="0"/>
-              <a:t>The way to get out of this is to press the ‘ctrl’ key and the ‘c’ key at the same time.</a:t>
-            </a:r>
-          </a:p>
-          <a:p>
-            <a:r>
-              <a:rPr lang="en-GB" dirty="0"/>
-              <a:t>You should then see the terminal prompt return.</a:t>
-            </a:r>
+              <a:t>It goes without saying that this is one of the more dangerous commands, but you may need to use it. </a:t>
+            </a:r>
+          </a:p>
+          <a:p>
+            <a:r>
+              <a:rPr lang="en-GB" dirty="0"/>
+              <a:t>The basic form is: ‘</a:t>
+            </a:r>
+            <a:r>
+              <a:rPr lang="en-GB" dirty="0" err="1">
+                <a:solidFill>
+                  <a:srgbClr val="FF0000"/>
+                </a:solidFill>
+              </a:rPr>
+              <a:t>rm</a:t>
+            </a:r>
+            <a:r>
+              <a:rPr lang="en-GB" dirty="0">
+                <a:solidFill>
+                  <a:srgbClr val="FF0000"/>
+                </a:solidFill>
+              </a:rPr>
+              <a:t> –[switch] [filename]</a:t>
+            </a:r>
+            <a:r>
+              <a:rPr lang="en-GB" dirty="0"/>
+              <a:t>’</a:t>
+            </a:r>
+          </a:p>
+          <a:p>
+            <a:endParaRPr lang="en-GB" dirty="0"/>
+          </a:p>
+          <a:p>
+            <a:r>
+              <a:rPr lang="en-US" dirty="0"/>
+              <a:t>Example:</a:t>
+            </a:r>
+            <a:endParaRPr lang="en-GB" dirty="0"/>
+          </a:p>
+          <a:p>
+            <a:pPr marL="0" indent="0">
+              <a:buNone/>
+            </a:pPr>
+            <a:r>
+              <a:rPr lang="en-GB" sz="1600" dirty="0">
+                <a:latin typeface="Andale Mono" panose="020B0509000000000004" pitchFamily="49" charset="0"/>
+              </a:rPr>
+              <a:t> </a:t>
+            </a:r>
+            <a:r>
+              <a:rPr lang="en-GB" dirty="0">
+                <a:latin typeface="Andale Mono" panose="020B0509000000000004" pitchFamily="49" charset="0"/>
+              </a:rPr>
+              <a:t>[sxs98pmh@racc-login-0-1 ~]$ </a:t>
+            </a:r>
+            <a:r>
+              <a:rPr lang="en-GB" dirty="0" err="1">
+                <a:latin typeface="Andale Mono" panose="020B0509000000000004" pitchFamily="49" charset="0"/>
+              </a:rPr>
+              <a:t>rm</a:t>
+            </a:r>
+            <a:r>
+              <a:rPr lang="en-GB" dirty="0">
+                <a:latin typeface="Andale Mono" panose="020B0509000000000004" pitchFamily="49" charset="0"/>
+              </a:rPr>
+              <a:t> </a:t>
+            </a:r>
+            <a:r>
+              <a:rPr lang="en-GB" dirty="0" err="1">
+                <a:latin typeface="Andale Mono" panose="020B0509000000000004" pitchFamily="49" charset="0"/>
+              </a:rPr>
+              <a:t>my_poems</a:t>
+            </a:r>
+            <a:r>
+              <a:rPr lang="en-GB" dirty="0">
+                <a:latin typeface="Andale Mono" panose="020B0509000000000004" pitchFamily="49" charset="0"/>
+              </a:rPr>
+              <a:t>/</a:t>
+            </a:r>
+            <a:r>
+              <a:rPr lang="en-GB" dirty="0" err="1">
+                <a:latin typeface="Andale Mono" panose="020B0509000000000004" pitchFamily="49" charset="0"/>
+              </a:rPr>
+              <a:t>mary.dcsv</a:t>
+            </a:r>
+            <a:endParaRPr lang="en-GB" dirty="0">
+              <a:latin typeface="Andale Mono" panose="020B0509000000000004" pitchFamily="49" charset="0"/>
+            </a:endParaRPr>
           </a:p>
           <a:p>
             <a:pPr marL="0" indent="0">
@@ -10798,11 +10950,63 @@
               <a:latin typeface="Andale Mono" panose="020B0509000000000004" pitchFamily="49" charset="0"/>
             </a:endParaRPr>
           </a:p>
-        </p:txBody>
-      </p:sp>
-      <p:sp>
-        <p:nvSpPr>
-          <p:cNvPr id="4" name="Slide Number Placeholder 3"/>
+          <a:p>
+            <a:r>
+              <a:rPr lang="en-GB" dirty="0"/>
+              <a:t>You can of course use wildcards like ? and * , </a:t>
+            </a:r>
+            <a:r>
+              <a:rPr lang="en-GB" b="1" dirty="0"/>
+              <a:t>but this is where it gets dangerous</a:t>
+            </a:r>
+            <a:r>
+              <a:rPr lang="en-GB" dirty="0"/>
+              <a:t>: for example ‘</a:t>
+            </a:r>
+            <a:r>
+              <a:rPr lang="en-GB" dirty="0" err="1">
+                <a:solidFill>
+                  <a:srgbClr val="FF0000"/>
+                </a:solidFill>
+              </a:rPr>
+              <a:t>rm</a:t>
+            </a:r>
+            <a:r>
+              <a:rPr lang="en-GB" dirty="0">
+                <a:solidFill>
+                  <a:srgbClr val="FF0000"/>
+                </a:solidFill>
+              </a:rPr>
+              <a:t> –R *.*</a:t>
+            </a:r>
+            <a:r>
+              <a:rPr lang="en-GB" dirty="0"/>
+              <a:t>’</a:t>
+            </a:r>
+            <a:r>
+              <a:rPr lang="en-GB" dirty="0">
+                <a:solidFill>
+                  <a:srgbClr val="FF0000"/>
+                </a:solidFill>
+              </a:rPr>
+              <a:t> </a:t>
+            </a:r>
+            <a:r>
+              <a:rPr lang="en-GB" dirty="0"/>
+              <a:t>will remove everything from the current directory and below it!!! (and there is no recovery/undo)</a:t>
+            </a:r>
+          </a:p>
+        </p:txBody>
+      </p:sp>
+      <p:sp>
+        <p:nvSpPr>
+          <p:cNvPr id="4" name="Slide Number Placeholder 3">
+            <a:extLst>
+              <a:ext uri="{FF2B5EF4-FFF2-40B4-BE49-F238E27FC236}">
+                <a16:creationId xmlns:a16="http://schemas.microsoft.com/office/drawing/2014/main" xmlns="" id="{7707F1E0-5B92-45D9-B997-BFE6E8EA1633}"/>
+              </a:ext>
+            </a:extLst>
+          </p:cNvPr>
           <p:cNvSpPr>
             <a:spLocks noGrp="1"/>
           </p:cNvSpPr>
@@ -10827,7 +11031,7 @@
     </p:spTree>
     <p:extLst>
       <p:ext uri="{BB962C8B-B14F-4D97-AF65-F5344CB8AC3E}">
-        <p14:creationId xmlns:p14="http://schemas.microsoft.com/office/powerpoint/2010/main" val="3854198331"/>
+        <p14:creationId xmlns:p14="http://schemas.microsoft.com/office/powerpoint/2010/main" val="1048588719"/>
       </p:ext>
     </p:extLst>
   </p:cSld>
@@ -10837,6 +11041,13 @@
   <p:transition>
     <p:fade/>
   </p:transition>
+  <p:timing>
+    <p:tnLst>
+      <p:par>
+        <p:cTn id="1" dur="indefinite" restart="never" nodeType="tmRoot"/>
+      </p:par>
+    </p:tnLst>
+  </p:timing>
 </p:sld>
 </file>
 
@@ -10874,7 +11085,7 @@
           <a:p>
             <a:r>
               <a:rPr lang="en-GB" dirty="0"/>
-              <a:t>How To get help - man</a:t>
+              <a:t>Filtering</a:t>
             </a:r>
           </a:p>
         </p:txBody>
@@ -10901,25 +11112,13 @@
           <a:p>
             <a:r>
               <a:rPr lang="en-GB" dirty="0"/>
-              <a:t>All Unix commands come with on-board help which you can access via the ‘</a:t>
-            </a:r>
-            <a:r>
-              <a:rPr lang="en-GB" dirty="0">
-                <a:solidFill>
-                  <a:srgbClr val="FF0000"/>
-                </a:solidFill>
-              </a:rPr>
-              <a:t>man</a:t>
-            </a:r>
-            <a:r>
-              <a:rPr lang="en-GB" dirty="0"/>
-              <a:t>’ command, which is short for ‘manual’</a:t>
-            </a:r>
-          </a:p>
-          <a:p>
-            <a:r>
-              <a:rPr lang="en-GB" dirty="0"/>
-              <a:t>Let’s try it for the ‘ls’ command:</a:t>
+              <a:t>To see filtering in action let’s create some dummy files!</a:t>
+            </a:r>
+          </a:p>
+          <a:p>
+            <a:r>
+              <a:rPr lang="en-GB" dirty="0"/>
+              <a:t>Example:</a:t>
             </a:r>
           </a:p>
           <a:p>
@@ -10930,8 +11129,17 @@
               <a:rPr lang="en-GB" dirty="0">
                 <a:latin typeface="Andale Mono" panose="020B0509000000000004" pitchFamily="49" charset="0"/>
               </a:rPr>
-              <a:t>  [sxs98pmh@racc-login-0-1 ~]$ man ls</a:t>
-            </a:r>
+              <a:t> $ </a:t>
+            </a:r>
+            <a:r>
+              <a:rPr lang="pl" dirty="0">
+                <a:latin typeface="Andale Mono" panose="020B0509000000000004" pitchFamily="49" charset="0"/>
+              </a:rPr>
+              <a:t>echo "poem1" &gt; my_poems/poem1.txt</a:t>
+            </a:r>
+            <a:endParaRPr lang="en-GB" dirty="0">
+              <a:latin typeface="Andale Mono" panose="020B0509000000000004" pitchFamily="49" charset="0"/>
+            </a:endParaRPr>
           </a:p>
           <a:p>
             <a:pPr marL="0" indent="0">
@@ -10941,35 +11149,53 @@
               <a:rPr lang="en-GB" dirty="0">
                 <a:latin typeface="Andale Mono" panose="020B0509000000000004" pitchFamily="49" charset="0"/>
               </a:rPr>
-              <a:t>  </a:t>
-            </a:r>
-            <a:r>
-              <a:rPr lang="en-GB" sz="1600" dirty="0">
-                <a:latin typeface="Andale Mono" panose="020B0509000000000004" pitchFamily="49" charset="0"/>
-              </a:rPr>
-              <a:t>LS(1)</a:t>
-            </a:r>
+              <a:t> $ </a:t>
+            </a:r>
+            <a:r>
+              <a:rPr lang="pl" dirty="0">
+                <a:latin typeface="Andale Mono" panose="020B0509000000000004" pitchFamily="49" charset="0"/>
+              </a:rPr>
+              <a:t>echo "poem2" &gt; my_poems/poem2.txt</a:t>
+            </a:r>
+            <a:endParaRPr lang="en-GB" dirty="0">
+              <a:latin typeface="Andale Mono" panose="020B0509000000000004" pitchFamily="49" charset="0"/>
+            </a:endParaRPr>
           </a:p>
           <a:p>
             <a:pPr marL="0" indent="0">
               <a:buNone/>
             </a:pPr>
             <a:r>
-              <a:rPr lang="en-US" sz="1600" dirty="0">
-                <a:latin typeface="Andale Mono" panose="020B0509000000000004" pitchFamily="49" charset="0"/>
-              </a:rPr>
-              <a:t>   NAME</a:t>
-            </a:r>
+              <a:rPr lang="en-GB" dirty="0">
+                <a:latin typeface="Andale Mono" panose="020B0509000000000004" pitchFamily="49" charset="0"/>
+              </a:rPr>
+              <a:t> $ </a:t>
+            </a:r>
+            <a:r>
+              <a:rPr lang="pl" dirty="0">
+                <a:latin typeface="Andale Mono" panose="020B0509000000000004" pitchFamily="49" charset="0"/>
+              </a:rPr>
+              <a:t>echo "poem3" &gt; my_poems/poem3.txt</a:t>
+            </a:r>
+            <a:endParaRPr lang="en-GB" dirty="0">
+              <a:latin typeface="Andale Mono" panose="020B0509000000000004" pitchFamily="49" charset="0"/>
+            </a:endParaRPr>
           </a:p>
           <a:p>
             <a:pPr marL="0" indent="0">
               <a:buNone/>
             </a:pPr>
             <a:r>
-              <a:rPr lang="en-US" sz="1600" dirty="0">
-                <a:latin typeface="Andale Mono" panose="020B0509000000000004" pitchFamily="49" charset="0"/>
-              </a:rPr>
-              <a:t>       ls - list directory contents</a:t>
+              <a:rPr lang="en-GB" dirty="0">
+                <a:latin typeface="Andale Mono" panose="020B0509000000000004" pitchFamily="49" charset="0"/>
+              </a:rPr>
+              <a:t> $ </a:t>
+            </a:r>
+            <a:r>
+              <a:rPr lang="pl" dirty="0">
+                <a:latin typeface="Andale Mono" panose="020B0509000000000004" pitchFamily="49" charset="0"/>
+              </a:rPr>
+              <a:t>echo "poem1" &gt; my_poems/poem1.doc</a:t>
             </a:r>
           </a:p>
           <a:p>
@@ -10977,10 +11203,16 @@
               <a:buNone/>
             </a:pPr>
             <a:r>
-              <a:rPr lang="en-US" sz="1600" dirty="0">
-                <a:latin typeface="Andale Mono" panose="020B0509000000000004" pitchFamily="49" charset="0"/>
-              </a:rPr>
-              <a:t>   SYNOPSIS</a:t>
+              <a:rPr lang="en-GB" dirty="0">
+                <a:latin typeface="Andale Mono" panose="020B0509000000000004" pitchFamily="49" charset="0"/>
+              </a:rPr>
+              <a:t> $ </a:t>
+            </a:r>
+            <a:r>
+              <a:rPr lang="pl" dirty="0">
+                <a:latin typeface="Andale Mono" panose="020B0509000000000004" pitchFamily="49" charset="0"/>
+              </a:rPr>
+              <a:t>echo "poem1" &gt; my_poems/poem1.dcsv</a:t>
             </a:r>
           </a:p>
           <a:p>
@@ -10988,66 +11220,77 @@
               <a:buNone/>
             </a:pPr>
             <a:r>
-              <a:rPr lang="en-US" sz="1600" dirty="0">
-                <a:latin typeface="Andale Mono" panose="020B0509000000000004" pitchFamily="49" charset="0"/>
-              </a:rPr>
-              <a:t>       ls [OPTION]... [FILE]...</a:t>
-            </a:r>
+              <a:rPr lang="en-GB" dirty="0">
+                <a:latin typeface="Andale Mono" panose="020B0509000000000004" pitchFamily="49" charset="0"/>
+              </a:rPr>
+              <a:t> $ </a:t>
+            </a:r>
+            <a:r>
+              <a:rPr lang="pl" dirty="0">
+                <a:latin typeface="Andale Mono" panose="020B0509000000000004" pitchFamily="49" charset="0"/>
+              </a:rPr>
+              <a:t>echo "poem1" &gt; my_poems/poem1.</a:t>
+            </a:r>
+            <a:r>
+              <a:rPr lang="en-US" dirty="0">
+                <a:latin typeface="Andale Mono" panose="020B0509000000000004" pitchFamily="49" charset="0"/>
+              </a:rPr>
+              <a:t>pdf</a:t>
+            </a:r>
+            <a:endParaRPr lang="en-GB" dirty="0">
+              <a:latin typeface="Andale Mono" panose="020B0509000000000004" pitchFamily="49" charset="0"/>
+            </a:endParaRPr>
           </a:p>
           <a:p>
             <a:pPr marL="0" indent="0">
               <a:buNone/>
             </a:pPr>
-            <a:r>
-              <a:rPr lang="en-US" sz="1600" dirty="0">
-                <a:latin typeface="Andale Mono" panose="020B0509000000000004" pitchFamily="49" charset="0"/>
-              </a:rPr>
-              <a:t>   DESCRIPTION</a:t>
+            <a:endParaRPr lang="en-GB" dirty="0">
+              <a:latin typeface="Andale Mono" panose="020B0509000000000004" pitchFamily="49" charset="0"/>
+            </a:endParaRPr>
+          </a:p>
+          <a:p>
+            <a:r>
+              <a:rPr lang="en-GB" dirty="0"/>
+              <a:t>Check if files are there with ‘</a:t>
+            </a:r>
+            <a:r>
+              <a:rPr lang="en-GB" dirty="0">
+                <a:solidFill>
+                  <a:srgbClr val="FF0000"/>
+                </a:solidFill>
+              </a:rPr>
+              <a:t>ls </a:t>
+            </a:r>
+            <a:r>
+              <a:rPr lang="en-GB" dirty="0" err="1">
+                <a:solidFill>
+                  <a:srgbClr val="FF0000"/>
+                </a:solidFill>
+                <a:latin typeface="Andale Mono" panose="020B0509000000000004" pitchFamily="49" charset="0"/>
+              </a:rPr>
+              <a:t>my_poems</a:t>
+            </a:r>
+            <a:r>
+              <a:rPr lang="en-GB" dirty="0"/>
+              <a:t>’</a:t>
             </a:r>
           </a:p>
           <a:p>
             <a:pPr marL="0" indent="0">
               <a:buNone/>
             </a:pPr>
-            <a:r>
-              <a:rPr lang="en-US" sz="1600" dirty="0">
-                <a:latin typeface="Andale Mono" panose="020B0509000000000004" pitchFamily="49" charset="0"/>
-              </a:rPr>
-              <a:t>       List information about the … … …</a:t>
-            </a:r>
-          </a:p>
-          <a:p>
-            <a:r>
-              <a:rPr lang="en-GB" dirty="0"/>
-              <a:t>Almost all inline help follows the above format.</a:t>
-            </a:r>
+            <a:endParaRPr lang="en-GB" dirty="0">
+              <a:latin typeface="Andale Mono" panose="020B0509000000000004" pitchFamily="49" charset="0"/>
+            </a:endParaRPr>
           </a:p>
           <a:p>
             <a:pPr marL="0" indent="0">
               <a:buNone/>
             </a:pPr>
-            <a:endParaRPr lang="en-US" sz="1600" dirty="0">
+            <a:endParaRPr lang="en-GB" dirty="0">
               <a:latin typeface="Andale Mono" panose="020B0509000000000004" pitchFamily="49" charset="0"/>
             </a:endParaRPr>
-          </a:p>
-          <a:p>
-            <a:pPr marL="0" indent="0">
-              <a:buNone/>
-            </a:pPr>
-            <a:endParaRPr lang="en-US" dirty="0">
-              <a:latin typeface="Andale Mono" panose="020B0509000000000004" pitchFamily="49" charset="0"/>
-            </a:endParaRPr>
-          </a:p>
-          <a:p>
-            <a:pPr marL="0" indent="0">
-              <a:buNone/>
-            </a:pPr>
-            <a:r>
-              <a:rPr lang="en-GB" dirty="0">
-                <a:latin typeface="Andale Mono" panose="020B0509000000000004" pitchFamily="49" charset="0"/>
-              </a:rPr>
-              <a:t>  </a:t>
-            </a:r>
           </a:p>
         </p:txBody>
       </p:sp>
@@ -11078,7 +11321,7 @@
     </p:spTree>
     <p:extLst>
       <p:ext uri="{BB962C8B-B14F-4D97-AF65-F5344CB8AC3E}">
-        <p14:creationId xmlns:p14="http://schemas.microsoft.com/office/powerpoint/2010/main" val="2281658960"/>
+        <p14:creationId xmlns:p14="http://schemas.microsoft.com/office/powerpoint/2010/main" val="4065587401"/>
       </p:ext>
     </p:extLst>
   </p:cSld>
@@ -11088,6 +11331,13 @@
   <p:transition>
     <p:fade/>
   </p:transition>
+  <p:timing>
+    <p:tnLst>
+      <p:par>
+        <p:cTn id="1" dur="indefinite" restart="never" nodeType="tmRoot"/>
+      </p:par>
+    </p:tnLst>
+  </p:timing>
 </p:sld>
 </file>
 
@@ -11125,7 +11375,7 @@
           <a:p>
             <a:r>
               <a:rPr lang="en-GB" dirty="0"/>
-              <a:t>How To get help - man</a:t>
+              <a:t>Filtering</a:t>
             </a:r>
           </a:p>
         </p:txBody>
@@ -11152,161 +11402,144 @@
           <a:p>
             <a:r>
               <a:rPr lang="en-GB" dirty="0"/>
-              <a:t>The key points to realise are the syntax of the command and the options or ‘switches’</a:t>
+              <a:t>If you have many files and subdirectories you’ll probably want to filter the results to only show the files/folders you are interested in.</a:t>
+            </a:r>
+          </a:p>
+          <a:p>
+            <a:r>
+              <a:rPr lang="en-GB" dirty="0"/>
+              <a:t>In Unix there are two ‘wildcard’ operators: ‘*’ and ‘?’</a:t>
+            </a:r>
+          </a:p>
+          <a:p>
+            <a:r>
+              <a:rPr lang="en-GB" dirty="0"/>
+              <a:t>The asterisk ‘*’ represents any set of characters, and the placeholder ‘?’ is any character in a certain position.</a:t>
+            </a:r>
+          </a:p>
+          <a:p>
+            <a:r>
+              <a:rPr lang="en-GB" dirty="0"/>
+              <a:t>For example, to show only text files one could type: ‘</a:t>
+            </a:r>
+            <a:r>
+              <a:rPr lang="en-GB" dirty="0">
+                <a:solidFill>
+                  <a:srgbClr val="FF0000"/>
+                </a:solidFill>
+              </a:rPr>
+              <a:t>ls </a:t>
+            </a:r>
+            <a:r>
+              <a:rPr lang="en-GB" dirty="0" err="1">
+                <a:solidFill>
+                  <a:srgbClr val="FF0000"/>
+                </a:solidFill>
+              </a:rPr>
+              <a:t>my_poems</a:t>
+            </a:r>
+            <a:r>
+              <a:rPr lang="en-GB" dirty="0">
+                <a:solidFill>
+                  <a:srgbClr val="FF0000"/>
+                </a:solidFill>
+              </a:rPr>
+              <a:t>/*.txt</a:t>
+            </a:r>
+            <a:r>
+              <a:rPr lang="en-GB" dirty="0"/>
+              <a:t>’</a:t>
+            </a:r>
+          </a:p>
+          <a:p>
+            <a:r>
+              <a:rPr lang="en-GB" dirty="0"/>
+              <a:t>To show only files called ‘poem’, try: ‘</a:t>
+            </a:r>
+            <a:r>
+              <a:rPr lang="en-GB" dirty="0">
+                <a:solidFill>
+                  <a:srgbClr val="FF0000"/>
+                </a:solidFill>
+              </a:rPr>
+              <a:t>ls </a:t>
+            </a:r>
+            <a:r>
+              <a:rPr lang="en-GB" dirty="0" err="1">
+                <a:solidFill>
+                  <a:srgbClr val="FF0000"/>
+                </a:solidFill>
+              </a:rPr>
+              <a:t>my_poems</a:t>
+            </a:r>
+            <a:r>
+              <a:rPr lang="en-GB" dirty="0">
+                <a:solidFill>
+                  <a:srgbClr val="FF0000"/>
+                </a:solidFill>
+              </a:rPr>
+              <a:t>/poem.*</a:t>
+            </a:r>
+            <a:r>
+              <a:rPr lang="en-GB" dirty="0"/>
+              <a:t>’</a:t>
+            </a:r>
+          </a:p>
+          <a:p>
+            <a:r>
+              <a:rPr lang="en-GB" dirty="0"/>
+              <a:t>For several files called poem1.txt, poem2.txt, poem3.txt etc one could use ‘?’ to filter for these: ‘</a:t>
+            </a:r>
+            <a:r>
+              <a:rPr lang="en-GB" dirty="0">
+                <a:solidFill>
+                  <a:srgbClr val="FF0000"/>
+                </a:solidFill>
+              </a:rPr>
+              <a:t>ls </a:t>
+            </a:r>
+            <a:r>
+              <a:rPr lang="en-GB" dirty="0" err="1">
+                <a:solidFill>
+                  <a:srgbClr val="FF0000"/>
+                </a:solidFill>
+              </a:rPr>
+              <a:t>my_poems</a:t>
+            </a:r>
+            <a:r>
+              <a:rPr lang="en-GB" dirty="0">
+                <a:solidFill>
+                  <a:srgbClr val="FF0000"/>
+                </a:solidFill>
+              </a:rPr>
+              <a:t>/</a:t>
+            </a:r>
+            <a:r>
+              <a:rPr lang="en-GB" dirty="0" err="1">
+                <a:solidFill>
+                  <a:srgbClr val="FF0000"/>
+                </a:solidFill>
+              </a:rPr>
+              <a:t>poem?.txt</a:t>
+            </a:r>
+            <a:r>
+              <a:rPr lang="en-GB" dirty="0"/>
+              <a:t>’</a:t>
+            </a:r>
+          </a:p>
+          <a:p>
+            <a:r>
+              <a:rPr lang="en-GB" dirty="0"/>
+              <a:t>Try all 3 of the above commands out for yourselves.</a:t>
             </a:r>
           </a:p>
           <a:p>
             <a:pPr marL="0" indent="0">
               <a:buNone/>
             </a:pPr>
-            <a:r>
-              <a:rPr lang="en-GB" sz="1800" dirty="0">
-                <a:latin typeface="Andale Mono" panose="020B0509000000000004" pitchFamily="49" charset="0"/>
-              </a:rPr>
-              <a:t>   SYNOPSIS</a:t>
-            </a:r>
-          </a:p>
-          <a:p>
-            <a:pPr marL="0" indent="0">
-              <a:buNone/>
-            </a:pPr>
-            <a:r>
-              <a:rPr lang="en-GB" sz="1800" dirty="0">
-                <a:latin typeface="Andale Mono" panose="020B0509000000000004" pitchFamily="49" charset="0"/>
-              </a:rPr>
-              <a:t>       ls [OPTION]... [FILE]...</a:t>
-            </a:r>
-          </a:p>
-          <a:p>
-            <a:r>
-              <a:rPr lang="en-GB" dirty="0"/>
-              <a:t>Switches are sub commands which modify the output</a:t>
-            </a:r>
-          </a:p>
-          <a:p>
-            <a:r>
-              <a:rPr lang="en-GB" dirty="0"/>
-              <a:t>Earlier we used ‘</a:t>
-            </a:r>
-            <a:r>
-              <a:rPr lang="en-GB" dirty="0">
-                <a:solidFill>
-                  <a:srgbClr val="FF0000"/>
-                </a:solidFill>
-              </a:rPr>
-              <a:t>ls –l</a:t>
-            </a:r>
-            <a:r>
-              <a:rPr lang="en-GB" dirty="0"/>
-              <a:t>’. Here we used the ‘</a:t>
-            </a:r>
-            <a:r>
-              <a:rPr lang="en-GB" dirty="0">
-                <a:solidFill>
-                  <a:srgbClr val="FF0000"/>
-                </a:solidFill>
-              </a:rPr>
-              <a:t>-l</a:t>
-            </a:r>
-            <a:r>
-              <a:rPr lang="en-GB" dirty="0"/>
-              <a:t>’ switch to ask for the long format of list command</a:t>
-            </a:r>
-          </a:p>
-          <a:p>
-            <a:r>
-              <a:rPr lang="en-GB" dirty="0"/>
-              <a:t>For the file we’ve created, this translates to: ‘</a:t>
-            </a:r>
-            <a:r>
-              <a:rPr lang="en-GB" dirty="0">
-                <a:solidFill>
-                  <a:srgbClr val="FF0000"/>
-                </a:solidFill>
-              </a:rPr>
-              <a:t>ls -l </a:t>
-            </a:r>
-            <a:r>
-              <a:rPr lang="en-GB" dirty="0" err="1">
-                <a:solidFill>
-                  <a:srgbClr val="FF0000"/>
-                </a:solidFill>
-              </a:rPr>
-              <a:t>my_poems</a:t>
-            </a:r>
-            <a:r>
-              <a:rPr lang="en-GB" dirty="0">
-                <a:solidFill>
-                  <a:srgbClr val="FF0000"/>
-                </a:solidFill>
-              </a:rPr>
-              <a:t>/</a:t>
-            </a:r>
-            <a:r>
-              <a:rPr lang="en-GB" dirty="0" err="1">
-                <a:solidFill>
-                  <a:srgbClr val="FF0000"/>
-                </a:solidFill>
-              </a:rPr>
-              <a:t>mary.txt</a:t>
-            </a:r>
-            <a:r>
-              <a:rPr lang="en-GB" dirty="0"/>
-              <a:t>’</a:t>
-            </a:r>
-          </a:p>
-          <a:p>
-            <a:r>
-              <a:rPr lang="en-GB" dirty="0"/>
-              <a:t>Switches can be combined together e.g.: ‘</a:t>
-            </a:r>
-            <a:r>
-              <a:rPr lang="en-GB" dirty="0">
-                <a:solidFill>
-                  <a:srgbClr val="FF0000"/>
-                </a:solidFill>
-              </a:rPr>
-              <a:t>ls –</a:t>
-            </a:r>
-            <a:r>
-              <a:rPr lang="en-GB" dirty="0" err="1">
-                <a:solidFill>
-                  <a:srgbClr val="FF0000"/>
-                </a:solidFill>
-              </a:rPr>
-              <a:t>lr</a:t>
-            </a:r>
-            <a:r>
-              <a:rPr lang="en-GB" dirty="0"/>
-              <a:t>’, which means list in long format and in reverse order.</a:t>
-            </a:r>
-          </a:p>
-          <a:p>
-            <a:pPr marL="0" indent="0">
-              <a:buNone/>
-            </a:pPr>
-            <a:endParaRPr lang="en-US" sz="1600" dirty="0">
+            <a:endParaRPr lang="en-GB" dirty="0">
               <a:latin typeface="Andale Mono" panose="020B0509000000000004" pitchFamily="49" charset="0"/>
             </a:endParaRPr>
-          </a:p>
-          <a:p>
-            <a:pPr marL="0" indent="0">
-              <a:buNone/>
-            </a:pPr>
-            <a:endParaRPr lang="en-US" dirty="0">
-              <a:latin typeface="Andale Mono" panose="020B0509000000000004" pitchFamily="49" charset="0"/>
-            </a:endParaRPr>
-          </a:p>
-          <a:p>
-            <a:pPr marL="0" indent="0">
-              <a:buNone/>
-            </a:pPr>
-            <a:r>
-              <a:rPr lang="en-GB" dirty="0">
-                <a:latin typeface="Andale Mono" panose="020B0509000000000004" pitchFamily="49" charset="0"/>
-              </a:rPr>
-              <a:t>  </a:t>
-            </a:r>
           </a:p>
         </p:txBody>
       </p:sp>
@@ -11337,7 +11570,7 @@
     </p:spTree>
     <p:extLst>
       <p:ext uri="{BB962C8B-B14F-4D97-AF65-F5344CB8AC3E}">
-        <p14:creationId xmlns:p14="http://schemas.microsoft.com/office/powerpoint/2010/main" val="3124205017"/>
+        <p14:creationId xmlns:p14="http://schemas.microsoft.com/office/powerpoint/2010/main" val="1173167127"/>
       </p:ext>
     </p:extLst>
   </p:cSld>
@@ -11347,6 +11580,13 @@
   <p:transition>
     <p:fade/>
   </p:transition>
+  <p:timing>
+    <p:tnLst>
+      <p:par>
+        <p:cTn id="1" dur="indefinite" restart="never" nodeType="tmRoot"/>
+      </p:par>
+    </p:tnLst>
+  </p:timing>
 </p:sld>
 </file>
 
@@ -11472,6 +11712,13 @@
   <p:transition>
     <p:fade/>
   </p:transition>
+  <p:timing>
+    <p:tnLst>
+      <p:par>
+        <p:cTn id="1" dur="indefinite" restart="never" nodeType="tmRoot"/>
+      </p:par>
+    </p:tnLst>
+  </p:timing>
 </p:sld>
 </file>
 
@@ -11509,7 +11756,7 @@
           <a:p>
             <a:r>
               <a:rPr lang="en-GB" dirty="0"/>
-              <a:t>Other ways to get help</a:t>
+              <a:t>Mission Abort – CTRL-C</a:t>
             </a:r>
           </a:p>
         </p:txBody>
@@ -11536,191 +11783,28 @@
           <a:p>
             <a:r>
               <a:rPr lang="en-GB" dirty="0"/>
-              <a:t>As well as the ‘</a:t>
-            </a:r>
-            <a:r>
-              <a:rPr lang="en-GB" dirty="0">
-                <a:solidFill>
-                  <a:srgbClr val="FF0000"/>
-                </a:solidFill>
-              </a:rPr>
-              <a:t>man</a:t>
-            </a:r>
-            <a:r>
-              <a:rPr lang="en-GB" dirty="0"/>
-              <a:t>’ command, nearly all Unix commands provide embedded help on their usage.</a:t>
-            </a:r>
-          </a:p>
-          <a:p>
-            <a:r>
-              <a:rPr lang="en-GB" dirty="0"/>
-              <a:t>Depending on the command, switches in the form ‘</a:t>
-            </a:r>
-            <a:r>
-              <a:rPr lang="en-GB" dirty="0">
-                <a:solidFill>
-                  <a:srgbClr val="FF0000"/>
-                </a:solidFill>
-              </a:rPr>
-              <a:t>–h</a:t>
-            </a:r>
-            <a:r>
-              <a:rPr lang="en-GB" dirty="0"/>
-              <a:t>’, </a:t>
-            </a:r>
-            <a:r>
-              <a:rPr lang="en-GB" dirty="0">
-                <a:solidFill>
-                  <a:srgbClr val="FF0000"/>
-                </a:solidFill>
-              </a:rPr>
-              <a:t>‘--help</a:t>
-            </a:r>
-            <a:r>
-              <a:rPr lang="en-GB" dirty="0"/>
-              <a:t>’ and ‘</a:t>
-            </a:r>
-            <a:r>
-              <a:rPr lang="en-GB" dirty="0">
-                <a:solidFill>
-                  <a:srgbClr val="FF0000"/>
-                </a:solidFill>
-              </a:rPr>
-              <a:t>-?</a:t>
-            </a:r>
-            <a:r>
-              <a:rPr lang="en-GB" dirty="0"/>
-              <a:t>’ can be appended to the command to show the commands’ usage.</a:t>
-            </a:r>
-          </a:p>
-          <a:p>
-            <a:r>
-              <a:rPr lang="en-GB" dirty="0"/>
-              <a:t>For example the help option for the ls command used earlier can be invoked by simply using ‘</a:t>
-            </a:r>
-            <a:r>
-              <a:rPr lang="en-GB" dirty="0">
-                <a:solidFill>
-                  <a:srgbClr val="FF0000"/>
-                </a:solidFill>
-              </a:rPr>
-              <a:t>ls –help</a:t>
-            </a:r>
-            <a:r>
-              <a:rPr lang="en-GB" dirty="0"/>
-              <a:t>’</a:t>
-            </a:r>
-          </a:p>
-          <a:p>
-            <a:r>
-              <a:rPr lang="en-GB" dirty="0"/>
-              <a:t>The ‘</a:t>
-            </a:r>
-            <a:r>
-              <a:rPr lang="en-GB" dirty="0">
-                <a:solidFill>
-                  <a:srgbClr val="FF0000"/>
-                </a:solidFill>
-              </a:rPr>
-              <a:t>more</a:t>
-            </a:r>
-            <a:r>
-              <a:rPr lang="en-GB" dirty="0"/>
-              <a:t>’ command help can be invoked by typing ‘</a:t>
-            </a:r>
-            <a:r>
-              <a:rPr lang="en-GB" dirty="0">
-                <a:solidFill>
-                  <a:srgbClr val="FF0000"/>
-                </a:solidFill>
-              </a:rPr>
-              <a:t>more -?</a:t>
-            </a:r>
-            <a:r>
-              <a:rPr lang="en-GB" dirty="0"/>
-              <a:t>’</a:t>
-            </a:r>
-          </a:p>
-          <a:p>
-            <a:r>
-              <a:rPr lang="en-GB" dirty="0"/>
-              <a:t>The ‘</a:t>
-            </a:r>
-            <a:r>
-              <a:rPr lang="en-GB" dirty="0">
-                <a:solidFill>
-                  <a:srgbClr val="FF0000"/>
-                </a:solidFill>
-              </a:rPr>
-              <a:t>man</a:t>
-            </a:r>
-            <a:r>
-              <a:rPr lang="en-GB" dirty="0"/>
-              <a:t>’ command usage can be invoked by typing ‘</a:t>
-            </a:r>
-            <a:r>
-              <a:rPr lang="en-GB" dirty="0">
-                <a:solidFill>
-                  <a:srgbClr val="FF0000"/>
-                </a:solidFill>
-              </a:rPr>
-              <a:t>man –h</a:t>
-            </a:r>
-            <a:r>
-              <a:rPr lang="en-GB" dirty="0"/>
-              <a:t>’</a:t>
-            </a:r>
-          </a:p>
-          <a:p>
-            <a:r>
-              <a:rPr lang="en-GB" dirty="0"/>
-              <a:t>Invocation of help is not standardised, but one or other of the above will nearly always work.</a:t>
-            </a:r>
-          </a:p>
-          <a:p>
-            <a:r>
-              <a:rPr lang="en-GB" dirty="0"/>
-              <a:t>If all else fails, just use the ‘</a:t>
-            </a:r>
-            <a:r>
-              <a:rPr lang="en-GB" dirty="0">
-                <a:solidFill>
-                  <a:srgbClr val="FF0000"/>
-                </a:solidFill>
-              </a:rPr>
-              <a:t>man</a:t>
-            </a:r>
-            <a:r>
-              <a:rPr lang="en-GB" dirty="0"/>
-              <a:t>’ command!</a:t>
+              <a:t>Sometimes you mistype a command or issue a command which takes a very long time or appears to hang.</a:t>
+            </a:r>
+          </a:p>
+          <a:p>
+            <a:r>
+              <a:rPr lang="en-GB" dirty="0"/>
+              <a:t>The way to get out of this is to press the ‘ctrl’ key and the ‘c’ key at the same time.</a:t>
+            </a:r>
+          </a:p>
+          <a:p>
+            <a:r>
+              <a:rPr lang="en-GB" dirty="0"/>
+              <a:t>You should then see the terminal prompt return.</a:t>
             </a:r>
           </a:p>
           <a:p>
             <a:pPr marL="0" indent="0">
               <a:buNone/>
             </a:pPr>
-            <a:endParaRPr lang="en-US" sz="1600" dirty="0">
+            <a:endParaRPr lang="en-GB" dirty="0">
               <a:latin typeface="Andale Mono" panose="020B0509000000000004" pitchFamily="49" charset="0"/>
             </a:endParaRPr>
-          </a:p>
-          <a:p>
-            <a:pPr marL="0" indent="0">
-              <a:buNone/>
-            </a:pPr>
-            <a:endParaRPr lang="en-US" dirty="0">
-              <a:latin typeface="Andale Mono" panose="020B0509000000000004" pitchFamily="49" charset="0"/>
-            </a:endParaRPr>
-          </a:p>
-          <a:p>
-            <a:pPr marL="0" indent="0">
-              <a:buNone/>
-            </a:pPr>
-            <a:r>
-              <a:rPr lang="en-GB" dirty="0">
-                <a:latin typeface="Andale Mono" panose="020B0509000000000004" pitchFamily="49" charset="0"/>
-              </a:rPr>
-              <a:t>  </a:t>
-            </a:r>
           </a:p>
         </p:txBody>
       </p:sp>
@@ -11751,7 +11835,7 @@
     </p:spTree>
     <p:extLst>
       <p:ext uri="{BB962C8B-B14F-4D97-AF65-F5344CB8AC3E}">
-        <p14:creationId xmlns:p14="http://schemas.microsoft.com/office/powerpoint/2010/main" val="1301737454"/>
+        <p14:creationId xmlns:p14="http://schemas.microsoft.com/office/powerpoint/2010/main" val="3854198331"/>
       </p:ext>
     </p:extLst>
   </p:cSld>
@@ -11761,6 +11845,13 @@
   <p:transition>
     <p:fade/>
   </p:transition>
+  <p:timing>
+    <p:tnLst>
+      <p:par>
+        <p:cTn id="1" dur="indefinite" restart="never" nodeType="tmRoot"/>
+      </p:par>
+    </p:tnLst>
+  </p:timing>
 </p:sld>
 </file>
 
@@ -11798,7 +11889,7 @@
           <a:p>
             <a:r>
               <a:rPr lang="en-GB" dirty="0"/>
-              <a:t>Tips and tricks</a:t>
+              <a:t>How To get help - man</a:t>
             </a:r>
           </a:p>
         </p:txBody>
@@ -11825,21 +11916,7 @@
           <a:p>
             <a:r>
               <a:rPr lang="en-GB" dirty="0"/>
-              <a:t>Bash maintains a history of everything you typed, in a hidden file called .</a:t>
-            </a:r>
-            <a:r>
-              <a:rPr lang="en-GB" dirty="0" err="1"/>
-              <a:t>bash_history</a:t>
-            </a:r>
-            <a:r>
-              <a:rPr lang="en-GB" dirty="0"/>
-              <a:t> in your home directory.</a:t>
-            </a:r>
-          </a:p>
-          <a:p>
-            <a:r>
-              <a:rPr lang="en-GB" dirty="0"/>
-              <a:t>You can see this file if you type ‘</a:t>
+              <a:t>All Unix commands come with on-board help which you can access via the ‘</a:t>
             </a:r>
             <a:r>
               <a:rPr lang="en-GB" dirty="0">
@@ -11847,54 +11924,145 @@
                   <a:srgbClr val="FF0000"/>
                 </a:solidFill>
               </a:rPr>
-              <a:t>ls -a .</a:t>
-            </a:r>
-            <a:r>
-              <a:rPr lang="en-GB" dirty="0" err="1">
-                <a:solidFill>
-                  <a:srgbClr val="FF0000"/>
-                </a:solidFill>
-              </a:rPr>
-              <a:t>ba</a:t>
-            </a:r>
-            <a:r>
-              <a:rPr lang="en-GB" dirty="0">
-                <a:solidFill>
-                  <a:srgbClr val="FF0000"/>
-                </a:solidFill>
-              </a:rPr>
-              <a:t>*</a:t>
-            </a:r>
-            <a:r>
-              <a:rPr lang="en-GB" dirty="0"/>
-              <a:t>’</a:t>
-            </a:r>
-          </a:p>
-          <a:p>
-            <a:r>
-              <a:rPr lang="en-GB" dirty="0"/>
-              <a:t>The dot in front of the filename represents a hidden file.</a:t>
-            </a:r>
-          </a:p>
-          <a:p>
-            <a:r>
-              <a:rPr lang="en-GB" dirty="0"/>
-              <a:t>Pressing the “up” arrow toggles through the previous command(s).</a:t>
-            </a:r>
-          </a:p>
-          <a:p>
-            <a:r>
-              <a:rPr lang="en-GB" dirty="0"/>
-              <a:t>This can be very useful if you want to list a file to see if it is there and then act upon it.</a:t>
+              <a:t>man</a:t>
+            </a:r>
+            <a:r>
+              <a:rPr lang="en-GB" dirty="0"/>
+              <a:t>’ command, which is short for ‘manual’</a:t>
+            </a:r>
+          </a:p>
+          <a:p>
+            <a:r>
+              <a:rPr lang="en-GB" dirty="0"/>
+              <a:t>Let’s try it for the ‘ls’ command:</a:t>
             </a:r>
           </a:p>
           <a:p>
             <a:pPr marL="0" indent="0">
               <a:buNone/>
             </a:pPr>
-            <a:endParaRPr lang="en-GB" dirty="0">
+            <a:r>
+              <a:rPr lang="en-GB" dirty="0">
+                <a:latin typeface="Andale Mono" panose="020B0509000000000004" pitchFamily="49" charset="0"/>
+              </a:rPr>
+              <a:t>  [sxs98pmh@racc-login-0-1 ~]$ man ls</a:t>
+            </a:r>
+          </a:p>
+          <a:p>
+            <a:pPr marL="0" indent="0">
+              <a:buNone/>
+            </a:pPr>
+            <a:r>
+              <a:rPr lang="en-GB" dirty="0">
+                <a:latin typeface="Andale Mono" panose="020B0509000000000004" pitchFamily="49" charset="0"/>
+              </a:rPr>
+              <a:t>  </a:t>
+            </a:r>
+            <a:r>
+              <a:rPr lang="en-GB" sz="1600" dirty="0">
+                <a:latin typeface="Andale Mono" panose="020B0509000000000004" pitchFamily="49" charset="0"/>
+              </a:rPr>
+              <a:t>LS(1)</a:t>
+            </a:r>
+          </a:p>
+          <a:p>
+            <a:pPr marL="0" indent="0">
+              <a:buNone/>
+            </a:pPr>
+            <a:r>
+              <a:rPr lang="en-US" sz="1600" dirty="0">
+                <a:latin typeface="Andale Mono" panose="020B0509000000000004" pitchFamily="49" charset="0"/>
+              </a:rPr>
+              <a:t>   NAME</a:t>
+            </a:r>
+          </a:p>
+          <a:p>
+            <a:pPr marL="0" indent="0">
+              <a:buNone/>
+            </a:pPr>
+            <a:r>
+              <a:rPr lang="en-US" sz="1600" dirty="0">
+                <a:latin typeface="Andale Mono" panose="020B0509000000000004" pitchFamily="49" charset="0"/>
+              </a:rPr>
+              <a:t>       ls - list directory contents</a:t>
+            </a:r>
+          </a:p>
+          <a:p>
+            <a:pPr marL="0" indent="0">
+              <a:buNone/>
+            </a:pPr>
+            <a:r>
+              <a:rPr lang="en-US" sz="1600" dirty="0">
+                <a:latin typeface="Andale Mono" panose="020B0509000000000004" pitchFamily="49" charset="0"/>
+              </a:rPr>
+              <a:t>   SYNOPSIS</a:t>
+            </a:r>
+          </a:p>
+          <a:p>
+            <a:pPr marL="0" indent="0">
+              <a:buNone/>
+            </a:pPr>
+            <a:r>
+              <a:rPr lang="en-US" sz="1600" dirty="0">
+                <a:latin typeface="Andale Mono" panose="020B0509000000000004" pitchFamily="49" charset="0"/>
+              </a:rPr>
+              <a:t>       ls [OPTION]... [FILE]...</a:t>
+            </a:r>
+          </a:p>
+          <a:p>
+            <a:pPr marL="0" indent="0">
+              <a:buNone/>
+            </a:pPr>
+            <a:r>
+              <a:rPr lang="en-US" sz="1600" dirty="0">
+                <a:latin typeface="Andale Mono" panose="020B0509000000000004" pitchFamily="49" charset="0"/>
+              </a:rPr>
+              <a:t>   DESCRIPTION</a:t>
+            </a:r>
+          </a:p>
+          <a:p>
+            <a:pPr marL="0" indent="0">
+              <a:buNone/>
+            </a:pPr>
+            <a:r>
+              <a:rPr lang="en-US" sz="1600" dirty="0">
+                <a:latin typeface="Andale Mono" panose="020B0509000000000004" pitchFamily="49" charset="0"/>
+              </a:rPr>
+              <a:t>       List information about the … … …</a:t>
+            </a:r>
+          </a:p>
+          <a:p>
+            <a:r>
+              <a:rPr lang="en-GB" dirty="0"/>
+              <a:t>Almost all inline help follows the above format.</a:t>
+            </a:r>
+          </a:p>
+          <a:p>
+            <a:pPr marL="0" indent="0">
+              <a:buNone/>
+            </a:pPr>
+            <a:endParaRPr lang="en-US" sz="1600" dirty="0">
               <a:latin typeface="Andale Mono" panose="020B0509000000000004" pitchFamily="49" charset="0"/>
             </a:endParaRPr>
+          </a:p>
+          <a:p>
+            <a:pPr marL="0" indent="0">
+              <a:buNone/>
+            </a:pPr>
+            <a:endParaRPr lang="en-US" dirty="0">
+              <a:latin typeface="Andale Mono" panose="020B0509000000000004" pitchFamily="49" charset="0"/>
+            </a:endParaRPr>
+          </a:p>
+          <a:p>
+            <a:pPr marL="0" indent="0">
+              <a:buNone/>
+            </a:pPr>
+            <a:r>
+              <a:rPr lang="en-GB" dirty="0">
+                <a:latin typeface="Andale Mono" panose="020B0509000000000004" pitchFamily="49" charset="0"/>
+              </a:rPr>
+              <a:t>  </a:t>
+            </a:r>
           </a:p>
         </p:txBody>
       </p:sp>
@@ -11925,7 +12093,7 @@
     </p:spTree>
     <p:extLst>
       <p:ext uri="{BB962C8B-B14F-4D97-AF65-F5344CB8AC3E}">
-        <p14:creationId xmlns:p14="http://schemas.microsoft.com/office/powerpoint/2010/main" val="536543245"/>
+        <p14:creationId xmlns:p14="http://schemas.microsoft.com/office/powerpoint/2010/main" val="2281658960"/>
       </p:ext>
     </p:extLst>
   </p:cSld>
@@ -11935,6 +12103,13 @@
   <p:transition>
     <p:fade/>
   </p:transition>
+  <p:timing>
+    <p:tnLst>
+      <p:par>
+        <p:cTn id="1" dur="indefinite" restart="never" nodeType="tmRoot"/>
+      </p:par>
+    </p:tnLst>
+  </p:timing>
 </p:sld>
 </file>
 
@@ -11972,7 +12147,7 @@
           <a:p>
             <a:r>
               <a:rPr lang="en-GB" dirty="0"/>
-              <a:t>Tips and tricks</a:t>
+              <a:t>How To get help - man</a:t>
             </a:r>
           </a:p>
         </p:txBody>
@@ -11999,7 +12174,7 @@
           <a:p>
             <a:r>
               <a:rPr lang="en-GB" dirty="0"/>
-              <a:t>Example:</a:t>
+              <a:t>The key points to realise are the syntax of the command and the options or ‘switches’</a:t>
             </a:r>
           </a:p>
           <a:p>
@@ -12007,28 +12182,10 @@
               <a:buNone/>
             </a:pPr>
             <a:r>
-              <a:rPr lang="en-GB" dirty="0">
-                <a:latin typeface="Andale Mono" panose="020B0509000000000004" pitchFamily="49" charset="0"/>
-              </a:rPr>
-              <a:t> [sxs98pmh@racc-login-0-1 ~]$ </a:t>
-            </a:r>
-            <a:r>
-              <a:rPr lang="en-US" dirty="0">
-                <a:latin typeface="Andale Mono" panose="020B0509000000000004" pitchFamily="49" charset="0"/>
-              </a:rPr>
-              <a:t>ls </a:t>
-            </a:r>
-            <a:r>
-              <a:rPr lang="en-US" dirty="0" err="1">
-                <a:latin typeface="Andale Mono" panose="020B0509000000000004" pitchFamily="49" charset="0"/>
-              </a:rPr>
-              <a:t>my_poems</a:t>
-            </a:r>
-            <a:r>
-              <a:rPr lang="en-US" dirty="0">
-                <a:latin typeface="Andale Mono" panose="020B0509000000000004" pitchFamily="49" charset="0"/>
-              </a:rPr>
-              <a:t>/poem1.txt</a:t>
+              <a:rPr lang="en-GB" sz="1800" dirty="0">
+                <a:latin typeface="Andale Mono" panose="020B0509000000000004" pitchFamily="49" charset="0"/>
+              </a:rPr>
+              <a:t>   SYNOPSIS</a:t>
             </a:r>
           </a:p>
           <a:p>
@@ -12036,129 +12193,142 @@
               <a:buNone/>
             </a:pPr>
             <a:r>
-              <a:rPr lang="en-GB" dirty="0"/>
-              <a:t>   Press ‘Return’ to execute the above command</a:t>
+              <a:rPr lang="en-GB" sz="1800" dirty="0">
+                <a:latin typeface="Andale Mono" panose="020B0509000000000004" pitchFamily="49" charset="0"/>
+              </a:rPr>
+              <a:t>       ls [OPTION]... [FILE]...</a:t>
+            </a:r>
+          </a:p>
+          <a:p>
+            <a:r>
+              <a:rPr lang="en-GB" dirty="0"/>
+              <a:t>Switches are sub commands which modify the output</a:t>
+            </a:r>
+          </a:p>
+          <a:p>
+            <a:r>
+              <a:rPr lang="en-GB" dirty="0"/>
+              <a:t>Earlier we used ‘</a:t>
+            </a:r>
+            <a:r>
+              <a:rPr lang="en-GB" dirty="0">
+                <a:solidFill>
+                  <a:srgbClr val="FF0000"/>
+                </a:solidFill>
+              </a:rPr>
+              <a:t>ls –l</a:t>
+            </a:r>
+            <a:r>
+              <a:rPr lang="en-GB" dirty="0"/>
+              <a:t>’. Here we used the ‘</a:t>
+            </a:r>
+            <a:r>
+              <a:rPr lang="en-GB" dirty="0">
+                <a:solidFill>
+                  <a:srgbClr val="FF0000"/>
+                </a:solidFill>
+              </a:rPr>
+              <a:t>-l</a:t>
+            </a:r>
+            <a:r>
+              <a:rPr lang="en-GB" dirty="0"/>
+              <a:t>’ switch to ask for the long format of list command</a:t>
+            </a:r>
+          </a:p>
+          <a:p>
+            <a:r>
+              <a:rPr lang="en-GB" dirty="0"/>
+              <a:t>For the file we’ve created, this translates to: ‘</a:t>
+            </a:r>
+            <a:r>
+              <a:rPr lang="en-GB" dirty="0">
+                <a:solidFill>
+                  <a:srgbClr val="FF0000"/>
+                </a:solidFill>
+              </a:rPr>
+              <a:t>ls -l </a:t>
+            </a:r>
+            <a:r>
+              <a:rPr lang="en-GB" dirty="0" err="1">
+                <a:solidFill>
+                  <a:srgbClr val="FF0000"/>
+                </a:solidFill>
+              </a:rPr>
+              <a:t>my_poems</a:t>
+            </a:r>
+            <a:r>
+              <a:rPr lang="en-GB" dirty="0">
+                <a:solidFill>
+                  <a:srgbClr val="FF0000"/>
+                </a:solidFill>
+              </a:rPr>
+              <a:t>/</a:t>
+            </a:r>
+            <a:r>
+              <a:rPr lang="en-GB" dirty="0" err="1">
+                <a:solidFill>
+                  <a:srgbClr val="FF0000"/>
+                </a:solidFill>
+              </a:rPr>
+              <a:t>mary.txt</a:t>
+            </a:r>
+            <a:r>
+              <a:rPr lang="en-GB" dirty="0"/>
+              <a:t>’</a:t>
+            </a:r>
+          </a:p>
+          <a:p>
+            <a:r>
+              <a:rPr lang="en-GB" dirty="0"/>
+              <a:t>Switches can be combined together e.g.: ‘</a:t>
+            </a:r>
+            <a:r>
+              <a:rPr lang="en-GB" dirty="0">
+                <a:solidFill>
+                  <a:srgbClr val="FF0000"/>
+                </a:solidFill>
+              </a:rPr>
+              <a:t>ls –</a:t>
+            </a:r>
+            <a:r>
+              <a:rPr lang="en-GB" dirty="0" err="1">
+                <a:solidFill>
+                  <a:srgbClr val="FF0000"/>
+                </a:solidFill>
+              </a:rPr>
+              <a:t>lr</a:t>
+            </a:r>
+            <a:r>
+              <a:rPr lang="en-GB" dirty="0"/>
+              <a:t>’, which means list in long format and in reverse order.</a:t>
             </a:r>
           </a:p>
           <a:p>
             <a:pPr marL="0" indent="0">
               <a:buNone/>
             </a:pPr>
-            <a:r>
-              <a:rPr lang="en-GB" dirty="0"/>
-              <a:t>   Then the ‘up arrow’ to recall the command again</a:t>
-            </a:r>
+            <a:endParaRPr lang="en-US" sz="1600" dirty="0">
+              <a:latin typeface="Andale Mono" panose="020B0509000000000004" pitchFamily="49" charset="0"/>
+            </a:endParaRPr>
           </a:p>
           <a:p>
             <a:pPr marL="0" indent="0">
               <a:buNone/>
             </a:pPr>
-            <a:r>
-              <a:rPr lang="en-GB" dirty="0"/>
-              <a:t>   Then the ‘home’ key</a:t>
-            </a:r>
+            <a:endParaRPr lang="en-US" dirty="0">
+              <a:latin typeface="Andale Mono" panose="020B0509000000000004" pitchFamily="49" charset="0"/>
+            </a:endParaRPr>
           </a:p>
           <a:p>
             <a:pPr marL="0" indent="0">
               <a:buNone/>
             </a:pPr>
             <a:r>
-              <a:rPr lang="en-GB" dirty="0"/>
-              <a:t>   Now delete the ‘</a:t>
-            </a:r>
-            <a:r>
               <a:rPr lang="en-GB" dirty="0">
-                <a:solidFill>
-                  <a:srgbClr val="FF0000"/>
-                </a:solidFill>
-              </a:rPr>
-              <a:t>ls</a:t>
-            </a:r>
-            <a:r>
-              <a:rPr lang="en-GB" dirty="0"/>
-              <a:t>’ and replace with ‘</a:t>
-            </a:r>
-            <a:r>
-              <a:rPr lang="en-GB" dirty="0" err="1">
-                <a:solidFill>
-                  <a:srgbClr val="FF0000"/>
-                </a:solidFill>
-              </a:rPr>
-              <a:t>cp</a:t>
-            </a:r>
-            <a:r>
-              <a:rPr lang="en-GB" dirty="0"/>
-              <a:t>’ (copy) so it looks like this:</a:t>
-            </a:r>
-          </a:p>
-          <a:p>
-            <a:pPr marL="0" indent="0">
-              <a:buNone/>
-            </a:pPr>
-            <a:r>
-              <a:rPr lang="en-GB" dirty="0">
-                <a:latin typeface="Andale Mono" panose="020B0509000000000004" pitchFamily="49" charset="0"/>
-              </a:rPr>
-              <a:t> $ </a:t>
-            </a:r>
-            <a:r>
-              <a:rPr lang="en-GB" dirty="0" err="1">
-                <a:latin typeface="Andale Mono" panose="020B0509000000000004" pitchFamily="49" charset="0"/>
-              </a:rPr>
-              <a:t>cp</a:t>
-            </a:r>
-            <a:r>
-              <a:rPr lang="en-GB" dirty="0">
-                <a:latin typeface="Andale Mono" panose="020B0509000000000004" pitchFamily="49" charset="0"/>
-              </a:rPr>
-              <a:t> </a:t>
-            </a:r>
-            <a:r>
-              <a:rPr lang="en-GB" dirty="0" err="1">
-                <a:latin typeface="Andale Mono" panose="020B0509000000000004" pitchFamily="49" charset="0"/>
-              </a:rPr>
-              <a:t>my_poems</a:t>
-            </a:r>
-            <a:r>
-              <a:rPr lang="en-GB" dirty="0">
-                <a:latin typeface="Andale Mono" panose="020B0509000000000004" pitchFamily="49" charset="0"/>
-              </a:rPr>
-              <a:t>/poem1.txt </a:t>
-            </a:r>
-            <a:r>
-              <a:rPr lang="en-GB" dirty="0" err="1">
-                <a:latin typeface="Andale Mono" panose="020B0509000000000004" pitchFamily="49" charset="0"/>
-              </a:rPr>
-              <a:t>my_poems</a:t>
-            </a:r>
-            <a:r>
-              <a:rPr lang="en-GB" dirty="0">
-                <a:latin typeface="Andale Mono" panose="020B0509000000000004" pitchFamily="49" charset="0"/>
-              </a:rPr>
-              <a:t>/poem12.txt</a:t>
-            </a:r>
-          </a:p>
-          <a:p>
-            <a:pPr marL="0" indent="0">
-              <a:buNone/>
-            </a:pPr>
-            <a:endParaRPr lang="en-GB" dirty="0">
-              <a:latin typeface="Andale Mono" panose="020B0509000000000004" pitchFamily="49" charset="0"/>
-            </a:endParaRPr>
-          </a:p>
-          <a:p>
-            <a:r>
-              <a:rPr lang="en-GB" dirty="0"/>
-              <a:t>You’ve now copied poem1.txt to poem12.txt</a:t>
-            </a:r>
-          </a:p>
-          <a:p>
-            <a:pPr marL="0" indent="0">
-              <a:buNone/>
-            </a:pPr>
-            <a:endParaRPr lang="en-GB" dirty="0">
-              <a:latin typeface="Andale Mono" panose="020B0509000000000004" pitchFamily="49" charset="0"/>
-            </a:endParaRPr>
+                <a:latin typeface="Andale Mono" panose="020B0509000000000004" pitchFamily="49" charset="0"/>
+              </a:rPr>
+              <a:t>  </a:t>
+            </a:r>
           </a:p>
         </p:txBody>
       </p:sp>
@@ -12189,7 +12359,7 @@
     </p:spTree>
     <p:extLst>
       <p:ext uri="{BB962C8B-B14F-4D97-AF65-F5344CB8AC3E}">
-        <p14:creationId xmlns:p14="http://schemas.microsoft.com/office/powerpoint/2010/main" val="3471376847"/>
+        <p14:creationId xmlns:p14="http://schemas.microsoft.com/office/powerpoint/2010/main" val="3124205017"/>
       </p:ext>
     </p:extLst>
   </p:cSld>
@@ -12199,6 +12369,13 @@
   <p:transition>
     <p:fade/>
   </p:transition>
+  <p:timing>
+    <p:tnLst>
+      <p:par>
+        <p:cTn id="1" dur="indefinite" restart="never" nodeType="tmRoot"/>
+      </p:par>
+    </p:tnLst>
+  </p:timing>
 </p:sld>
 </file>
 
@@ -12236,7 +12413,7 @@
           <a:p>
             <a:r>
               <a:rPr lang="en-GB" dirty="0"/>
-              <a:t>More Tips and tricks</a:t>
+              <a:t>Other ways to get help</a:t>
             </a:r>
           </a:p>
         </p:txBody>
@@ -12263,28 +12440,7 @@
           <a:p>
             <a:r>
               <a:rPr lang="en-GB" dirty="0"/>
-              <a:t>Another aid to speedy bashing is to copy and paste to the command line.</a:t>
-            </a:r>
-          </a:p>
-          <a:p>
-            <a:r>
-              <a:rPr lang="en-GB" dirty="0"/>
-              <a:t>To save using the mouse you can press ‘shift + insert’ keys together</a:t>
-            </a:r>
-          </a:p>
-          <a:p>
-            <a:endParaRPr lang="en-GB" dirty="0"/>
-          </a:p>
-          <a:p>
-            <a:r>
-              <a:rPr lang="en-GB" dirty="0"/>
-              <a:t>Bash features an auto-complete: start typing the name or path for a file then press the ‘Tab’ key. If only one possibility exists then bash will complete it in the command line. If many possibilities exists bash will show you the various options.</a:t>
-            </a:r>
-          </a:p>
-          <a:p>
-            <a:r>
-              <a:rPr lang="en-GB" dirty="0"/>
-              <a:t>Try this: ‘</a:t>
+              <a:t>As well as the ‘</a:t>
             </a:r>
             <a:r>
               <a:rPr lang="en-GB" dirty="0">
@@ -12292,7 +12448,67 @@
                   <a:srgbClr val="FF0000"/>
                 </a:solidFill>
               </a:rPr>
-              <a:t>ls /v(tab) w(tab) h(tab)</a:t>
+              <a:t>man</a:t>
+            </a:r>
+            <a:r>
+              <a:rPr lang="en-GB" dirty="0"/>
+              <a:t>’ command, nearly all Unix commands provide embedded help on their usage.</a:t>
+            </a:r>
+          </a:p>
+          <a:p>
+            <a:r>
+              <a:rPr lang="en-GB" dirty="0"/>
+              <a:t>Depending on the command, switches in the form ‘</a:t>
+            </a:r>
+            <a:r>
+              <a:rPr lang="en-GB" dirty="0">
+                <a:solidFill>
+                  <a:srgbClr val="FF0000"/>
+                </a:solidFill>
+              </a:rPr>
+              <a:t>–h</a:t>
+            </a:r>
+            <a:r>
+              <a:rPr lang="en-GB" dirty="0"/>
+              <a:t>’, </a:t>
+            </a:r>
+            <a:r>
+              <a:rPr lang="en-GB" dirty="0">
+                <a:solidFill>
+                  <a:srgbClr val="FF0000"/>
+                </a:solidFill>
+              </a:rPr>
+              <a:t>‘--help</a:t>
+            </a:r>
+            <a:r>
+              <a:rPr lang="en-GB" dirty="0"/>
+              <a:t>’ and ‘</a:t>
+            </a:r>
+            <a:r>
+              <a:rPr lang="en-GB" dirty="0">
+                <a:solidFill>
+                  <a:srgbClr val="FF0000"/>
+                </a:solidFill>
+              </a:rPr>
+              <a:t>-?</a:t>
+            </a:r>
+            <a:r>
+              <a:rPr lang="en-GB" dirty="0"/>
+              <a:t>’ can be appended to the command to show the commands’ usage.</a:t>
+            </a:r>
+          </a:p>
+          <a:p>
+            <a:r>
+              <a:rPr lang="en-GB" dirty="0"/>
+              <a:t>For example the help option for the ls command used earlier can be invoked by simply using ‘</a:t>
+            </a:r>
+            <a:r>
+              <a:rPr lang="en-GB" dirty="0">
+                <a:solidFill>
+                  <a:srgbClr val="FF0000"/>
+                </a:solidFill>
+              </a:rPr>
+              <a:t>ls –help</a:t>
             </a:r>
             <a:r>
               <a:rPr lang="en-GB" dirty="0"/>
@@ -12302,7 +12518,7 @@
           <a:p>
             <a:r>
               <a:rPr lang="en-GB" dirty="0"/>
-              <a:t>You should now have a line that looks like this: ‘</a:t>
+              <a:t>The ‘</a:t>
             </a:r>
             <a:r>
               <a:rPr lang="en-GB" dirty="0">
@@ -12310,15 +12526,29 @@
                   <a:srgbClr val="FF0000"/>
                 </a:solidFill>
               </a:rPr>
-              <a:t>ls /</a:t>
-            </a:r>
-            <a:r>
-              <a:rPr lang="en-GB" dirty="0" err="1">
+              <a:t>more</a:t>
+            </a:r>
+            <a:r>
+              <a:rPr lang="en-GB" dirty="0"/>
+              <a:t>’ command help can be invoked by typing ‘</a:t>
+            </a:r>
+            <a:r>
+              <a:rPr lang="en-GB" dirty="0">
                 <a:solidFill>
                   <a:srgbClr val="FF0000"/>
                 </a:solidFill>
               </a:rPr>
-              <a:t>var</a:t>
+              <a:t>more -?</a:t>
+            </a:r>
+            <a:r>
+              <a:rPr lang="en-GB" dirty="0"/>
+              <a:t>’</a:t>
+            </a:r>
+          </a:p>
+          <a:p>
+            <a:r>
+              <a:rPr lang="en-GB" dirty="0"/>
+              <a:t>The ‘</a:t>
             </a:r>
             <a:r>
               <a:rPr lang="en-GB" dirty="0">
@@ -12326,20 +12556,75 @@
                   <a:srgbClr val="FF0000"/>
                 </a:solidFill>
               </a:rPr>
-              <a:t>/www/html/</a:t>
+              <a:t>man</a:t>
+            </a:r>
+            <a:r>
+              <a:rPr lang="en-GB" dirty="0"/>
+              <a:t>’ command usage can be invoked by typing ‘</a:t>
+            </a:r>
+            <a:r>
+              <a:rPr lang="en-GB" dirty="0">
+                <a:solidFill>
+                  <a:srgbClr val="FF0000"/>
+                </a:solidFill>
+              </a:rPr>
+              <a:t>man –h</a:t>
             </a:r>
             <a:r>
               <a:rPr lang="en-GB" dirty="0"/>
               <a:t>’</a:t>
+            </a:r>
+          </a:p>
+          <a:p>
+            <a:r>
+              <a:rPr lang="en-GB" dirty="0"/>
+              <a:t>Invocation of help is not standardised, but one or other of the above will nearly always work.</a:t>
+            </a:r>
+          </a:p>
+          <a:p>
+            <a:r>
+              <a:rPr lang="en-GB" dirty="0"/>
+              <a:t>If all else fails, just use the ‘</a:t>
+            </a:r>
+            <a:r>
+              <a:rPr lang="en-GB" dirty="0">
+                <a:solidFill>
+                  <a:srgbClr val="FF0000"/>
+                </a:solidFill>
+              </a:rPr>
+              <a:t>man</a:t>
+            </a:r>
+            <a:r>
+              <a:rPr lang="en-GB" dirty="0"/>
+              <a:t>’ command!</a:t>
             </a:r>
           </a:p>
           <a:p>
             <a:pPr marL="0" indent="0">
               <a:buNone/>
             </a:pPr>
-            <a:endParaRPr lang="en-GB" dirty="0">
+            <a:endParaRPr lang="en-US" sz="1600" dirty="0">
               <a:latin typeface="Andale Mono" panose="020B0509000000000004" pitchFamily="49" charset="0"/>
             </a:endParaRPr>
+          </a:p>
+          <a:p>
+            <a:pPr marL="0" indent="0">
+              <a:buNone/>
+            </a:pPr>
+            <a:endParaRPr lang="en-US" dirty="0">
+              <a:latin typeface="Andale Mono" panose="020B0509000000000004" pitchFamily="49" charset="0"/>
+            </a:endParaRPr>
+          </a:p>
+          <a:p>
+            <a:pPr marL="0" indent="0">
+              <a:buNone/>
+            </a:pPr>
+            <a:r>
+              <a:rPr lang="en-GB" dirty="0">
+                <a:latin typeface="Andale Mono" panose="020B0509000000000004" pitchFamily="49" charset="0"/>
+              </a:rPr>
+              <a:t>  </a:t>
+            </a:r>
           </a:p>
         </p:txBody>
       </p:sp>
@@ -12370,7 +12655,7 @@
     </p:spTree>
     <p:extLst>
       <p:ext uri="{BB962C8B-B14F-4D97-AF65-F5344CB8AC3E}">
-        <p14:creationId xmlns:p14="http://schemas.microsoft.com/office/powerpoint/2010/main" val="2307201295"/>
+        <p14:creationId xmlns:p14="http://schemas.microsoft.com/office/powerpoint/2010/main" val="1301737454"/>
       </p:ext>
     </p:extLst>
   </p:cSld>
@@ -12380,6 +12665,13 @@
   <p:transition>
     <p:fade/>
   </p:transition>
+  <p:timing>
+    <p:tnLst>
+      <p:par>
+        <p:cTn id="1" dur="indefinite" restart="never" nodeType="tmRoot"/>
+      </p:par>
+    </p:tnLst>
+  </p:timing>
 </p:sld>
 </file>
 
@@ -12417,7 +12709,7 @@
           <a:p>
             <a:r>
               <a:rPr lang="en-GB" dirty="0"/>
-              <a:t>Tips and tricks: Aliasing</a:t>
+              <a:t>Tips and tricks</a:t>
             </a:r>
           </a:p>
         </p:txBody>
@@ -12444,13 +12736,21 @@
           <a:p>
             <a:r>
               <a:rPr lang="en-GB" dirty="0"/>
-              <a:t>If you use a command with a switch many times it can get a bit tedious. </a:t>
-            </a:r>
-          </a:p>
-          <a:p>
-            <a:r>
-              <a:rPr lang="en-GB" dirty="0"/>
-              <a:t>The ‘</a:t>
+              <a:t>Bash maintains a history of everything you typed, in a hidden file called .</a:t>
+            </a:r>
+            <a:r>
+              <a:rPr lang="en-GB" dirty="0" err="1"/>
+              <a:t>bash_history</a:t>
+            </a:r>
+            <a:r>
+              <a:rPr lang="en-GB" dirty="0"/>
+              <a:t> in your home directory.</a:t>
+            </a:r>
+          </a:p>
+          <a:p>
+            <a:r>
+              <a:rPr lang="en-GB" dirty="0"/>
+              <a:t>You can see this file if you type ‘</a:t>
             </a:r>
             <a:r>
               <a:rPr lang="en-GB" dirty="0">
@@ -12458,23 +12758,15 @@
                   <a:srgbClr val="FF0000"/>
                 </a:solidFill>
               </a:rPr>
-              <a:t>ls –l</a:t>
-            </a:r>
-            <a:r>
-              <a:rPr lang="en-GB" dirty="0"/>
-              <a:t>’ is often used many times.</a:t>
-            </a:r>
-          </a:p>
-          <a:p>
-            <a:r>
-              <a:rPr lang="en-GB" dirty="0"/>
-              <a:t>The bash shell allows you to ‘alias’ this command.</a:t>
-            </a:r>
-          </a:p>
-          <a:p>
-            <a:r>
-              <a:rPr lang="en-GB" dirty="0"/>
-              <a:t>To see how it works type:  </a:t>
+              <a:t>ls -a .</a:t>
+            </a:r>
+            <a:r>
+              <a:rPr lang="en-GB" dirty="0" err="1">
+                <a:solidFill>
+                  <a:srgbClr val="FF0000"/>
+                </a:solidFill>
+              </a:rPr>
+              <a:t>ba</a:t>
             </a:r>
             <a:r>
               <a:rPr lang="en-GB" dirty="0">
@@ -12482,61 +12774,29 @@
                   <a:srgbClr val="FF0000"/>
                 </a:solidFill>
               </a:rPr>
-              <a:t>alias </a:t>
-            </a:r>
-            <a:r>
-              <a:rPr lang="en-GB" dirty="0" err="1">
-                <a:solidFill>
-                  <a:srgbClr val="FF0000"/>
-                </a:solidFill>
-              </a:rPr>
-              <a:t>ll</a:t>
-            </a:r>
-            <a:r>
-              <a:rPr lang="en-GB" dirty="0">
-                <a:solidFill>
-                  <a:srgbClr val="FF0000"/>
-                </a:solidFill>
-              </a:rPr>
-              <a:t>=‘ls –l’ </a:t>
-            </a:r>
-          </a:p>
-          <a:p>
-            <a:r>
-              <a:rPr lang="en-GB" dirty="0"/>
-              <a:t>Now if you type ‘</a:t>
-            </a:r>
-            <a:r>
-              <a:rPr lang="en-GB" dirty="0">
-                <a:solidFill>
-                  <a:srgbClr val="FF0000"/>
-                </a:solidFill>
-              </a:rPr>
-              <a:t>ll</a:t>
-            </a:r>
-            <a:r>
-              <a:rPr lang="en-GB" dirty="0"/>
-              <a:t>’, this </a:t>
-            </a:r>
-            <a:r>
-              <a:rPr lang="en-GB" dirty="0" err="1"/>
-              <a:t>wil</a:t>
-            </a:r>
-            <a:r>
-              <a:rPr lang="en-GB" dirty="0"/>
-              <a:t> execute ‘</a:t>
-            </a:r>
-            <a:r>
-              <a:rPr lang="en-GB" dirty="0">
-                <a:solidFill>
-                  <a:srgbClr val="FF0000"/>
-                </a:solidFill>
-              </a:rPr>
-              <a:t>ls-l</a:t>
-            </a:r>
-            <a:r>
-              <a:rPr lang="en-GB" dirty="0"/>
-              <a:t>’ and you will run the long form of the list command.</a:t>
+              <a:t>*</a:t>
+            </a:r>
+            <a:r>
+              <a:rPr lang="en-GB" dirty="0"/>
+              <a:t>’</a:t>
+            </a:r>
+          </a:p>
+          <a:p>
+            <a:r>
+              <a:rPr lang="en-GB" dirty="0"/>
+              <a:t>The dot in front of the filename represents a hidden file.</a:t>
+            </a:r>
+          </a:p>
+          <a:p>
+            <a:r>
+              <a:rPr lang="en-GB" dirty="0"/>
+              <a:t>Pressing the “up” arrow toggles through the previous command(s).</a:t>
+            </a:r>
+          </a:p>
+          <a:p>
+            <a:r>
+              <a:rPr lang="en-GB" dirty="0"/>
+              <a:t>This can be very useful if you want to list a file to see if it is there and then act upon it.</a:t>
             </a:r>
           </a:p>
           <a:p>
@@ -12576,7 +12836,7 @@
     </p:spTree>
     <p:extLst>
       <p:ext uri="{BB962C8B-B14F-4D97-AF65-F5344CB8AC3E}">
-        <p14:creationId xmlns:p14="http://schemas.microsoft.com/office/powerpoint/2010/main" val="2799331780"/>
+        <p14:creationId xmlns:p14="http://schemas.microsoft.com/office/powerpoint/2010/main" val="536543245"/>
       </p:ext>
     </p:extLst>
   </p:cSld>
@@ -12586,6 +12846,13 @@
   <p:transition>
     <p:fade/>
   </p:transition>
+  <p:timing>
+    <p:tnLst>
+      <p:par>
+        <p:cTn id="1" dur="indefinite" restart="never" nodeType="tmRoot"/>
+      </p:par>
+    </p:tnLst>
+  </p:timing>
 </p:sld>
 </file>
 
@@ -12623,7 +12890,7 @@
           <a:p>
             <a:r>
               <a:rPr lang="en-GB" dirty="0"/>
-              <a:t>The end!</a:t>
+              <a:t>Tips and tricks: Aliasing</a:t>
             </a:r>
           </a:p>
         </p:txBody>
@@ -12650,42 +12917,100 @@
           <a:p>
             <a:r>
               <a:rPr lang="en-GB" dirty="0"/>
-              <a:t>Happy Bashing! </a:t>
+              <a:t>If you use a command with a switch many times it can get a bit tedious. </a:t>
+            </a:r>
+          </a:p>
+          <a:p>
+            <a:r>
+              <a:rPr lang="en-GB" dirty="0"/>
+              <a:t>The ‘</a:t>
             </a:r>
             <a:r>
               <a:rPr lang="en-GB" dirty="0">
-                <a:sym typeface="Wingdings" pitchFamily="2" charset="2"/>
-              </a:rPr>
-              <a:t></a:t>
-            </a:r>
-          </a:p>
-          <a:p>
-            <a:endParaRPr lang="en-GB" dirty="0">
-              <a:sym typeface="Wingdings" pitchFamily="2" charset="2"/>
-            </a:endParaRPr>
-          </a:p>
-          <a:p>
+                <a:solidFill>
+                  <a:srgbClr val="FF0000"/>
+                </a:solidFill>
+              </a:rPr>
+              <a:t>ls –l</a:t>
+            </a:r>
+            <a:r>
+              <a:rPr lang="en-GB" dirty="0"/>
+              <a:t>’ is often used many times.</a:t>
+            </a:r>
+          </a:p>
+          <a:p>
+            <a:r>
+              <a:rPr lang="en-GB" dirty="0"/>
+              <a:t>The bash shell allows you to ‘alias’ this command.</a:t>
+            </a:r>
+          </a:p>
+          <a:p>
+            <a:r>
+              <a:rPr lang="en-GB" dirty="0"/>
+              <a:t>To see how it works type:  </a:t>
+            </a:r>
             <a:r>
               <a:rPr lang="en-GB" dirty="0">
-                <a:sym typeface="Wingdings" pitchFamily="2" charset="2"/>
-              </a:rPr>
-              <a:t>Please give us your feedback by following this link below:</a:t>
-            </a:r>
-          </a:p>
-          <a:p>
-            <a:pPr marL="360000" lvl="1" indent="0">
-              <a:buNone/>
-            </a:pPr>
-            <a:r>
-              <a:rPr lang="en-US" dirty="0">
-                <a:hlinkClick r:id="rId2" tooltip="https://forms.office.com/Pages/ResponsePage.aspx?id=xDv6T_zswEiQgPXkP_kOX7ArvOm3cbpHnixhCNWKRS9URTAwUlRRNFZCUE4yVlJXNVZHRENQR1JTMC4u"/>
-              </a:rPr>
-              <a:t>https://forms.office.com/Pages/ResponsePage.aspx?id=xDv6T_zswEiQgPXkP_kOX7ArvOm3cbpHnixhCNWKRS9URTAwUlRRNFZCUE4yVlJXNVZHRENQR1JTMC4u</a:t>
-            </a:r>
-            <a:endParaRPr lang="en-US" dirty="0"/>
-          </a:p>
-          <a:p>
-            <a:endParaRPr lang="en-GB" dirty="0"/>
+                <a:solidFill>
+                  <a:srgbClr val="FF0000"/>
+                </a:solidFill>
+              </a:rPr>
+              <a:t>alias </a:t>
+            </a:r>
+            <a:r>
+              <a:rPr lang="en-GB" dirty="0" err="1">
+                <a:solidFill>
+                  <a:srgbClr val="FF0000"/>
+                </a:solidFill>
+              </a:rPr>
+              <a:t>ll</a:t>
+            </a:r>
+            <a:r>
+              <a:rPr lang="en-GB" dirty="0">
+                <a:solidFill>
+                  <a:srgbClr val="FF0000"/>
+                </a:solidFill>
+              </a:rPr>
+              <a:t>=‘ls –l’ </a:t>
+            </a:r>
+          </a:p>
+          <a:p>
+            <a:r>
+              <a:rPr lang="en-GB" dirty="0"/>
+              <a:t>Now if you type ‘</a:t>
+            </a:r>
+            <a:r>
+              <a:rPr lang="en-GB" dirty="0">
+                <a:solidFill>
+                  <a:srgbClr val="FF0000"/>
+                </a:solidFill>
+              </a:rPr>
+              <a:t>ll</a:t>
+            </a:r>
+            <a:r>
+              <a:rPr lang="en-GB" dirty="0"/>
+              <a:t>’, this </a:t>
+            </a:r>
+            <a:r>
+              <a:rPr lang="en-GB" dirty="0" err="1"/>
+              <a:t>wil</a:t>
+            </a:r>
+            <a:r>
+              <a:rPr lang="en-GB" dirty="0"/>
+              <a:t> execute ‘</a:t>
+            </a:r>
+            <a:r>
+              <a:rPr lang="en-GB" dirty="0">
+                <a:solidFill>
+                  <a:srgbClr val="FF0000"/>
+                </a:solidFill>
+              </a:rPr>
+              <a:t>ls-l</a:t>
+            </a:r>
+            <a:r>
+              <a:rPr lang="en-GB" dirty="0"/>
+              <a:t>’ and you will run the long form of the list command.</a:t>
+            </a:r>
           </a:p>
           <a:p>
             <a:pPr marL="0" indent="0">
@@ -12716,6 +13041,161 @@
               <a:rPr lang="en-GB" altLang="en-US" smtClean="0"/>
               <a:pPr/>
               <a:t>25</a:t>
+            </a:fld>
+            <a:endParaRPr lang="en-GB" altLang="en-US"/>
+          </a:p>
+        </p:txBody>
+      </p:sp>
+    </p:spTree>
+    <p:extLst>
+      <p:ext uri="{BB962C8B-B14F-4D97-AF65-F5344CB8AC3E}">
+        <p14:creationId xmlns:p14="http://schemas.microsoft.com/office/powerpoint/2010/main" val="2799331780"/>
+      </p:ext>
+    </p:extLst>
+  </p:cSld>
+  <p:clrMapOvr>
+    <a:masterClrMapping/>
+  </p:clrMapOvr>
+  <p:transition>
+    <p:fade/>
+  </p:transition>
+  <p:timing>
+    <p:tnLst>
+      <p:par>
+        <p:cTn id="1" dur="indefinite" restart="never" nodeType="tmRoot"/>
+      </p:par>
+    </p:tnLst>
+  </p:timing>
+</p:sld>
+</file>
+
+<file path=ppt/slides/slide26.xml><?xml version="1.0" encoding="utf-8"?>
+<p:sld xmlns:a="http://schemas.openxmlformats.org/drawingml/2006/main" xmlns:r="http://schemas.openxmlformats.org/officeDocument/2006/relationships" xmlns:p="http://schemas.openxmlformats.org/presentationml/2006/main">
+  <p:cSld>
+    <p:spTree>
+      <p:nvGrpSpPr>
+        <p:cNvPr id="1" name=""/>
+        <p:cNvGrpSpPr/>
+        <p:nvPr/>
+      </p:nvGrpSpPr>
+      <p:grpSpPr>
+        <a:xfrm>
+          <a:off x="0" y="0"/>
+          <a:ext cx="0" cy="0"/>
+          <a:chOff x="0" y="0"/>
+          <a:chExt cx="0" cy="0"/>
+        </a:xfrm>
+      </p:grpSpPr>
+      <p:sp>
+        <p:nvSpPr>
+          <p:cNvPr id="2" name="Title 1"/>
+          <p:cNvSpPr>
+            <a:spLocks noGrp="1"/>
+          </p:cNvSpPr>
+          <p:nvPr>
+            <p:ph type="title"/>
+          </p:nvPr>
+        </p:nvSpPr>
+        <p:spPr/>
+        <p:txBody>
+          <a:bodyPr/>
+          <a:lstStyle/>
+          <a:p>
+            <a:r>
+              <a:rPr lang="en-GB" dirty="0"/>
+              <a:t>The end!</a:t>
+            </a:r>
+          </a:p>
+        </p:txBody>
+      </p:sp>
+      <p:sp>
+        <p:nvSpPr>
+          <p:cNvPr id="3" name="Content Placeholder 2"/>
+          <p:cNvSpPr>
+            <a:spLocks noGrp="1"/>
+          </p:cNvSpPr>
+          <p:nvPr>
+            <p:ph idx="1"/>
+          </p:nvPr>
+        </p:nvSpPr>
+        <p:spPr>
+          <a:xfrm>
+            <a:off x="424800" y="2214000"/>
+            <a:ext cx="8280000" cy="3960000"/>
+          </a:xfrm>
+        </p:spPr>
+        <p:txBody>
+          <a:bodyPr/>
+          <a:lstStyle/>
+          <a:p>
+            <a:r>
+              <a:rPr lang="en-GB" dirty="0"/>
+              <a:t>Happy Bashing! </a:t>
+            </a:r>
+            <a:r>
+              <a:rPr lang="en-GB" dirty="0">
+                <a:sym typeface="Wingdings" pitchFamily="2" charset="2"/>
+              </a:rPr>
+              <a:t></a:t>
+            </a:r>
+          </a:p>
+          <a:p>
+            <a:endParaRPr lang="en-GB" dirty="0">
+              <a:sym typeface="Wingdings" pitchFamily="2" charset="2"/>
+            </a:endParaRPr>
+          </a:p>
+          <a:p>
+            <a:r>
+              <a:rPr lang="en-GB" dirty="0">
+                <a:sym typeface="Wingdings" pitchFamily="2" charset="2"/>
+              </a:rPr>
+              <a:t>Please give us your feedback by following this link below:</a:t>
+            </a:r>
+          </a:p>
+          <a:p>
+            <a:pPr marL="360000" lvl="1" indent="0">
+              <a:buNone/>
+            </a:pPr>
+            <a:r>
+              <a:rPr lang="en-US" dirty="0">
+                <a:hlinkClick r:id="rId2" tooltip="https://forms.office.com/Pages/ResponsePage.aspx?id=xDv6T_zswEiQgPXkP_kOX7ArvOm3cbpHnixhCNWKRS9URTAwUlRRNFZCUE4yVlJXNVZHRENQR1JTMC4u"/>
+              </a:rPr>
+              <a:t>https://forms.office.com/Pages/ResponsePage.aspx?id=xDv6T_zswEiQgPXkP_kOX7ArvOm3cbpHnixhCNWKRS9URTAwUlRRNFZCUE4yVlJXNVZHRENQR1JTMC4u</a:t>
+            </a:r>
+            <a:endParaRPr lang="en-US" dirty="0"/>
+          </a:p>
+          <a:p>
+            <a:endParaRPr lang="en-GB" dirty="0"/>
+          </a:p>
+          <a:p>
+            <a:pPr marL="0" indent="0">
+              <a:buNone/>
+            </a:pPr>
+            <a:endParaRPr lang="en-GB" dirty="0">
+              <a:latin typeface="Andale Mono" panose="020B0509000000000004" pitchFamily="49" charset="0"/>
+            </a:endParaRPr>
+          </a:p>
+        </p:txBody>
+      </p:sp>
+      <p:sp>
+        <p:nvSpPr>
+          <p:cNvPr id="4" name="Slide Number Placeholder 3"/>
+          <p:cNvSpPr>
+            <a:spLocks noGrp="1"/>
+          </p:cNvSpPr>
+          <p:nvPr>
+            <p:ph type="sldNum" sz="quarter" idx="10"/>
+          </p:nvPr>
+        </p:nvSpPr>
+        <p:spPr/>
+        <p:txBody>
+          <a:bodyPr/>
+          <a:lstStyle/>
+          <a:p>
+            <a:fld id="{DCF6A46F-80AB-49F3-8C7E-9717ED945456}" type="slidenum">
+              <a:rPr lang="en-GB" altLang="en-US" smtClean="0"/>
+              <a:pPr/>
+              <a:t>26</a:t>
             </a:fld>
             <a:endParaRPr lang="en-GB" altLang="en-US"/>
           </a:p>
@@ -12734,6 +13214,13 @@
   <p:transition>
     <p:fade/>
   </p:transition>
+  <p:timing>
+    <p:tnLst>
+      <p:par>
+        <p:cTn id="1" dur="indefinite" restart="never" nodeType="tmRoot"/>
+      </p:par>
+    </p:tnLst>
+  </p:timing>
 </p:sld>
 </file>
 
@@ -12764,7 +13251,12 @@
             <p:ph type="title"/>
           </p:nvPr>
         </p:nvSpPr>
-        <p:spPr/>
+        <p:spPr>
+          <a:xfrm>
+            <a:off x="440677" y="1124744"/>
+            <a:ext cx="8280000" cy="828000"/>
+          </a:xfrm>
+        </p:spPr>
         <p:txBody>
           <a:bodyPr/>
           <a:lstStyle/>
@@ -12786,7 +13278,12 @@
             <p:ph idx="1"/>
           </p:nvPr>
         </p:nvSpPr>
-        <p:spPr/>
+        <p:spPr>
+          <a:xfrm>
+            <a:off x="424800" y="2132856"/>
+            <a:ext cx="8280000" cy="4041144"/>
+          </a:xfrm>
+        </p:spPr>
         <p:txBody>
           <a:bodyPr/>
           <a:lstStyle/>
@@ -12869,23 +13366,7 @@
             </a:pPr>
             <a:r>
               <a:rPr lang="en-GB" sz="1600" dirty="0"/>
-              <a:t>Creating a directory using the </a:t>
-            </a:r>
-            <a:r>
-              <a:rPr lang="en-GB" sz="1600" b="1" i="1" dirty="0" err="1">
-                <a:solidFill>
-                  <a:srgbClr val="FF0000"/>
-                </a:solidFill>
-              </a:rPr>
-              <a:t>mkdir</a:t>
-            </a:r>
-            <a:r>
-              <a:rPr lang="en-GB" sz="1600" b="1" i="1" dirty="0"/>
-              <a:t> </a:t>
-            </a:r>
-            <a:r>
-              <a:rPr lang="en-GB" sz="1600" dirty="0"/>
-              <a:t>command</a:t>
+              <a:t>Tips and tricks</a:t>
             </a:r>
           </a:p>
           <a:p>
@@ -12894,31 +13375,23 @@
               <a:buChar char="•"/>
             </a:pPr>
             <a:r>
+              <a:rPr lang="en-GB" sz="1600" dirty="0" smtClean="0"/>
+              <a:t>Creating </a:t>
+            </a:r>
+            <a:r>
               <a:rPr lang="en-GB" sz="1600" dirty="0"/>
-              <a:t>Navigating the directory tree using</a:t>
-            </a:r>
-            <a:r>
-              <a:rPr lang="en-GB" sz="1600" i="1" dirty="0"/>
-              <a:t> </a:t>
-            </a:r>
-            <a:r>
-              <a:rPr lang="en-GB" sz="1600" dirty="0"/>
-              <a:t>the</a:t>
-            </a:r>
-            <a:r>
-              <a:rPr lang="en-GB" sz="1600" i="1" dirty="0"/>
-              <a:t> </a:t>
-            </a:r>
-            <a:r>
-              <a:rPr lang="en-GB" sz="1600" b="1" i="1" dirty="0">
+              <a:t>a directory using the </a:t>
+            </a:r>
+            <a:r>
+              <a:rPr lang="en-GB" sz="1600" b="1" i="1" dirty="0" err="1">
                 <a:solidFill>
                   <a:srgbClr val="FF0000"/>
                 </a:solidFill>
               </a:rPr>
-              <a:t>cd</a:t>
-            </a:r>
-            <a:r>
-              <a:rPr lang="en-GB" sz="1600" b="1" dirty="0"/>
+              <a:t>mkdir</a:t>
+            </a:r>
+            <a:r>
+              <a:rPr lang="en-GB" sz="1600" b="1" i="1" dirty="0"/>
               <a:t> </a:t>
             </a:r>
             <a:r>
@@ -12933,7 +13406,19 @@
             </a:pPr>
             <a:r>
               <a:rPr lang="en-GB" sz="1600" dirty="0"/>
-              <a:t>The </a:t>
+              <a:t>Navigating the directory tree using</a:t>
+            </a:r>
+            <a:r>
+              <a:rPr lang="en-GB" sz="1600" i="1" dirty="0"/>
+              <a:t> </a:t>
+            </a:r>
+            <a:r>
+              <a:rPr lang="en-GB" sz="1600" dirty="0"/>
+              <a:t>the</a:t>
+            </a:r>
+            <a:r>
+              <a:rPr lang="en-GB" sz="1600" i="1" dirty="0"/>
+              <a:t> </a:t>
             </a:r>
             <a:r>
               <a:rPr lang="en-GB" sz="1600" b="1" i="1" dirty="0">
@@ -12941,7 +13426,11 @@
                   <a:srgbClr val="FF0000"/>
                 </a:solidFill>
               </a:rPr>
-              <a:t>echo </a:t>
+              <a:t>cd</a:t>
+            </a:r>
+            <a:r>
+              <a:rPr lang="en-GB" sz="1600" b="1" dirty="0"/>
+              <a:t> </a:t>
             </a:r>
             <a:r>
               <a:rPr lang="en-GB" sz="1600" dirty="0"/>
@@ -12955,11 +13444,7 @@
             </a:pPr>
             <a:r>
               <a:rPr lang="en-GB" sz="1600" dirty="0"/>
-              <a:t>Creating files using </a:t>
-            </a:r>
-            <a:r>
-              <a:rPr lang="en-GB" sz="1600" b="1" i="1" dirty="0"/>
-              <a:t> </a:t>
+              <a:t>The </a:t>
             </a:r>
             <a:r>
               <a:rPr lang="en-GB" sz="1600" b="1" i="1" dirty="0">
@@ -12967,27 +13452,11 @@
                   <a:srgbClr val="FF0000"/>
                 </a:solidFill>
               </a:rPr>
-              <a:t>&gt;</a:t>
+              <a:t>echo </a:t>
             </a:r>
             <a:r>
               <a:rPr lang="en-GB" sz="1600" dirty="0"/>
-              <a:t> and </a:t>
-            </a:r>
-            <a:r>
-              <a:rPr lang="en-GB" sz="1600" b="1" i="1" dirty="0">
-                <a:solidFill>
-                  <a:srgbClr val="FF0000"/>
-                </a:solidFill>
-              </a:rPr>
-              <a:t>&gt;&gt;</a:t>
-            </a:r>
-            <a:r>
-              <a:rPr lang="en-GB" sz="1600" b="1" i="1" dirty="0"/>
-              <a:t> </a:t>
-            </a:r>
-            <a:r>
-              <a:rPr lang="en-GB" sz="1600" dirty="0"/>
-              <a:t>operators</a:t>
+              <a:t>command</a:t>
             </a:r>
           </a:p>
           <a:p>
@@ -12997,7 +13466,11 @@
             </a:pPr>
             <a:r>
               <a:rPr lang="en-GB" sz="1600" dirty="0"/>
-              <a:t>Removing a file using </a:t>
+              <a:t>Creating files using </a:t>
+            </a:r>
+            <a:r>
+              <a:rPr lang="en-GB" sz="1600" b="1" i="1" dirty="0"/>
+              <a:t> </a:t>
             </a:r>
             <a:r>
               <a:rPr lang="en-GB" sz="1600" b="1" i="1" dirty="0">
@@ -13005,9 +13478,28 @@
                   <a:srgbClr val="FF0000"/>
                 </a:solidFill>
               </a:rPr>
-              <a:t>rm</a:t>
-            </a:r>
-            <a:endParaRPr lang="en-GB" sz="1600" dirty="0"/>
+              <a:t>&gt;</a:t>
+            </a:r>
+            <a:r>
+              <a:rPr lang="en-GB" sz="1600" dirty="0"/>
+              <a:t> and </a:t>
+            </a:r>
+            <a:r>
+              <a:rPr lang="en-GB" sz="1600" b="1" i="1" dirty="0">
+                <a:solidFill>
+                  <a:srgbClr val="FF0000"/>
+                </a:solidFill>
+              </a:rPr>
+              <a:t>&gt;&gt;</a:t>
+            </a:r>
+            <a:r>
+              <a:rPr lang="en-GB" sz="1600" b="1" i="1" dirty="0"/>
+              <a:t> </a:t>
+            </a:r>
+            <a:r>
+              <a:rPr lang="en-GB" sz="1600" dirty="0" smtClean="0"/>
+              <a:t>operators</a:t>
+            </a:r>
           </a:p>
           <a:p>
             <a:pPr marL="342900" indent="-342900">
@@ -13015,37 +13507,22 @@
               <a:buChar char="•"/>
             </a:pPr>
             <a:r>
-              <a:rPr lang="en-GB" sz="1600" dirty="0"/>
-              <a:t>Reading a file using </a:t>
-            </a:r>
-            <a:r>
-              <a:rPr lang="en-GB" sz="1600" b="1" i="1" dirty="0">
+              <a:rPr lang="en-GB" sz="1600" dirty="0" smtClean="0"/>
+              <a:t>Copying a file or directories. The </a:t>
+            </a:r>
+            <a:r>
+              <a:rPr lang="en-GB" sz="1600" dirty="0" err="1" smtClean="0">
                 <a:solidFill>
                   <a:srgbClr val="FF0000"/>
                 </a:solidFill>
               </a:rPr>
-              <a:t>more</a:t>
-            </a:r>
-            <a:r>
-              <a:rPr lang="en-GB" sz="1600" b="1" i="1" dirty="0"/>
-              <a:t> </a:t>
-            </a:r>
-            <a:r>
-              <a:rPr lang="en-GB" sz="1600" dirty="0"/>
-              <a:t>and</a:t>
-            </a:r>
-            <a:r>
-              <a:rPr lang="en-GB" sz="1600" b="1" i="1" dirty="0">
-                <a:solidFill>
-                  <a:srgbClr val="FF0000"/>
-                </a:solidFill>
-              </a:rPr>
-              <a:t> cat </a:t>
-            </a:r>
-            <a:r>
-              <a:rPr lang="en-GB" sz="1600" dirty="0"/>
-              <a:t>commands</a:t>
-            </a:r>
+              <a:t>cp</a:t>
+            </a:r>
+            <a:r>
+              <a:rPr lang="en-GB" sz="1600" dirty="0" smtClean="0"/>
+              <a:t> command</a:t>
+            </a:r>
+            <a:endParaRPr lang="en-GB" sz="1600" dirty="0"/>
           </a:p>
           <a:p>
             <a:pPr marL="342900" indent="-342900">
@@ -13054,24 +13531,17 @@
             </a:pPr>
             <a:r>
               <a:rPr lang="en-GB" sz="1600" dirty="0"/>
-              <a:t>How to get out if it all goes wrong: </a:t>
-            </a:r>
-            <a:r>
-              <a:rPr lang="en-GB" sz="1600" b="1" i="1" dirty="0" err="1">
+              <a:t>Removing a file using </a:t>
+            </a:r>
+            <a:r>
+              <a:rPr lang="en-GB" sz="1600" b="1" i="1" dirty="0">
                 <a:solidFill>
                   <a:srgbClr val="FF0000"/>
                 </a:solidFill>
               </a:rPr>
-              <a:t>ctrl&amp;c</a:t>
-            </a:r>
-            <a:r>
-              <a:rPr lang="en-GB" sz="1600" b="1" i="1" dirty="0">
-                <a:solidFill>
-                  <a:srgbClr val="FF0000"/>
-                </a:solidFill>
-              </a:rPr>
-              <a:t> </a:t>
-            </a:r>
+              <a:t>rm</a:t>
+            </a:r>
+            <a:endParaRPr lang="en-GB" sz="1600" dirty="0"/>
           </a:p>
           <a:p>
             <a:pPr marL="342900" indent="-342900">
@@ -13080,7 +13550,7 @@
             </a:pPr>
             <a:r>
               <a:rPr lang="en-GB" sz="1600" dirty="0"/>
-              <a:t>How to get help using </a:t>
+              <a:t>Reading a file using </a:t>
             </a:r>
             <a:r>
               <a:rPr lang="en-GB" sz="1600" b="1" i="1" dirty="0">
@@ -13088,11 +13558,27 @@
                   <a:srgbClr val="FF0000"/>
                 </a:solidFill>
               </a:rPr>
-              <a:t>man </a:t>
+              <a:t>more</a:t>
+            </a:r>
+            <a:r>
+              <a:rPr lang="en-GB" sz="1600" b="1" i="1" dirty="0"/>
+              <a:t> </a:t>
             </a:r>
             <a:r>
               <a:rPr lang="en-GB" sz="1600" dirty="0"/>
-              <a:t>and switches</a:t>
+              <a:t>and</a:t>
+            </a:r>
+            <a:r>
+              <a:rPr lang="en-GB" sz="1600" b="1" i="1" dirty="0">
+                <a:solidFill>
+                  <a:srgbClr val="FF0000"/>
+                </a:solidFill>
+              </a:rPr>
+              <a:t> cat </a:t>
+            </a:r>
+            <a:r>
+              <a:rPr lang="en-GB" sz="1600" dirty="0"/>
+              <a:t>commands</a:t>
             </a:r>
           </a:p>
           <a:p>
@@ -13102,7 +13588,45 @@
             </a:pPr>
             <a:r>
               <a:rPr lang="en-GB" sz="1600" dirty="0"/>
-              <a:t>Tips and tricks</a:t>
+              <a:t>How to get out if it all goes wrong: </a:t>
+            </a:r>
+            <a:r>
+              <a:rPr lang="en-GB" sz="1600" b="1" i="1" dirty="0" err="1">
+                <a:solidFill>
+                  <a:srgbClr val="FF0000"/>
+                </a:solidFill>
+              </a:rPr>
+              <a:t>ctrl&amp;c</a:t>
+            </a:r>
+            <a:r>
+              <a:rPr lang="en-GB" sz="1600" b="1" i="1" dirty="0">
+                <a:solidFill>
+                  <a:srgbClr val="FF0000"/>
+                </a:solidFill>
+              </a:rPr>
+              <a:t> </a:t>
+            </a:r>
+          </a:p>
+          <a:p>
+            <a:pPr marL="342900" indent="-342900">
+              <a:buFont typeface="Arial" panose="020B0604020202020204" pitchFamily="34" charset="0"/>
+              <a:buChar char="•"/>
+            </a:pPr>
+            <a:r>
+              <a:rPr lang="en-GB" sz="1600" dirty="0"/>
+              <a:t>How to get help using </a:t>
+            </a:r>
+            <a:r>
+              <a:rPr lang="en-GB" sz="1600" b="1" i="1" dirty="0">
+                <a:solidFill>
+                  <a:srgbClr val="FF0000"/>
+                </a:solidFill>
+              </a:rPr>
+              <a:t>man </a:t>
+            </a:r>
+            <a:r>
+              <a:rPr lang="en-GB" sz="1600" dirty="0"/>
+              <a:t>and switches</a:t>
             </a:r>
           </a:p>
           <a:p>
@@ -13150,6 +13674,13 @@
   <p:transition>
     <p:fade/>
   </p:transition>
+  <p:timing>
+    <p:tnLst>
+      <p:par>
+        <p:cTn id="1" dur="indefinite" restart="never" nodeType="tmRoot"/>
+      </p:par>
+    </p:tnLst>
+  </p:timing>
 </p:sld>
 </file>
 
@@ -13327,6 +13858,13 @@
   <p:transition>
     <p:fade/>
   </p:transition>
+  <p:timing>
+    <p:tnLst>
+      <p:par>
+        <p:cTn id="1" dur="indefinite" restart="never" nodeType="tmRoot"/>
+      </p:par>
+    </p:tnLst>
+  </p:timing>
 </p:sld>
 </file>
 
@@ -13533,6 +14071,13 @@
   <p:transition>
     <p:fade/>
   </p:transition>
+  <p:timing>
+    <p:tnLst>
+      <p:par>
+        <p:cTn id="1" dur="indefinite" restart="never" nodeType="tmRoot"/>
+      </p:par>
+    </p:tnLst>
+  </p:timing>
 </p:sld>
 </file>
 
@@ -13757,6 +14302,13 @@
   <p:transition>
     <p:fade/>
   </p:transition>
+  <p:timing>
+    <p:tnLst>
+      <p:par>
+        <p:cTn id="1" dur="indefinite" restart="never" nodeType="tmRoot"/>
+      </p:par>
+    </p:tnLst>
+  </p:timing>
 </p:sld>
 </file>
 
@@ -14301,13 +14853,8 @@
           <a:p>
             <a:r>
               <a:rPr lang="en-GB" dirty="0"/>
-              <a:t>Creating a directory - </a:t>
-            </a:r>
-            <a:r>
-              <a:rPr lang="en-GB" dirty="0" err="1"/>
-              <a:t>mkdir</a:t>
-            </a:r>
-            <a:endParaRPr lang="en-GB" dirty="0"/>
+              <a:t>Tips and tricks</a:t>
+            </a:r>
           </a:p>
         </p:txBody>
       </p:sp>
@@ -14333,35 +14880,6 @@
           <a:p>
             <a:r>
               <a:rPr lang="en-GB" dirty="0"/>
-              <a:t>To create a directory in the current folder simply type                       ‘</a:t>
-            </a:r>
-            <a:r>
-              <a:rPr lang="en-GB" dirty="0" err="1">
-                <a:solidFill>
-                  <a:srgbClr val="FF0000"/>
-                </a:solidFill>
-              </a:rPr>
-              <a:t>mkdir</a:t>
-            </a:r>
-            <a:r>
-              <a:rPr lang="en-GB" dirty="0">
-                <a:solidFill>
-                  <a:srgbClr val="FF0000"/>
-                </a:solidFill>
-              </a:rPr>
-              <a:t> directory-name</a:t>
-            </a:r>
-            <a:r>
-              <a:rPr lang="en-GB" dirty="0"/>
-              <a:t>’</a:t>
-            </a:r>
-          </a:p>
-          <a:p>
-            <a:endParaRPr lang="en-GB" dirty="0"/>
-          </a:p>
-          <a:p>
-            <a:r>
-              <a:rPr lang="en-GB" dirty="0"/>
               <a:t>Example:</a:t>
             </a:r>
           </a:p>
@@ -14373,18 +14891,107 @@
               <a:rPr lang="en-GB" dirty="0">
                 <a:latin typeface="Andale Mono" panose="020B0509000000000004" pitchFamily="49" charset="0"/>
               </a:rPr>
-              <a:t>   [sxs98pmh@racc-login-0-1 ~]$ </a:t>
+              <a:t> [sxs98pmh@racc-login-0-1 ~]$ </a:t>
+            </a:r>
+            <a:r>
+              <a:rPr lang="en-US" dirty="0">
+                <a:latin typeface="Andale Mono" panose="020B0509000000000004" pitchFamily="49" charset="0"/>
+              </a:rPr>
+              <a:t>ls </a:t>
+            </a:r>
+            <a:r>
+              <a:rPr lang="en-US" dirty="0" err="1">
+                <a:latin typeface="Andale Mono" panose="020B0509000000000004" pitchFamily="49" charset="0"/>
+              </a:rPr>
+              <a:t>my_poems</a:t>
+            </a:r>
+            <a:r>
+              <a:rPr lang="en-US" dirty="0">
+                <a:latin typeface="Andale Mono" panose="020B0509000000000004" pitchFamily="49" charset="0"/>
+              </a:rPr>
+              <a:t>/poem1.txt</a:t>
+            </a:r>
+          </a:p>
+          <a:p>
+            <a:pPr marL="0" indent="0">
+              <a:buNone/>
+            </a:pPr>
+            <a:r>
+              <a:rPr lang="en-GB" dirty="0"/>
+              <a:t>   Press ‘Return’ to execute the above command</a:t>
+            </a:r>
+          </a:p>
+          <a:p>
+            <a:pPr marL="0" indent="0">
+              <a:buNone/>
+            </a:pPr>
+            <a:r>
+              <a:rPr lang="en-GB" dirty="0"/>
+              <a:t>   Then the ‘up arrow’ to recall the command again</a:t>
+            </a:r>
+          </a:p>
+          <a:p>
+            <a:pPr marL="0" indent="0">
+              <a:buNone/>
+            </a:pPr>
+            <a:r>
+              <a:rPr lang="en-GB" dirty="0"/>
+              <a:t>   Then the ‘home’ key</a:t>
+            </a:r>
+          </a:p>
+          <a:p>
+            <a:pPr marL="0" indent="0">
+              <a:buNone/>
+            </a:pPr>
+            <a:r>
+              <a:rPr lang="en-GB" dirty="0"/>
+              <a:t>   Now delete the ‘</a:t>
+            </a:r>
+            <a:r>
+              <a:rPr lang="en-GB" dirty="0">
+                <a:solidFill>
+                  <a:srgbClr val="FF0000"/>
+                </a:solidFill>
+              </a:rPr>
+              <a:t>ls</a:t>
+            </a:r>
+            <a:r>
+              <a:rPr lang="en-GB" dirty="0"/>
+              <a:t>’ and replace with ‘</a:t>
             </a:r>
             <a:r>
               <a:rPr lang="en-GB" dirty="0" err="1">
-                <a:latin typeface="Andale Mono" panose="020B0509000000000004" pitchFamily="49" charset="0"/>
-              </a:rPr>
-              <a:t>mkdir</a:t>
-            </a:r>
+                <a:solidFill>
+                  <a:srgbClr val="FF0000"/>
+                </a:solidFill>
+              </a:rPr>
+              <a:t>cp</a:t>
+            </a:r>
+            <a:r>
+              <a:rPr lang="en-GB" dirty="0"/>
+              <a:t>’ (copy) so it looks like this:</a:t>
+            </a:r>
+          </a:p>
+          <a:p>
+            <a:pPr marL="0" indent="0">
+              <a:buNone/>
+            </a:pPr>
             <a:r>
               <a:rPr lang="en-GB" dirty="0">
                 <a:latin typeface="Andale Mono" panose="020B0509000000000004" pitchFamily="49" charset="0"/>
               </a:rPr>
+              <a:t> $ </a:t>
+            </a:r>
+            <a:r>
+              <a:rPr lang="en-GB" dirty="0" err="1">
+                <a:latin typeface="Andale Mono" panose="020B0509000000000004" pitchFamily="49" charset="0"/>
+              </a:rPr>
+              <a:t>cp</a:t>
+            </a:r>
+            <a:r>
+              <a:rPr lang="en-GB" dirty="0">
+                <a:latin typeface="Andale Mono" panose="020B0509000000000004" pitchFamily="49" charset="0"/>
+              </a:rPr>
               <a:t> </a:t>
             </a:r>
             <a:r>
@@ -14393,93 +15000,46 @@
               </a:rPr>
               <a:t>my_poems</a:t>
             </a:r>
+            <a:r>
+              <a:rPr lang="en-GB" dirty="0">
+                <a:latin typeface="Andale Mono" panose="020B0509000000000004" pitchFamily="49" charset="0"/>
+              </a:rPr>
+              <a:t>/poem1.txt </a:t>
+            </a:r>
+            <a:r>
+              <a:rPr lang="en-GB" dirty="0" err="1">
+                <a:latin typeface="Andale Mono" panose="020B0509000000000004" pitchFamily="49" charset="0"/>
+              </a:rPr>
+              <a:t>my_poems</a:t>
+            </a:r>
+            <a:r>
+              <a:rPr lang="en-GB" dirty="0">
+                <a:latin typeface="Andale Mono" panose="020B0509000000000004" pitchFamily="49" charset="0"/>
+              </a:rPr>
+              <a:t>/poem12.txt</a:t>
+            </a:r>
+          </a:p>
+          <a:p>
+            <a:pPr marL="0" indent="0">
+              <a:buNone/>
+            </a:pPr>
             <a:endParaRPr lang="en-GB" dirty="0">
               <a:latin typeface="Andale Mono" panose="020B0509000000000004" pitchFamily="49" charset="0"/>
             </a:endParaRPr>
           </a:p>
           <a:p>
+            <a:r>
+              <a:rPr lang="en-GB" dirty="0"/>
+              <a:t>You’ve now copied poem1.txt to poem12.txt</a:t>
+            </a:r>
+          </a:p>
+          <a:p>
             <a:pPr marL="0" indent="0">
               <a:buNone/>
             </a:pPr>
-            <a:r>
-              <a:rPr lang="en-GB" dirty="0">
-                <a:solidFill>
-                  <a:srgbClr val="0070C0"/>
-                </a:solidFill>
-              </a:rPr>
-              <a:t>       </a:t>
-            </a:r>
-            <a:r>
-              <a:rPr lang="en-GB" dirty="0">
-                <a:latin typeface="Andale Mono" panose="020B0509000000000004" pitchFamily="49" charset="0"/>
-              </a:rPr>
-              <a:t>[sxs98pmh@racc-login-0-1 ~]$ ls</a:t>
-            </a:r>
-          </a:p>
-          <a:p>
-            <a:pPr marL="0" indent="0">
-              <a:buNone/>
-            </a:pPr>
-            <a:r>
-              <a:rPr lang="en-GB" dirty="0">
-                <a:solidFill>
-                  <a:srgbClr val="0070C0"/>
-                </a:solidFill>
-              </a:rPr>
-              <a:t>       </a:t>
-            </a:r>
-            <a:r>
-              <a:rPr lang="en-US" dirty="0">
-                <a:latin typeface="Andale Mono" panose="020B0509000000000004" pitchFamily="49" charset="0"/>
-              </a:rPr>
-              <a:t>Desktop       Music      Videos</a:t>
-            </a:r>
-          </a:p>
-          <a:p>
-            <a:pPr marL="0" indent="0">
-              <a:buNone/>
-            </a:pPr>
-            <a:r>
-              <a:rPr lang="en-US" dirty="0">
-                <a:latin typeface="Andale Mono" panose="020B0509000000000004" pitchFamily="49" charset="0"/>
-              </a:rPr>
-              <a:t>   Documents     </a:t>
-            </a:r>
-            <a:r>
-              <a:rPr lang="en-US" dirty="0" err="1">
-                <a:latin typeface="Andale Mono" panose="020B0509000000000004" pitchFamily="49" charset="0"/>
-              </a:rPr>
-              <a:t>my_poems</a:t>
-            </a:r>
-            <a:r>
-              <a:rPr lang="en-US" dirty="0">
-                <a:latin typeface="Andale Mono" panose="020B0509000000000004" pitchFamily="49" charset="0"/>
-              </a:rPr>
-              <a:t>   Public</a:t>
-            </a:r>
-          </a:p>
-          <a:p>
-            <a:pPr marL="0" indent="0">
-              <a:buNone/>
-            </a:pPr>
-            <a:r>
-              <a:rPr lang="en-US" dirty="0">
-                <a:latin typeface="Andale Mono" panose="020B0509000000000004" pitchFamily="49" charset="0"/>
-              </a:rPr>
-              <a:t>   Downloads     Pictures   </a:t>
-            </a:r>
-            <a:r>
-              <a:rPr lang="en-US" dirty="0" err="1">
-                <a:latin typeface="Andale Mono" panose="020B0509000000000004" pitchFamily="49" charset="0"/>
-              </a:rPr>
-              <a:t>test.txt</a:t>
-            </a:r>
-            <a:endParaRPr lang="en-US" dirty="0">
+            <a:endParaRPr lang="en-GB" dirty="0">
               <a:latin typeface="Andale Mono" panose="020B0509000000000004" pitchFamily="49" charset="0"/>
             </a:endParaRPr>
-          </a:p>
-          <a:p>
-            <a:endParaRPr lang="en-GB" dirty="0"/>
           </a:p>
         </p:txBody>
       </p:sp>
@@ -14510,7 +15070,7 @@
     </p:spTree>
     <p:extLst>
       <p:ext uri="{BB962C8B-B14F-4D97-AF65-F5344CB8AC3E}">
-        <p14:creationId xmlns:p14="http://schemas.microsoft.com/office/powerpoint/2010/main" val="1224337523"/>
+        <p14:creationId xmlns:p14="http://schemas.microsoft.com/office/powerpoint/2010/main" val="3471376847"/>
       </p:ext>
     </p:extLst>
   </p:cSld>
@@ -14520,6 +15080,13 @@
   <p:transition>
     <p:fade/>
   </p:transition>
+  <p:timing>
+    <p:tnLst>
+      <p:par>
+        <p:cTn id="1" dur="indefinite" restart="never" nodeType="tmRoot"/>
+      </p:par>
+    </p:tnLst>
+  </p:timing>
 </p:sld>
 </file>
 
@@ -14557,7 +15124,7 @@
           <a:p>
             <a:r>
               <a:rPr lang="en-GB" dirty="0"/>
-              <a:t>Navigating directories - cd</a:t>
+              <a:t>More Tips and tricks</a:t>
             </a:r>
           </a:p>
         </p:txBody>
@@ -14584,7 +15151,28 @@
           <a:p>
             <a:r>
               <a:rPr lang="en-GB" dirty="0"/>
-              <a:t>‘</a:t>
+              <a:t>Another aid to speedy bashing is to copy and paste to the command line.</a:t>
+            </a:r>
+          </a:p>
+          <a:p>
+            <a:r>
+              <a:rPr lang="en-GB" dirty="0"/>
+              <a:t>To save using the mouse you can press ‘shift + insert’ keys together</a:t>
+            </a:r>
+          </a:p>
+          <a:p>
+            <a:endParaRPr lang="en-GB" dirty="0"/>
+          </a:p>
+          <a:p>
+            <a:r>
+              <a:rPr lang="en-GB" dirty="0"/>
+              <a:t>Bash features an auto-complete: start typing the name or path for a file then press the ‘Tab’ key. If only one possibility exists then bash will complete it in the command line. If many possibilities exists bash will show you the various options.</a:t>
+            </a:r>
+          </a:p>
+          <a:p>
+            <a:r>
+              <a:rPr lang="en-GB" dirty="0"/>
+              <a:t>Try this: ‘</a:t>
             </a:r>
             <a:r>
               <a:rPr lang="en-GB" dirty="0">
@@ -14592,25 +15180,17 @@
                   <a:srgbClr val="FF0000"/>
                 </a:solidFill>
               </a:rPr>
-              <a:t>cd</a:t>
-            </a:r>
-            <a:r>
-              <a:rPr lang="en-GB" dirty="0"/>
-              <a:t>’ is short for ‘change directory’ </a:t>
-            </a:r>
-          </a:p>
-          <a:p>
-            <a:r>
-              <a:rPr lang="en-GB" dirty="0"/>
-              <a:t>To navigate into the ‘</a:t>
-            </a:r>
-            <a:r>
-              <a:rPr lang="en-GB" dirty="0" err="1"/>
-              <a:t>my_poems</a:t>
-            </a:r>
-            <a:r>
-              <a:rPr lang="en-GB" dirty="0"/>
-              <a:t>’ directory type ‘</a:t>
+              <a:t>ls /v(tab) w(tab) h(tab)</a:t>
+            </a:r>
+            <a:r>
+              <a:rPr lang="en-GB" dirty="0"/>
+              <a:t>’</a:t>
+            </a:r>
+          </a:p>
+          <a:p>
+            <a:r>
+              <a:rPr lang="en-GB" dirty="0"/>
+              <a:t>You should now have a line that looks like this: ‘</a:t>
             </a:r>
             <a:r>
               <a:rPr lang="en-GB" dirty="0">
@@ -14618,7 +15198,7 @@
                   <a:srgbClr val="FF0000"/>
                 </a:solidFill>
               </a:rPr>
-              <a:t>cd </a:t>
+              <a:t>ls /</a:t>
             </a:r>
             <a:r>
               <a:rPr lang="en-GB" dirty="0" err="1">
@@ -14626,107 +15206,28 @@
                   <a:srgbClr val="FF0000"/>
                 </a:solidFill>
               </a:rPr>
-              <a:t>my_poems</a:t>
+              <a:t>var</a:t>
+            </a:r>
+            <a:r>
+              <a:rPr lang="en-GB" dirty="0">
+                <a:solidFill>
+                  <a:srgbClr val="FF0000"/>
+                </a:solidFill>
+              </a:rPr>
+              <a:t>/www/html/</a:t>
             </a:r>
             <a:r>
               <a:rPr lang="en-GB" dirty="0"/>
               <a:t>’</a:t>
-            </a:r>
-          </a:p>
-          <a:p>
-            <a:r>
-              <a:rPr lang="en-GB" dirty="0"/>
-              <a:t>Remember Unix is case sensitive!</a:t>
-            </a:r>
-          </a:p>
-          <a:p>
-            <a:r>
-              <a:rPr lang="en-GB" dirty="0"/>
-              <a:t>The prompt shows you that you are in the ‘</a:t>
-            </a:r>
-            <a:r>
-              <a:rPr lang="en-GB" dirty="0" err="1"/>
-              <a:t>my_poems</a:t>
-            </a:r>
-            <a:r>
-              <a:rPr lang="en-GB" dirty="0"/>
-              <a:t>’ folder:</a:t>
             </a:r>
           </a:p>
           <a:p>
             <a:pPr marL="0" indent="0">
               <a:buNone/>
             </a:pPr>
-            <a:r>
-              <a:rPr lang="en-GB" dirty="0">
-                <a:latin typeface="Andale Mono" panose="020B0509000000000004" pitchFamily="49" charset="0"/>
-              </a:rPr>
-              <a:t>   [sxs98pmh@racc-login-0-1 </a:t>
-            </a:r>
-            <a:r>
-              <a:rPr lang="en-GB" dirty="0" err="1">
-                <a:latin typeface="Andale Mono" panose="020B0509000000000004" pitchFamily="49" charset="0"/>
-              </a:rPr>
-              <a:t>my_poems</a:t>
-            </a:r>
-            <a:r>
-              <a:rPr lang="en-GB" dirty="0">
-                <a:latin typeface="Andale Mono" panose="020B0509000000000004" pitchFamily="49" charset="0"/>
-              </a:rPr>
-              <a:t>]$</a:t>
-            </a:r>
-            <a:endParaRPr lang="en-GB" dirty="0"/>
-          </a:p>
-          <a:p>
-            <a:r>
-              <a:rPr lang="en-GB" dirty="0"/>
-              <a:t>Of course there are no files in this folder yet!</a:t>
-            </a:r>
-          </a:p>
-          <a:p>
-            <a:r>
-              <a:rPr lang="en-GB" dirty="0"/>
-              <a:t>To return to your home directory type ‘</a:t>
-            </a:r>
-            <a:r>
-              <a:rPr lang="en-GB" dirty="0">
-                <a:solidFill>
-                  <a:srgbClr val="FF0000"/>
-                </a:solidFill>
-              </a:rPr>
-              <a:t>cd ~</a:t>
-            </a:r>
-            <a:r>
-              <a:rPr lang="en-GB" dirty="0"/>
-              <a:t>’. This returns you to your home directory from any location on the system.</a:t>
-            </a:r>
-          </a:p>
-          <a:p>
-            <a:r>
-              <a:rPr lang="en-GB" dirty="0"/>
-              <a:t>To go up one directory  type ‘</a:t>
-            </a:r>
-            <a:r>
-              <a:rPr lang="en-GB" dirty="0">
-                <a:solidFill>
-                  <a:srgbClr val="FF0000"/>
-                </a:solidFill>
-              </a:rPr>
-              <a:t>cd ..</a:t>
-            </a:r>
-            <a:r>
-              <a:rPr lang="en-GB" dirty="0"/>
-              <a:t>’</a:t>
-            </a:r>
-          </a:p>
-          <a:p>
-            <a:r>
-              <a:rPr lang="en-GB" dirty="0"/>
-              <a:t>Return to your home directory again.</a:t>
-            </a:r>
-          </a:p>
-          <a:p>
-            <a:endParaRPr lang="en-GB" dirty="0"/>
+            <a:endParaRPr lang="en-GB" dirty="0">
+              <a:latin typeface="Andale Mono" panose="020B0509000000000004" pitchFamily="49" charset="0"/>
+            </a:endParaRPr>
           </a:p>
         </p:txBody>
       </p:sp>
@@ -14757,7 +15258,7 @@
     </p:spTree>
     <p:extLst>
       <p:ext uri="{BB962C8B-B14F-4D97-AF65-F5344CB8AC3E}">
-        <p14:creationId xmlns:p14="http://schemas.microsoft.com/office/powerpoint/2010/main" val="1494344402"/>
+        <p14:creationId xmlns:p14="http://schemas.microsoft.com/office/powerpoint/2010/main" val="2307201295"/>
       </p:ext>
     </p:extLst>
   </p:cSld>
@@ -14767,6 +15268,13 @@
   <p:transition>
     <p:fade/>
   </p:transition>
+  <p:timing>
+    <p:tnLst>
+      <p:par>
+        <p:cTn id="1" dur="indefinite" restart="never" nodeType="tmRoot"/>
+      </p:par>
+    </p:tnLst>
+  </p:timing>
 </p:sld>
 </file>
 
